--- a/src/video07-formatting-your-literature-review.pptx
+++ b/src/video07-formatting-your-literature-review.pptx
@@ -5,7 +5,7 @@
     <p:sldMasterId id="2147483648" r:id="rId1"/>
   </p:sldMasterIdLst>
   <p:notesMasterIdLst>
-    <p:NotesMasterId r:id="rId11"/>
+    <p:NotesMasterId r:id="rId20"/>
   </p:notesMasterIdLst>
   <p:sldIdLst>
     <p:sldId id="256" r:id="rId2"/>
@@ -17,6 +17,15 @@
     <p:sldId id="262" r:id="rId8"/>
     <p:sldId id="263" r:id="rId9"/>
     <p:sldId id="264" r:id="rId10"/>
+    <p:sldId id="265" r:id="rId11"/>
+    <p:sldId id="266" r:id="rId12"/>
+    <p:sldId id="267" r:id="rId13"/>
+    <p:sldId id="268" r:id="rId14"/>
+    <p:sldId id="269" r:id="rId15"/>
+    <p:sldId id="270" r:id="rId16"/>
+    <p:sldId id="271" r:id="rId17"/>
+    <p:sldId id="272" r:id="rId18"/>
+    <p:sldId id="273" r:id="rId19"/>
   </p:sldIdLst>
   <p:sldSz cx="9144000" cy="6858000" type="screen4x3"/>
   <p:notesSz cx="6858000" cy="9144000"/>
@@ -614,6 +623,4524 @@
 </p:notes>
 </file>
 
+<file path=ppt/notesSlides/notesSlide10.xml><?xml version="1.0" encoding="utf-8"?>
+<p:notes xmlns:a="http://schemas.openxmlformats.org/drawingml/2006/main" xmlns:r="http://schemas.openxmlformats.org/officeDocument/2006/relationships" xmlns:p="http://schemas.openxmlformats.org/presentationml/2006/main">
+  <p:cSld>
+    <p:spTree>
+      <p:nvGrpSpPr>
+        <p:cNvPr id="1" name=""/>
+        <p:cNvGrpSpPr/>
+        <p:nvPr/>
+      </p:nvGrpSpPr>
+      <p:grpSpPr>
+        <a:xfrm>
+          <a:off x="0" y="0"/>
+          <a:ext cx="0" cy="0"/>
+          <a:chOff x="0" y="0"/>
+          <a:chExt cx="0" cy="0"/>
+        </a:xfrm>
+      </p:grpSpPr>
+      <p:sp>
+        <p:nvSpPr>
+          <p:cNvPr id="2" name="Slide Image Placeholder 1"/>
+          <p:cNvSpPr>
+            <a:spLocks noGrp="1" noRot="1" noChangeAspect="1"/>
+          </p:cNvSpPr>
+          <p:nvPr>
+            <p:ph type="sldImg"/>
+          </p:nvPr>
+        </p:nvSpPr>
+        <p:spPr/>
+      </p:sp>
+      <p:sp>
+        <p:nvSpPr>
+          <p:cNvPr id="3" name="Notes Placeholder 2"/>
+          <p:cNvSpPr>
+            <a:spLocks noGrp="1"/>
+          </p:cNvSpPr>
+          <p:nvPr>
+            <p:ph type="body" idx="1"/>
+          </p:nvPr>
+        </p:nvSpPr>
+        <p:spPr/>
+        <p:txBody>
+          <a:bodyPr/>
+          <a:lstStyle/>
+          <a:p>
+            <a:pPr lvl="0" marL="0" indent="0">
+              <a:buNone/>
+            </a:pPr>
+            <a:r>
+              <a:rPr/>
+              <a:t>Watch</a:t>
+            </a:r>
+            <a:r>
+              <a:rPr/>
+              <a:t> </a:t>
+            </a:r>
+            <a:r>
+              <a:rPr/>
+              <a:t>for</a:t>
+            </a:r>
+            <a:r>
+              <a:rPr/>
+              <a:t> </a:t>
+            </a:r>
+            <a:r>
+              <a:rPr/>
+              <a:t>little</a:t>
+            </a:r>
+            <a:r>
+              <a:rPr/>
+              <a:t> </a:t>
+            </a:r>
+            <a:r>
+              <a:rPr/>
+              <a:t>details.</a:t>
+            </a:r>
+            <a:r>
+              <a:rPr/>
+              <a:t> </a:t>
+            </a:r>
+            <a:r>
+              <a:rPr/>
+              <a:t>One</a:t>
+            </a:r>
+            <a:r>
+              <a:rPr/>
+              <a:t> </a:t>
+            </a:r>
+            <a:r>
+              <a:rPr/>
+              <a:t>student</a:t>
+            </a:r>
+            <a:r>
+              <a:rPr/>
+              <a:t> </a:t>
+            </a:r>
+            <a:r>
+              <a:rPr/>
+              <a:t>used</a:t>
+            </a:r>
+            <a:r>
+              <a:rPr/>
+              <a:t> </a:t>
+            </a:r>
+            <a:r>
+              <a:rPr/>
+              <a:t>bold</a:t>
+            </a:r>
+            <a:r>
+              <a:rPr/>
+              <a:t> </a:t>
+            </a:r>
+            <a:r>
+              <a:rPr/>
+              <a:t>which</a:t>
+            </a:r>
+            <a:r>
+              <a:rPr/>
+              <a:t> </a:t>
+            </a:r>
+            <a:r>
+              <a:rPr/>
+              <a:t>I</a:t>
+            </a:r>
+            <a:r>
+              <a:rPr/>
+              <a:t> </a:t>
+            </a:r>
+            <a:r>
+              <a:rPr/>
+              <a:t>commented</a:t>
+            </a:r>
+            <a:r>
+              <a:rPr/>
+              <a:t> </a:t>
+            </a:r>
+            <a:r>
+              <a:rPr/>
+              <a:t>on.</a:t>
+            </a:r>
+            <a:r>
+              <a:rPr/>
+              <a:t> </a:t>
+            </a:r>
+            <a:r>
+              <a:rPr/>
+              <a:t>I</a:t>
+            </a:r>
+            <a:r>
+              <a:rPr/>
+              <a:t> </a:t>
+            </a:r>
+            <a:r>
+              <a:rPr/>
+              <a:t>failed</a:t>
+            </a:r>
+            <a:r>
+              <a:rPr/>
+              <a:t> </a:t>
+            </a:r>
+            <a:r>
+              <a:rPr/>
+              <a:t>at</a:t>
+            </a:r>
+            <a:r>
+              <a:rPr/>
+              <a:t> </a:t>
+            </a:r>
+            <a:r>
+              <a:rPr/>
+              <a:t>the</a:t>
+            </a:r>
+            <a:r>
+              <a:rPr/>
+              <a:t> </a:t>
+            </a:r>
+            <a:r>
+              <a:rPr/>
+              <a:t>time</a:t>
+            </a:r>
+            <a:r>
+              <a:rPr/>
+              <a:t> </a:t>
+            </a:r>
+            <a:r>
+              <a:rPr/>
+              <a:t>to</a:t>
+            </a:r>
+            <a:r>
+              <a:rPr/>
+              <a:t> </a:t>
+            </a:r>
+            <a:r>
+              <a:rPr/>
+              <a:t>notice</a:t>
+            </a:r>
+            <a:r>
+              <a:rPr/>
+              <a:t> </a:t>
+            </a:r>
+            <a:r>
+              <a:rPr/>
+              <a:t>that</a:t>
+            </a:r>
+            <a:r>
+              <a:rPr/>
+              <a:t> </a:t>
+            </a:r>
+            <a:r>
+              <a:rPr/>
+              <a:t>everything</a:t>
+            </a:r>
+            <a:r>
+              <a:rPr/>
+              <a:t> </a:t>
+            </a:r>
+            <a:r>
+              <a:rPr/>
+              <a:t>on</a:t>
+            </a:r>
+            <a:r>
+              <a:rPr/>
+              <a:t> </a:t>
+            </a:r>
+            <a:r>
+              <a:rPr/>
+              <a:t>the</a:t>
+            </a:r>
+            <a:r>
+              <a:rPr/>
+              <a:t> </a:t>
+            </a:r>
+            <a:r>
+              <a:rPr/>
+              <a:t>copyright</a:t>
+            </a:r>
+            <a:r>
+              <a:rPr/>
+              <a:t> </a:t>
+            </a:r>
+            <a:r>
+              <a:rPr/>
+              <a:t>page</a:t>
+            </a:r>
+            <a:r>
+              <a:rPr/>
+              <a:t> </a:t>
+            </a:r>
+            <a:r>
+              <a:rPr/>
+              <a:t>is</a:t>
+            </a:r>
+            <a:r>
+              <a:rPr/>
+              <a:t> </a:t>
+            </a:r>
+            <a:r>
+              <a:rPr/>
+              <a:t>all</a:t>
+            </a:r>
+            <a:r>
+              <a:rPr/>
+              <a:t> </a:t>
+            </a:r>
+            <a:r>
+              <a:rPr/>
+              <a:t>uppercase.</a:t>
+            </a:r>
+            <a:r>
+              <a:rPr/>
+              <a:t> </a:t>
+            </a:r>
+            <a:r>
+              <a:rPr/>
+              <a:t>There’s</a:t>
+            </a:r>
+            <a:r>
+              <a:rPr/>
+              <a:t> </a:t>
+            </a:r>
+            <a:r>
+              <a:rPr/>
+              <a:t>also</a:t>
+            </a:r>
+            <a:r>
+              <a:rPr/>
+              <a:t> </a:t>
+            </a:r>
+            <a:r>
+              <a:rPr/>
+              <a:t>no</a:t>
+            </a:r>
+            <a:r>
+              <a:rPr/>
+              <a:t> </a:t>
+            </a:r>
+            <a:r>
+              <a:rPr/>
+              <a:t>copyright</a:t>
+            </a:r>
+            <a:r>
+              <a:rPr/>
+              <a:t> </a:t>
+            </a:r>
+            <a:r>
+              <a:rPr/>
+              <a:t>symbol</a:t>
+            </a:r>
+            <a:r>
+              <a:rPr/>
+              <a:t> </a:t>
+            </a:r>
+            <a:r>
+              <a:rPr/>
+              <a:t>(C</a:t>
+            </a:r>
+            <a:r>
+              <a:rPr/>
+              <a:t> </a:t>
+            </a:r>
+            <a:r>
+              <a:rPr/>
+              <a:t>within</a:t>
+            </a:r>
+            <a:r>
+              <a:rPr/>
+              <a:t> </a:t>
+            </a:r>
+            <a:r>
+              <a:rPr/>
+              <a:t>a</a:t>
+            </a:r>
+            <a:r>
+              <a:rPr/>
+              <a:t> </a:t>
+            </a:r>
+            <a:r>
+              <a:rPr/>
+              <a:t>circle).</a:t>
+            </a:r>
+            <a:r>
+              <a:rPr/>
+              <a:t> </a:t>
+            </a:r>
+            <a:r>
+              <a:rPr/>
+              <a:t>This</a:t>
+            </a:r>
+            <a:r>
+              <a:rPr/>
+              <a:t> </a:t>
+            </a:r>
+            <a:r>
+              <a:rPr/>
+              <a:t>is</a:t>
+            </a:r>
+            <a:r>
+              <a:rPr/>
+              <a:t> </a:t>
+            </a:r>
+            <a:r>
+              <a:rPr/>
+              <a:t>a</a:t>
+            </a:r>
+            <a:r>
+              <a:rPr/>
+              <a:t> </a:t>
+            </a:r>
+            <a:r>
+              <a:rPr/>
+              <a:t>minor</a:t>
+            </a:r>
+            <a:r>
+              <a:rPr/>
+              <a:t> </a:t>
+            </a:r>
+            <a:r>
+              <a:rPr/>
+              <a:t>deviation</a:t>
+            </a:r>
+            <a:r>
+              <a:rPr/>
+              <a:t> </a:t>
+            </a:r>
+            <a:r>
+              <a:rPr/>
+              <a:t>and</a:t>
+            </a:r>
+            <a:r>
+              <a:rPr/>
+              <a:t> </a:t>
+            </a:r>
+            <a:r>
+              <a:rPr/>
+              <a:t>probably</a:t>
+            </a:r>
+            <a:r>
+              <a:rPr/>
+              <a:t> </a:t>
+            </a:r>
+            <a:r>
+              <a:rPr/>
+              <a:t>did</a:t>
+            </a:r>
+            <a:r>
+              <a:rPr/>
+              <a:t> </a:t>
+            </a:r>
+            <a:r>
+              <a:rPr/>
+              <a:t>not</a:t>
+            </a:r>
+            <a:r>
+              <a:rPr/>
+              <a:t> </a:t>
+            </a:r>
+            <a:r>
+              <a:rPr/>
+              <a:t>lead</a:t>
+            </a:r>
+            <a:r>
+              <a:rPr/>
+              <a:t> </a:t>
+            </a:r>
+            <a:r>
+              <a:rPr/>
+              <a:t>to</a:t>
+            </a:r>
+            <a:r>
+              <a:rPr/>
+              <a:t> </a:t>
+            </a:r>
+            <a:r>
+              <a:rPr/>
+              <a:t>loss</a:t>
+            </a:r>
+            <a:r>
+              <a:rPr/>
+              <a:t> </a:t>
+            </a:r>
+            <a:r>
+              <a:rPr/>
+              <a:t>of</a:t>
+            </a:r>
+            <a:r>
+              <a:rPr/>
+              <a:t> </a:t>
+            </a:r>
+            <a:r>
+              <a:rPr/>
+              <a:t>more</a:t>
+            </a:r>
+            <a:r>
+              <a:rPr/>
+              <a:t> </a:t>
+            </a:r>
+            <a:r>
+              <a:rPr/>
+              <a:t>than</a:t>
+            </a:r>
+            <a:r>
+              <a:rPr/>
+              <a:t> </a:t>
+            </a:r>
+            <a:r>
+              <a:rPr/>
+              <a:t>a</a:t>
+            </a:r>
+            <a:r>
+              <a:rPr/>
+              <a:t> </a:t>
+            </a:r>
+            <a:r>
+              <a:rPr/>
+              <a:t>single</a:t>
+            </a:r>
+            <a:r>
+              <a:rPr/>
+              <a:t> </a:t>
+            </a:r>
+            <a:r>
+              <a:rPr/>
+              <a:t>point.</a:t>
+            </a:r>
+          </a:p>
+          <a:p>
+            <a:pPr lvl="0" marL="0" indent="0">
+              <a:buNone/>
+            </a:pPr>
+          </a:p>
+          <a:p>
+            <a:pPr lvl="0" marL="0" indent="0">
+              <a:buNone/>
+            </a:pPr>
+            <a:r>
+              <a:rPr/>
+              <a:t>But</a:t>
+            </a:r>
+            <a:r>
+              <a:rPr/>
+              <a:t> </a:t>
+            </a:r>
+            <a:r>
+              <a:rPr/>
+              <a:t>please</a:t>
+            </a:r>
+            <a:r>
+              <a:rPr/>
+              <a:t> </a:t>
+            </a:r>
+            <a:r>
+              <a:rPr/>
+              <a:t>try</a:t>
+            </a:r>
+            <a:r>
+              <a:rPr/>
+              <a:t> </a:t>
+            </a:r>
+            <a:r>
+              <a:rPr/>
+              <a:t>to</a:t>
+            </a:r>
+            <a:r>
+              <a:rPr/>
+              <a:t> </a:t>
+            </a:r>
+            <a:r>
+              <a:rPr/>
+              <a:t>get</a:t>
+            </a:r>
+            <a:r>
+              <a:rPr/>
+              <a:t> </a:t>
+            </a:r>
+            <a:r>
+              <a:rPr/>
+              <a:t>these</a:t>
+            </a:r>
+            <a:r>
+              <a:rPr/>
+              <a:t> </a:t>
+            </a:r>
+            <a:r>
+              <a:rPr/>
+              <a:t>details</a:t>
+            </a:r>
+            <a:r>
+              <a:rPr/>
+              <a:t> </a:t>
+            </a:r>
+            <a:r>
+              <a:rPr/>
+              <a:t>down</a:t>
+            </a:r>
+            <a:r>
+              <a:rPr/>
+              <a:t> </a:t>
+            </a:r>
+            <a:r>
+              <a:rPr/>
+              <a:t>now.</a:t>
+            </a:r>
+            <a:r>
+              <a:rPr/>
+              <a:t> </a:t>
+            </a:r>
+            <a:r>
+              <a:rPr/>
+              <a:t>I</a:t>
+            </a:r>
+            <a:r>
+              <a:rPr/>
+              <a:t> </a:t>
+            </a:r>
+            <a:r>
+              <a:rPr/>
+              <a:t>do</a:t>
+            </a:r>
+            <a:r>
+              <a:rPr/>
+              <a:t> </a:t>
+            </a:r>
+            <a:r>
+              <a:rPr/>
+              <a:t>look</a:t>
+            </a:r>
+            <a:r>
+              <a:rPr/>
+              <a:t> </a:t>
+            </a:r>
+            <a:r>
+              <a:rPr/>
+              <a:t>for</a:t>
+            </a:r>
+            <a:r>
+              <a:rPr/>
+              <a:t> </a:t>
+            </a:r>
+            <a:r>
+              <a:rPr/>
+              <a:t>strict</a:t>
+            </a:r>
+            <a:r>
+              <a:rPr/>
+              <a:t> </a:t>
+            </a:r>
+            <a:r>
+              <a:rPr/>
+              <a:t>consistency</a:t>
+            </a:r>
+            <a:r>
+              <a:rPr/>
+              <a:t> </a:t>
+            </a:r>
+            <a:r>
+              <a:rPr/>
+              <a:t>to</a:t>
+            </a:r>
+            <a:r>
+              <a:rPr/>
+              <a:t> </a:t>
+            </a:r>
+            <a:r>
+              <a:rPr/>
+              <a:t>the</a:t>
+            </a:r>
+            <a:r>
+              <a:rPr/>
+              <a:t> </a:t>
+            </a:r>
+            <a:r>
+              <a:rPr/>
+              <a:t>published</a:t>
+            </a:r>
+            <a:r>
+              <a:rPr/>
+              <a:t> </a:t>
+            </a:r>
+            <a:r>
+              <a:rPr/>
+              <a:t>guidelines.</a:t>
+            </a:r>
+          </a:p>
+        </p:txBody>
+      </p:sp>
+      <p:sp>
+        <p:nvSpPr>
+          <p:cNvPr id="4" name="Slide Number Placeholder 3"/>
+          <p:cNvSpPr>
+            <a:spLocks noGrp="1"/>
+          </p:cNvSpPr>
+          <p:nvPr>
+            <p:ph type="sldNum" sz="quarter" idx="10"/>
+          </p:nvPr>
+        </p:nvSpPr>
+        <p:spPr/>
+        <p:txBody>
+          <a:bodyPr/>
+          <a:lstStyle/>
+          <a:p>
+            <a:fld id="{18BDFEC3-8487-43E8-A154-7C12CBC1FFF2}" type="slidenum">
+              <a:rPr lang="en-US"/>
+              <a:t>11</a:t>
+            </a:fld>
+            <a:endParaRPr lang="en-US"/>
+          </a:p>
+        </p:txBody>
+      </p:sp>
+    </p:spTree>
+  </p:cSld>
+</p:notes>
+</file>
+
+<file path=ppt/notesSlides/notesSlide11.xml><?xml version="1.0" encoding="utf-8"?>
+<p:notes xmlns:a="http://schemas.openxmlformats.org/drawingml/2006/main" xmlns:r="http://schemas.openxmlformats.org/officeDocument/2006/relationships" xmlns:p="http://schemas.openxmlformats.org/presentationml/2006/main">
+  <p:cSld>
+    <p:spTree>
+      <p:nvGrpSpPr>
+        <p:cNvPr id="1" name=""/>
+        <p:cNvGrpSpPr/>
+        <p:nvPr/>
+      </p:nvGrpSpPr>
+      <p:grpSpPr>
+        <a:xfrm>
+          <a:off x="0" y="0"/>
+          <a:ext cx="0" cy="0"/>
+          <a:chOff x="0" y="0"/>
+          <a:chExt cx="0" cy="0"/>
+        </a:xfrm>
+      </p:grpSpPr>
+      <p:sp>
+        <p:nvSpPr>
+          <p:cNvPr id="2" name="Slide Image Placeholder 1"/>
+          <p:cNvSpPr>
+            <a:spLocks noGrp="1" noRot="1" noChangeAspect="1"/>
+          </p:cNvSpPr>
+          <p:nvPr>
+            <p:ph type="sldImg"/>
+          </p:nvPr>
+        </p:nvSpPr>
+        <p:spPr/>
+      </p:sp>
+      <p:sp>
+        <p:nvSpPr>
+          <p:cNvPr id="3" name="Notes Placeholder 2"/>
+          <p:cNvSpPr>
+            <a:spLocks noGrp="1"/>
+          </p:cNvSpPr>
+          <p:nvPr>
+            <p:ph type="body" idx="1"/>
+          </p:nvPr>
+        </p:nvSpPr>
+        <p:spPr/>
+        <p:txBody>
+          <a:bodyPr/>
+          <a:lstStyle/>
+          <a:p>
+            <a:pPr lvl="0" marL="0" indent="0">
+              <a:buNone/>
+            </a:pPr>
+            <a:r>
+              <a:rPr/>
+              <a:t>Also</a:t>
+            </a:r>
+            <a:r>
+              <a:rPr/>
+              <a:t> </a:t>
+            </a:r>
+            <a:r>
+              <a:rPr/>
+              <a:t>put</a:t>
+            </a:r>
+            <a:r>
+              <a:rPr/>
+              <a:t> </a:t>
+            </a:r>
+            <a:r>
+              <a:rPr/>
+              <a:t>in</a:t>
+            </a:r>
+            <a:r>
+              <a:rPr/>
+              <a:t> </a:t>
+            </a:r>
+            <a:r>
+              <a:rPr/>
+              <a:t>an</a:t>
+            </a:r>
+            <a:r>
+              <a:rPr/>
+              <a:t> </a:t>
+            </a:r>
+            <a:r>
+              <a:rPr/>
+              <a:t>approval</a:t>
+            </a:r>
+            <a:r>
+              <a:rPr/>
+              <a:t> </a:t>
+            </a:r>
+            <a:r>
+              <a:rPr/>
+              <a:t>page.</a:t>
+            </a:r>
+            <a:r>
+              <a:rPr/>
+              <a:t> </a:t>
+            </a:r>
+            <a:r>
+              <a:rPr/>
+              <a:t>Just</a:t>
+            </a:r>
+            <a:r>
+              <a:rPr/>
+              <a:t> </a:t>
+            </a:r>
+            <a:r>
+              <a:rPr/>
+              <a:t>make</a:t>
+            </a:r>
+            <a:r>
+              <a:rPr/>
+              <a:t> </a:t>
+            </a:r>
+            <a:r>
+              <a:rPr/>
+              <a:t>up</a:t>
+            </a:r>
+            <a:r>
+              <a:rPr/>
+              <a:t> </a:t>
+            </a:r>
+            <a:r>
+              <a:rPr/>
+              <a:t>some</a:t>
+            </a:r>
+            <a:r>
+              <a:rPr/>
+              <a:t> </a:t>
+            </a:r>
+            <a:r>
+              <a:rPr/>
+              <a:t>names,</a:t>
+            </a:r>
+            <a:r>
+              <a:rPr/>
+              <a:t> </a:t>
+            </a:r>
+            <a:r>
+              <a:rPr/>
+              <a:t>put</a:t>
+            </a:r>
+            <a:r>
+              <a:rPr/>
+              <a:t> </a:t>
+            </a:r>
+            <a:r>
+              <a:rPr/>
+              <a:t>my</a:t>
+            </a:r>
+            <a:r>
+              <a:rPr/>
+              <a:t> </a:t>
+            </a:r>
+            <a:r>
+              <a:rPr/>
+              <a:t>name</a:t>
+            </a:r>
+            <a:r>
+              <a:rPr/>
+              <a:t> </a:t>
+            </a:r>
+            <a:r>
+              <a:rPr/>
+              <a:t>in,</a:t>
+            </a:r>
+            <a:r>
+              <a:rPr/>
+              <a:t> </a:t>
+            </a:r>
+            <a:r>
+              <a:rPr/>
+              <a:t>put</a:t>
+            </a:r>
+            <a:r>
+              <a:rPr/>
+              <a:t> </a:t>
+            </a:r>
+            <a:r>
+              <a:rPr/>
+              <a:t>in</a:t>
+            </a:r>
+            <a:r>
+              <a:rPr/>
+              <a:t> </a:t>
+            </a:r>
+            <a:r>
+              <a:rPr/>
+              <a:t>some</a:t>
+            </a:r>
+            <a:r>
+              <a:rPr/>
+              <a:t> </a:t>
+            </a:r>
+            <a:r>
+              <a:rPr/>
+              <a:t>“</a:t>
+            </a:r>
+            <a:r>
+              <a:rPr/>
+              <a:t>To</a:t>
+            </a:r>
+            <a:r>
+              <a:rPr/>
+              <a:t> </a:t>
+            </a:r>
+            <a:r>
+              <a:rPr/>
+              <a:t>be</a:t>
+            </a:r>
+            <a:r>
+              <a:rPr/>
+              <a:t> </a:t>
+            </a:r>
+            <a:r>
+              <a:rPr/>
+              <a:t>added</a:t>
+            </a:r>
+            <a:r>
+              <a:rPr/>
+              <a:t> </a:t>
+            </a:r>
+            <a:r>
+              <a:rPr/>
+              <a:t>later</a:t>
+            </a:r>
+            <a:r>
+              <a:rPr/>
+              <a:t>”</a:t>
+            </a:r>
+            <a:r>
+              <a:rPr/>
+              <a:t> </a:t>
+            </a:r>
+            <a:r>
+              <a:rPr/>
+              <a:t>text.</a:t>
+            </a:r>
+            <a:r>
+              <a:rPr/>
+              <a:t> </a:t>
+            </a:r>
+            <a:r>
+              <a:rPr/>
+              <a:t>It</a:t>
+            </a:r>
+            <a:r>
+              <a:rPr/>
+              <a:t> </a:t>
+            </a:r>
+            <a:r>
+              <a:rPr/>
+              <a:t>doesn’t</a:t>
+            </a:r>
+            <a:r>
+              <a:rPr/>
+              <a:t> </a:t>
+            </a:r>
+            <a:r>
+              <a:rPr/>
+              <a:t>matter.</a:t>
+            </a:r>
+            <a:r>
+              <a:rPr/>
+              <a:t> </a:t>
+            </a:r>
+            <a:r>
+              <a:rPr/>
+              <a:t>Just</a:t>
+            </a:r>
+            <a:r>
+              <a:rPr/>
+              <a:t> </a:t>
+            </a:r>
+            <a:r>
+              <a:rPr/>
+              <a:t>make</a:t>
+            </a:r>
+            <a:r>
+              <a:rPr/>
+              <a:t> </a:t>
+            </a:r>
+            <a:r>
+              <a:rPr/>
+              <a:t>sure</a:t>
+            </a:r>
+            <a:r>
+              <a:rPr/>
+              <a:t> </a:t>
+            </a:r>
+            <a:r>
+              <a:rPr/>
+              <a:t>that</a:t>
+            </a:r>
+            <a:r>
+              <a:rPr/>
+              <a:t> </a:t>
+            </a:r>
+            <a:r>
+              <a:rPr/>
+              <a:t>you</a:t>
+            </a:r>
+            <a:r>
+              <a:rPr/>
+              <a:t> </a:t>
+            </a:r>
+            <a:r>
+              <a:rPr/>
+              <a:t>get</a:t>
+            </a:r>
+            <a:r>
+              <a:rPr/>
+              <a:t> </a:t>
+            </a:r>
+            <a:r>
+              <a:rPr/>
+              <a:t>the</a:t>
+            </a:r>
+            <a:r>
+              <a:rPr/>
+              <a:t> </a:t>
+            </a:r>
+            <a:r>
+              <a:rPr/>
+              <a:t>format</a:t>
+            </a:r>
+            <a:r>
+              <a:rPr/>
+              <a:t> </a:t>
+            </a:r>
+            <a:r>
+              <a:rPr/>
+              <a:t>right.</a:t>
+            </a:r>
+          </a:p>
+        </p:txBody>
+      </p:sp>
+      <p:sp>
+        <p:nvSpPr>
+          <p:cNvPr id="4" name="Slide Number Placeholder 3"/>
+          <p:cNvSpPr>
+            <a:spLocks noGrp="1"/>
+          </p:cNvSpPr>
+          <p:nvPr>
+            <p:ph type="sldNum" sz="quarter" idx="10"/>
+          </p:nvPr>
+        </p:nvSpPr>
+        <p:spPr/>
+        <p:txBody>
+          <a:bodyPr/>
+          <a:lstStyle/>
+          <a:p>
+            <a:fld id="{18BDFEC3-8487-43E8-A154-7C12CBC1FFF2}" type="slidenum">
+              <a:rPr lang="en-US"/>
+              <a:t>12</a:t>
+            </a:fld>
+            <a:endParaRPr lang="en-US"/>
+          </a:p>
+        </p:txBody>
+      </p:sp>
+    </p:spTree>
+  </p:cSld>
+</p:notes>
+</file>
+
+<file path=ppt/notesSlides/notesSlide12.xml><?xml version="1.0" encoding="utf-8"?>
+<p:notes xmlns:a="http://schemas.openxmlformats.org/drawingml/2006/main" xmlns:r="http://schemas.openxmlformats.org/officeDocument/2006/relationships" xmlns:p="http://schemas.openxmlformats.org/presentationml/2006/main">
+  <p:cSld>
+    <p:spTree>
+      <p:nvGrpSpPr>
+        <p:cNvPr id="1" name=""/>
+        <p:cNvGrpSpPr/>
+        <p:nvPr/>
+      </p:nvGrpSpPr>
+      <p:grpSpPr>
+        <a:xfrm>
+          <a:off x="0" y="0"/>
+          <a:ext cx="0" cy="0"/>
+          <a:chOff x="0" y="0"/>
+          <a:chExt cx="0" cy="0"/>
+        </a:xfrm>
+      </p:grpSpPr>
+      <p:sp>
+        <p:nvSpPr>
+          <p:cNvPr id="2" name="Slide Image Placeholder 1"/>
+          <p:cNvSpPr>
+            <a:spLocks noGrp="1" noRot="1" noChangeAspect="1"/>
+          </p:cNvSpPr>
+          <p:nvPr>
+            <p:ph type="sldImg"/>
+          </p:nvPr>
+        </p:nvSpPr>
+        <p:spPr/>
+      </p:sp>
+      <p:sp>
+        <p:nvSpPr>
+          <p:cNvPr id="3" name="Notes Placeholder 2"/>
+          <p:cNvSpPr>
+            <a:spLocks noGrp="1"/>
+          </p:cNvSpPr>
+          <p:nvPr>
+            <p:ph type="body" idx="1"/>
+          </p:nvPr>
+        </p:nvSpPr>
+        <p:spPr/>
+        <p:txBody>
+          <a:bodyPr/>
+          <a:lstStyle/>
+          <a:p>
+            <a:pPr lvl="0" marL="0" indent="0">
+              <a:buNone/>
+            </a:pPr>
+            <a:r>
+              <a:rPr/>
+              <a:t>Put</a:t>
+            </a:r>
+            <a:r>
+              <a:rPr/>
+              <a:t> </a:t>
+            </a:r>
+            <a:r>
+              <a:rPr/>
+              <a:t>in</a:t>
+            </a:r>
+            <a:r>
+              <a:rPr/>
+              <a:t> </a:t>
+            </a:r>
+            <a:r>
+              <a:rPr/>
+              <a:t>an</a:t>
+            </a:r>
+            <a:r>
+              <a:rPr/>
+              <a:t> </a:t>
+            </a:r>
+            <a:r>
+              <a:rPr/>
+              <a:t>abstract</a:t>
+            </a:r>
+            <a:r>
+              <a:rPr/>
+              <a:t> </a:t>
+            </a:r>
+            <a:r>
+              <a:rPr/>
+              <a:t>page,</a:t>
+            </a:r>
+            <a:r>
+              <a:rPr/>
+              <a:t> </a:t>
+            </a:r>
+            <a:r>
+              <a:rPr/>
+              <a:t>but</a:t>
+            </a:r>
+            <a:r>
+              <a:rPr/>
+              <a:t> </a:t>
+            </a:r>
+            <a:r>
+              <a:rPr/>
+              <a:t>list</a:t>
+            </a:r>
+            <a:r>
+              <a:rPr/>
+              <a:t> </a:t>
+            </a:r>
+            <a:r>
+              <a:rPr/>
+              <a:t>the</a:t>
+            </a:r>
+            <a:r>
+              <a:rPr/>
+              <a:t> </a:t>
+            </a:r>
+            <a:r>
+              <a:rPr/>
+              <a:t>abstract</a:t>
+            </a:r>
+            <a:r>
+              <a:rPr/>
+              <a:t> </a:t>
+            </a:r>
+            <a:r>
+              <a:rPr/>
+              <a:t>itself</a:t>
+            </a:r>
+            <a:r>
+              <a:rPr/>
+              <a:t> </a:t>
+            </a:r>
+            <a:r>
+              <a:rPr/>
+              <a:t>as</a:t>
+            </a:r>
+            <a:r>
+              <a:rPr/>
+              <a:t> </a:t>
+            </a:r>
+            <a:r>
+              <a:rPr/>
+              <a:t>“</a:t>
+            </a:r>
+            <a:r>
+              <a:rPr/>
+              <a:t>To</a:t>
+            </a:r>
+            <a:r>
+              <a:rPr/>
+              <a:t> </a:t>
+            </a:r>
+            <a:r>
+              <a:rPr/>
+              <a:t>be</a:t>
+            </a:r>
+            <a:r>
+              <a:rPr/>
+              <a:t> </a:t>
+            </a:r>
+            <a:r>
+              <a:rPr/>
+              <a:t>added</a:t>
+            </a:r>
+            <a:r>
+              <a:rPr/>
+              <a:t> </a:t>
+            </a:r>
+            <a:r>
+              <a:rPr/>
+              <a:t>later</a:t>
+            </a:r>
+            <a:r>
+              <a:rPr/>
+              <a:t>”</a:t>
+            </a:r>
+            <a:r>
+              <a:rPr/>
+              <a:t>.</a:t>
+            </a:r>
+            <a:r>
+              <a:rPr/>
+              <a:t> </a:t>
+            </a:r>
+            <a:r>
+              <a:rPr/>
+              <a:t>I</a:t>
+            </a:r>
+            <a:r>
+              <a:rPr/>
+              <a:t> </a:t>
+            </a:r>
+            <a:r>
+              <a:rPr/>
+              <a:t>am</a:t>
+            </a:r>
+            <a:r>
+              <a:rPr/>
+              <a:t> </a:t>
+            </a:r>
+            <a:r>
+              <a:rPr/>
+              <a:t>more</a:t>
+            </a:r>
+            <a:r>
+              <a:rPr/>
+              <a:t> </a:t>
+            </a:r>
+            <a:r>
+              <a:rPr/>
+              <a:t>interested</a:t>
+            </a:r>
+            <a:r>
+              <a:rPr/>
+              <a:t> </a:t>
+            </a:r>
+            <a:r>
+              <a:rPr/>
+              <a:t>in</a:t>
+            </a:r>
+            <a:r>
+              <a:rPr/>
+              <a:t> </a:t>
+            </a:r>
+            <a:r>
+              <a:rPr/>
+              <a:t>seeing</a:t>
+            </a:r>
+            <a:r>
+              <a:rPr/>
+              <a:t> </a:t>
+            </a:r>
+            <a:r>
+              <a:rPr/>
+              <a:t>if</a:t>
+            </a:r>
+            <a:r>
+              <a:rPr/>
+              <a:t> </a:t>
+            </a:r>
+            <a:r>
+              <a:rPr/>
+              <a:t>you</a:t>
+            </a:r>
+            <a:r>
+              <a:rPr/>
+              <a:t> </a:t>
+            </a:r>
+            <a:r>
+              <a:rPr/>
+              <a:t>can</a:t>
+            </a:r>
+            <a:r>
+              <a:rPr/>
+              <a:t> </a:t>
+            </a:r>
+            <a:r>
+              <a:rPr/>
+              <a:t>follow</a:t>
+            </a:r>
+            <a:r>
+              <a:rPr/>
+              <a:t> </a:t>
+            </a:r>
+            <a:r>
+              <a:rPr/>
+              <a:t>the</a:t>
+            </a:r>
+            <a:r>
+              <a:rPr/>
+              <a:t> </a:t>
+            </a:r>
+            <a:r>
+              <a:rPr/>
+              <a:t>format.</a:t>
+            </a:r>
+            <a:r>
+              <a:rPr/>
+              <a:t> </a:t>
+            </a:r>
+            <a:r>
+              <a:rPr/>
+              <a:t>ABSTRACT</a:t>
+            </a:r>
+            <a:r>
+              <a:rPr/>
+              <a:t> </a:t>
+            </a:r>
+            <a:r>
+              <a:rPr/>
+              <a:t>is</a:t>
+            </a:r>
+            <a:r>
+              <a:rPr/>
+              <a:t> </a:t>
+            </a:r>
+            <a:r>
+              <a:rPr/>
+              <a:t>centered</a:t>
+            </a:r>
+            <a:r>
+              <a:rPr/>
+              <a:t> </a:t>
+            </a:r>
+            <a:r>
+              <a:rPr/>
+              <a:t>and</a:t>
+            </a:r>
+            <a:r>
+              <a:rPr/>
+              <a:t> </a:t>
+            </a:r>
+            <a:r>
+              <a:rPr/>
+              <a:t>in</a:t>
+            </a:r>
+            <a:r>
+              <a:rPr/>
+              <a:t> </a:t>
+            </a:r>
+            <a:r>
+              <a:rPr/>
+              <a:t>all</a:t>
+            </a:r>
+            <a:r>
+              <a:rPr/>
+              <a:t> </a:t>
+            </a:r>
+            <a:r>
+              <a:rPr/>
+              <a:t>caps</a:t>
+            </a:r>
+            <a:r>
+              <a:rPr/>
+              <a:t> </a:t>
+            </a:r>
+            <a:r>
+              <a:rPr/>
+              <a:t>for</a:t>
+            </a:r>
+            <a:r>
+              <a:rPr/>
+              <a:t> </a:t>
+            </a:r>
+            <a:r>
+              <a:rPr/>
+              <a:t>example.</a:t>
+            </a:r>
+            <a:r>
+              <a:rPr/>
+              <a:t> </a:t>
+            </a:r>
+            <a:r>
+              <a:rPr/>
+              <a:t>Some</a:t>
+            </a:r>
+            <a:r>
+              <a:rPr/>
+              <a:t> </a:t>
+            </a:r>
+            <a:r>
+              <a:rPr/>
+              <a:t>of</a:t>
+            </a:r>
+            <a:r>
+              <a:rPr/>
+              <a:t> </a:t>
+            </a:r>
+            <a:r>
+              <a:rPr/>
+              <a:t>my</a:t>
+            </a:r>
+            <a:r>
+              <a:rPr/>
+              <a:t> </a:t>
+            </a:r>
+            <a:r>
+              <a:rPr/>
+              <a:t>students</a:t>
+            </a:r>
+            <a:r>
+              <a:rPr/>
+              <a:t> </a:t>
+            </a:r>
+            <a:r>
+              <a:rPr/>
+              <a:t>last</a:t>
+            </a:r>
+            <a:r>
+              <a:rPr/>
+              <a:t> </a:t>
+            </a:r>
+            <a:r>
+              <a:rPr/>
+              <a:t>year</a:t>
+            </a:r>
+            <a:r>
+              <a:rPr/>
+              <a:t> </a:t>
+            </a:r>
+            <a:r>
+              <a:rPr/>
+              <a:t>put</a:t>
+            </a:r>
+            <a:r>
+              <a:rPr/>
+              <a:t> </a:t>
+            </a:r>
+            <a:r>
+              <a:rPr/>
+              <a:t>in</a:t>
+            </a:r>
+            <a:r>
+              <a:rPr/>
+              <a:t> </a:t>
+            </a:r>
+            <a:r>
+              <a:rPr/>
+              <a:t>an</a:t>
+            </a:r>
+            <a:r>
+              <a:rPr/>
+              <a:t> </a:t>
+            </a:r>
+            <a:r>
+              <a:rPr/>
+              <a:t>abstract</a:t>
+            </a:r>
+            <a:r>
+              <a:rPr/>
+              <a:t> </a:t>
+            </a:r>
+            <a:r>
+              <a:rPr/>
+              <a:t>and</a:t>
+            </a:r>
+            <a:r>
+              <a:rPr/>
+              <a:t> </a:t>
+            </a:r>
+            <a:r>
+              <a:rPr/>
+              <a:t>that’s</a:t>
+            </a:r>
+            <a:r>
+              <a:rPr/>
+              <a:t> </a:t>
+            </a:r>
+            <a:r>
+              <a:rPr/>
+              <a:t>fine.</a:t>
+            </a:r>
+            <a:r>
+              <a:rPr/>
+              <a:t> </a:t>
+            </a:r>
+            <a:r>
+              <a:rPr/>
+              <a:t>I</a:t>
+            </a:r>
+            <a:r>
+              <a:rPr/>
+              <a:t> </a:t>
+            </a:r>
+            <a:r>
+              <a:rPr/>
+              <a:t>offered</a:t>
+            </a:r>
+            <a:r>
+              <a:rPr/>
+              <a:t> </a:t>
+            </a:r>
+            <a:r>
+              <a:rPr/>
+              <a:t>some</a:t>
+            </a:r>
+            <a:r>
+              <a:rPr/>
+              <a:t> </a:t>
+            </a:r>
+            <a:r>
+              <a:rPr/>
+              <a:t>comments</a:t>
+            </a:r>
+            <a:r>
+              <a:rPr/>
+              <a:t> </a:t>
+            </a:r>
+            <a:r>
+              <a:rPr/>
+              <a:t>and</a:t>
+            </a:r>
+            <a:r>
+              <a:rPr/>
+              <a:t> </a:t>
+            </a:r>
+            <a:r>
+              <a:rPr/>
+              <a:t>suggestions,</a:t>
+            </a:r>
+            <a:r>
+              <a:rPr/>
+              <a:t> </a:t>
+            </a:r>
+            <a:r>
+              <a:rPr/>
+              <a:t>but</a:t>
+            </a:r>
+            <a:r>
+              <a:rPr/>
+              <a:t> </a:t>
+            </a:r>
+            <a:r>
+              <a:rPr/>
+              <a:t>did</a:t>
+            </a:r>
+            <a:r>
+              <a:rPr/>
+              <a:t> </a:t>
+            </a:r>
+            <a:r>
+              <a:rPr/>
+              <a:t>not</a:t>
+            </a:r>
+            <a:r>
+              <a:rPr/>
+              <a:t> </a:t>
+            </a:r>
+            <a:r>
+              <a:rPr/>
+              <a:t>grade</a:t>
+            </a:r>
+            <a:r>
+              <a:rPr/>
+              <a:t> </a:t>
+            </a:r>
+            <a:r>
+              <a:rPr/>
+              <a:t>on</a:t>
+            </a:r>
+            <a:r>
+              <a:rPr/>
+              <a:t> </a:t>
+            </a:r>
+            <a:r>
+              <a:rPr/>
+              <a:t>the</a:t>
+            </a:r>
+            <a:r>
+              <a:rPr/>
+              <a:t> </a:t>
+            </a:r>
+            <a:r>
+              <a:rPr/>
+              <a:t>basis</a:t>
+            </a:r>
+            <a:r>
+              <a:rPr/>
+              <a:t> </a:t>
+            </a:r>
+            <a:r>
+              <a:rPr/>
+              <a:t>of</a:t>
+            </a:r>
+            <a:r>
+              <a:rPr/>
+              <a:t> </a:t>
+            </a:r>
+            <a:r>
+              <a:rPr/>
+              <a:t>what</a:t>
+            </a:r>
+            <a:r>
+              <a:rPr/>
+              <a:t> </a:t>
+            </a:r>
+            <a:r>
+              <a:rPr/>
+              <a:t>was</a:t>
+            </a:r>
+            <a:r>
+              <a:rPr/>
+              <a:t> </a:t>
+            </a:r>
+            <a:r>
+              <a:rPr/>
+              <a:t>in</a:t>
+            </a:r>
+            <a:r>
+              <a:rPr/>
+              <a:t> </a:t>
+            </a:r>
+            <a:r>
+              <a:rPr/>
+              <a:t>the</a:t>
+            </a:r>
+            <a:r>
+              <a:rPr/>
+              <a:t> </a:t>
+            </a:r>
+            <a:r>
+              <a:rPr/>
+              <a:t>abstract.</a:t>
+            </a:r>
+          </a:p>
+          <a:p>
+            <a:pPr lvl="0" marL="0" indent="0">
+              <a:buNone/>
+            </a:pPr>
+          </a:p>
+          <a:p>
+            <a:pPr lvl="0" marL="0" indent="0">
+              <a:buNone/>
+            </a:pPr>
+            <a:r>
+              <a:rPr/>
+              <a:t>Of</a:t>
+            </a:r>
+            <a:r>
+              <a:rPr/>
+              <a:t> </a:t>
+            </a:r>
+            <a:r>
+              <a:rPr/>
+              <a:t>course,</a:t>
+            </a:r>
+            <a:r>
+              <a:rPr/>
+              <a:t> </a:t>
+            </a:r>
+            <a:r>
+              <a:rPr/>
+              <a:t>if</a:t>
+            </a:r>
+            <a:r>
+              <a:rPr/>
+              <a:t> </a:t>
+            </a:r>
+            <a:r>
+              <a:rPr/>
+              <a:t>you</a:t>
+            </a:r>
+            <a:r>
+              <a:rPr/>
+              <a:t> </a:t>
+            </a:r>
+            <a:r>
+              <a:rPr/>
+              <a:t>do</a:t>
+            </a:r>
+            <a:r>
+              <a:rPr/>
+              <a:t> </a:t>
+            </a:r>
+            <a:r>
+              <a:rPr/>
+              <a:t>include</a:t>
+            </a:r>
+            <a:r>
+              <a:rPr/>
+              <a:t> </a:t>
+            </a:r>
+            <a:r>
+              <a:rPr/>
+              <a:t>an</a:t>
+            </a:r>
+            <a:r>
+              <a:rPr/>
+              <a:t> </a:t>
+            </a:r>
+            <a:r>
+              <a:rPr/>
+              <a:t>abstract,</a:t>
+            </a:r>
+            <a:r>
+              <a:rPr/>
+              <a:t> </a:t>
+            </a:r>
+            <a:r>
+              <a:rPr/>
+              <a:t>do</a:t>
+            </a:r>
+            <a:r>
+              <a:rPr/>
+              <a:t> </a:t>
+            </a:r>
+            <a:r>
+              <a:rPr/>
+              <a:t>not</a:t>
+            </a:r>
+            <a:r>
+              <a:rPr/>
+              <a:t> </a:t>
+            </a:r>
+            <a:r>
+              <a:rPr/>
+              <a:t>talk</a:t>
+            </a:r>
+            <a:r>
+              <a:rPr/>
+              <a:t> </a:t>
+            </a:r>
+            <a:r>
+              <a:rPr/>
+              <a:t>about</a:t>
+            </a:r>
+            <a:r>
+              <a:rPr/>
+              <a:t> </a:t>
+            </a:r>
+            <a:r>
+              <a:rPr/>
+              <a:t>results.</a:t>
+            </a:r>
+            <a:r>
+              <a:rPr/>
+              <a:t> </a:t>
+            </a:r>
+            <a:r>
+              <a:rPr/>
+              <a:t>You</a:t>
+            </a:r>
+            <a:r>
+              <a:rPr/>
+              <a:t> </a:t>
+            </a:r>
+            <a:r>
+              <a:rPr/>
+              <a:t>don’t</a:t>
+            </a:r>
+            <a:r>
+              <a:rPr/>
+              <a:t> </a:t>
+            </a:r>
+            <a:r>
+              <a:rPr/>
+              <a:t>have</a:t>
+            </a:r>
+            <a:r>
+              <a:rPr/>
+              <a:t> </a:t>
+            </a:r>
+            <a:r>
+              <a:rPr/>
+              <a:t>any</a:t>
+            </a:r>
+            <a:r>
+              <a:rPr/>
+              <a:t> </a:t>
+            </a:r>
+            <a:r>
+              <a:rPr/>
+              <a:t>results,</a:t>
+            </a:r>
+            <a:r>
+              <a:rPr/>
+              <a:t> </a:t>
+            </a:r>
+            <a:r>
+              <a:rPr/>
+              <a:t>and</a:t>
+            </a:r>
+            <a:r>
+              <a:rPr/>
+              <a:t> </a:t>
+            </a:r>
+            <a:r>
+              <a:rPr/>
+              <a:t>don’t</a:t>
+            </a:r>
+            <a:r>
+              <a:rPr/>
+              <a:t> </a:t>
+            </a:r>
+            <a:r>
+              <a:rPr/>
+              <a:t>try</a:t>
+            </a:r>
+            <a:r>
+              <a:rPr/>
+              <a:t> </a:t>
+            </a:r>
+            <a:r>
+              <a:rPr/>
+              <a:t>to</a:t>
+            </a:r>
+            <a:r>
+              <a:rPr/>
+              <a:t> </a:t>
+            </a:r>
+            <a:r>
+              <a:rPr/>
+              <a:t>make</a:t>
+            </a:r>
+            <a:r>
+              <a:rPr/>
+              <a:t> </a:t>
+            </a:r>
+            <a:r>
+              <a:rPr/>
+              <a:t>them</a:t>
+            </a:r>
+            <a:r>
+              <a:rPr/>
+              <a:t> </a:t>
+            </a:r>
+            <a:r>
+              <a:rPr/>
+              <a:t>up.</a:t>
+            </a:r>
+          </a:p>
+        </p:txBody>
+      </p:sp>
+      <p:sp>
+        <p:nvSpPr>
+          <p:cNvPr id="4" name="Slide Number Placeholder 3"/>
+          <p:cNvSpPr>
+            <a:spLocks noGrp="1"/>
+          </p:cNvSpPr>
+          <p:nvPr>
+            <p:ph type="sldNum" sz="quarter" idx="10"/>
+          </p:nvPr>
+        </p:nvSpPr>
+        <p:spPr/>
+        <p:txBody>
+          <a:bodyPr/>
+          <a:lstStyle/>
+          <a:p>
+            <a:fld id="{18BDFEC3-8487-43E8-A154-7C12CBC1FFF2}" type="slidenum">
+              <a:rPr lang="en-US"/>
+              <a:t>13</a:t>
+            </a:fld>
+            <a:endParaRPr lang="en-US"/>
+          </a:p>
+        </p:txBody>
+      </p:sp>
+    </p:spTree>
+  </p:cSld>
+</p:notes>
+</file>
+
+<file path=ppt/notesSlides/notesSlide13.xml><?xml version="1.0" encoding="utf-8"?>
+<p:notes xmlns:a="http://schemas.openxmlformats.org/drawingml/2006/main" xmlns:r="http://schemas.openxmlformats.org/officeDocument/2006/relationships" xmlns:p="http://schemas.openxmlformats.org/presentationml/2006/main">
+  <p:cSld>
+    <p:spTree>
+      <p:nvGrpSpPr>
+        <p:cNvPr id="1" name=""/>
+        <p:cNvGrpSpPr/>
+        <p:nvPr/>
+      </p:nvGrpSpPr>
+      <p:grpSpPr>
+        <a:xfrm>
+          <a:off x="0" y="0"/>
+          <a:ext cx="0" cy="0"/>
+          <a:chOff x="0" y="0"/>
+          <a:chExt cx="0" cy="0"/>
+        </a:xfrm>
+      </p:grpSpPr>
+      <p:sp>
+        <p:nvSpPr>
+          <p:cNvPr id="2" name="Slide Image Placeholder 1"/>
+          <p:cNvSpPr>
+            <a:spLocks noGrp="1" noRot="1" noChangeAspect="1"/>
+          </p:cNvSpPr>
+          <p:nvPr>
+            <p:ph type="sldImg"/>
+          </p:nvPr>
+        </p:nvSpPr>
+        <p:spPr/>
+      </p:sp>
+      <p:sp>
+        <p:nvSpPr>
+          <p:cNvPr id="3" name="Notes Placeholder 2"/>
+          <p:cNvSpPr>
+            <a:spLocks noGrp="1"/>
+          </p:cNvSpPr>
+          <p:nvPr>
+            <p:ph type="body" idx="1"/>
+          </p:nvPr>
+        </p:nvSpPr>
+        <p:spPr/>
+        <p:txBody>
+          <a:bodyPr/>
+          <a:lstStyle/>
+          <a:p>
+            <a:pPr lvl="0" marL="0" indent="0">
+              <a:buNone/>
+            </a:pPr>
+            <a:r>
+              <a:rPr/>
+              <a:t>Put</a:t>
+            </a:r>
+            <a:r>
+              <a:rPr/>
+              <a:t> </a:t>
+            </a:r>
+            <a:r>
+              <a:rPr/>
+              <a:t>in</a:t>
+            </a:r>
+            <a:r>
+              <a:rPr/>
+              <a:t> </a:t>
+            </a:r>
+            <a:r>
+              <a:rPr/>
+              <a:t>a</a:t>
+            </a:r>
+            <a:r>
+              <a:rPr/>
+              <a:t> </a:t>
+            </a:r>
+            <a:r>
+              <a:rPr/>
+              <a:t>Table</a:t>
+            </a:r>
+            <a:r>
+              <a:rPr/>
+              <a:t> </a:t>
+            </a:r>
+            <a:r>
+              <a:rPr/>
+              <a:t>of</a:t>
+            </a:r>
+            <a:r>
+              <a:rPr/>
+              <a:t> </a:t>
+            </a:r>
+            <a:r>
+              <a:rPr/>
+              <a:t>Contents.</a:t>
+            </a:r>
+            <a:r>
+              <a:rPr/>
+              <a:t> </a:t>
+            </a:r>
+            <a:r>
+              <a:rPr/>
+              <a:t>I</a:t>
+            </a:r>
+            <a:r>
+              <a:rPr/>
+              <a:t> </a:t>
+            </a:r>
+            <a:r>
+              <a:rPr/>
+              <a:t>know</a:t>
+            </a:r>
+            <a:r>
+              <a:rPr/>
+              <a:t> </a:t>
+            </a:r>
+            <a:r>
+              <a:rPr/>
+              <a:t>you</a:t>
+            </a:r>
+            <a:r>
+              <a:rPr/>
+              <a:t> </a:t>
+            </a:r>
+            <a:r>
+              <a:rPr/>
+              <a:t>don’t</a:t>
+            </a:r>
+            <a:r>
+              <a:rPr/>
+              <a:t> </a:t>
+            </a:r>
+            <a:r>
+              <a:rPr/>
+              <a:t>know</a:t>
+            </a:r>
+            <a:r>
+              <a:rPr/>
+              <a:t> </a:t>
+            </a:r>
+            <a:r>
+              <a:rPr/>
+              <a:t>the</a:t>
+            </a:r>
+            <a:r>
+              <a:rPr/>
+              <a:t> </a:t>
+            </a:r>
+            <a:r>
+              <a:rPr/>
+              <a:t>page</a:t>
+            </a:r>
+            <a:r>
+              <a:rPr/>
+              <a:t> </a:t>
+            </a:r>
+            <a:r>
+              <a:rPr/>
+              <a:t>numbers</a:t>
+            </a:r>
+            <a:r>
+              <a:rPr/>
+              <a:t> </a:t>
+            </a:r>
+            <a:r>
+              <a:rPr/>
+              <a:t>yet.</a:t>
+            </a:r>
+            <a:r>
+              <a:rPr/>
+              <a:t> </a:t>
+            </a:r>
+            <a:r>
+              <a:rPr/>
+              <a:t>You</a:t>
+            </a:r>
+            <a:r>
+              <a:rPr/>
+              <a:t> </a:t>
+            </a:r>
+            <a:r>
+              <a:rPr/>
+              <a:t>don’t</a:t>
+            </a:r>
+            <a:r>
+              <a:rPr/>
+              <a:t> </a:t>
+            </a:r>
+            <a:r>
+              <a:rPr/>
+              <a:t>even</a:t>
+            </a:r>
+            <a:r>
+              <a:rPr/>
+              <a:t> </a:t>
+            </a:r>
+            <a:r>
+              <a:rPr/>
+              <a:t>know</a:t>
+            </a:r>
+            <a:r>
+              <a:rPr/>
+              <a:t> </a:t>
+            </a:r>
+            <a:r>
+              <a:rPr/>
+              <a:t>what</a:t>
+            </a:r>
+            <a:r>
+              <a:rPr/>
+              <a:t> </a:t>
+            </a:r>
+            <a:r>
+              <a:rPr/>
+              <a:t>the</a:t>
+            </a:r>
+            <a:r>
+              <a:rPr/>
+              <a:t> </a:t>
+            </a:r>
+            <a:r>
+              <a:rPr/>
+              <a:t>sections</a:t>
+            </a:r>
+            <a:r>
+              <a:rPr/>
+              <a:t> </a:t>
+            </a:r>
+            <a:r>
+              <a:rPr/>
+              <a:t>are</a:t>
+            </a:r>
+            <a:r>
+              <a:rPr/>
+              <a:t> </a:t>
+            </a:r>
+            <a:r>
+              <a:rPr/>
+              <a:t>yet.</a:t>
+            </a:r>
+            <a:r>
+              <a:rPr/>
+              <a:t> </a:t>
+            </a:r>
+            <a:r>
+              <a:rPr/>
+              <a:t>Just</a:t>
+            </a:r>
+            <a:r>
+              <a:rPr/>
+              <a:t> </a:t>
+            </a:r>
+            <a:r>
+              <a:rPr/>
+              <a:t>put</a:t>
+            </a:r>
+            <a:r>
+              <a:rPr/>
+              <a:t> </a:t>
+            </a:r>
+            <a:r>
+              <a:rPr/>
+              <a:t>in</a:t>
+            </a:r>
+            <a:r>
+              <a:rPr/>
+              <a:t> </a:t>
+            </a:r>
+            <a:r>
+              <a:rPr/>
+              <a:t>some</a:t>
+            </a:r>
+            <a:r>
+              <a:rPr/>
+              <a:t> </a:t>
+            </a:r>
+            <a:r>
+              <a:rPr/>
+              <a:t>reasonable</a:t>
+            </a:r>
+            <a:r>
+              <a:rPr/>
+              <a:t> </a:t>
+            </a:r>
+            <a:r>
+              <a:rPr/>
+              <a:t>guess.</a:t>
+            </a:r>
+            <a:r>
+              <a:rPr/>
+              <a:t> </a:t>
+            </a:r>
+            <a:r>
+              <a:rPr/>
+              <a:t>Notice</a:t>
+            </a:r>
+            <a:r>
+              <a:rPr/>
+              <a:t> </a:t>
+            </a:r>
+            <a:r>
+              <a:rPr/>
+              <a:t>the</a:t>
+            </a:r>
+            <a:r>
+              <a:rPr/>
+              <a:t> </a:t>
+            </a:r>
+            <a:r>
+              <a:rPr/>
+              <a:t>use</a:t>
+            </a:r>
+            <a:r>
+              <a:rPr/>
+              <a:t> </a:t>
+            </a:r>
+            <a:r>
+              <a:rPr/>
+              <a:t>of</a:t>
+            </a:r>
+            <a:r>
+              <a:rPr/>
+              <a:t> </a:t>
+            </a:r>
+            <a:r>
+              <a:rPr/>
+              <a:t>Roman</a:t>
+            </a:r>
+            <a:r>
+              <a:rPr/>
+              <a:t> </a:t>
+            </a:r>
+            <a:r>
+              <a:rPr/>
+              <a:t>numbers</a:t>
+            </a:r>
+            <a:r>
+              <a:rPr/>
+              <a:t> </a:t>
+            </a:r>
+            <a:r>
+              <a:rPr/>
+              <a:t>for</a:t>
+            </a:r>
+            <a:r>
+              <a:rPr/>
+              <a:t> </a:t>
+            </a:r>
+            <a:r>
+              <a:rPr/>
+              <a:t>the</a:t>
+            </a:r>
+            <a:r>
+              <a:rPr/>
+              <a:t> </a:t>
+            </a:r>
+            <a:r>
+              <a:rPr/>
+              <a:t>first</a:t>
+            </a:r>
+            <a:r>
+              <a:rPr/>
+              <a:t> </a:t>
+            </a:r>
+            <a:r>
+              <a:rPr/>
+              <a:t>few</a:t>
+            </a:r>
+            <a:r>
+              <a:rPr/>
+              <a:t> </a:t>
+            </a:r>
+            <a:r>
+              <a:rPr/>
+              <a:t>sections</a:t>
+            </a:r>
+            <a:r>
+              <a:rPr/>
+              <a:t> </a:t>
+            </a:r>
+            <a:r>
+              <a:rPr/>
+              <a:t>and</a:t>
+            </a:r>
+            <a:r>
+              <a:rPr/>
+              <a:t> </a:t>
+            </a:r>
+            <a:r>
+              <a:rPr/>
+              <a:t>regular</a:t>
+            </a:r>
+            <a:r>
+              <a:rPr/>
+              <a:t> </a:t>
+            </a:r>
+            <a:r>
+              <a:rPr/>
+              <a:t>numbers</a:t>
+            </a:r>
+            <a:r>
+              <a:rPr/>
+              <a:t> </a:t>
+            </a:r>
+            <a:r>
+              <a:rPr/>
+              <a:t>for</a:t>
+            </a:r>
+            <a:r>
+              <a:rPr/>
+              <a:t> </a:t>
+            </a:r>
+            <a:r>
+              <a:rPr/>
+              <a:t>the</a:t>
+            </a:r>
+            <a:r>
+              <a:rPr/>
+              <a:t> </a:t>
+            </a:r>
+            <a:r>
+              <a:rPr/>
+              <a:t>rest.</a:t>
+            </a:r>
+            <a:r>
+              <a:rPr/>
+              <a:t> </a:t>
+            </a:r>
+            <a:r>
+              <a:rPr/>
+              <a:t>I</a:t>
+            </a:r>
+            <a:r>
+              <a:rPr/>
+              <a:t> </a:t>
+            </a:r>
+            <a:r>
+              <a:rPr/>
+              <a:t>want</a:t>
+            </a:r>
+            <a:r>
+              <a:rPr/>
+              <a:t> </a:t>
+            </a:r>
+            <a:r>
+              <a:rPr/>
+              <a:t>you</a:t>
+            </a:r>
+            <a:r>
+              <a:rPr/>
+              <a:t> </a:t>
+            </a:r>
+            <a:r>
+              <a:rPr/>
+              <a:t>to</a:t>
+            </a:r>
+            <a:r>
+              <a:rPr/>
+              <a:t> </a:t>
+            </a:r>
+            <a:r>
+              <a:rPr/>
+              <a:t>get</a:t>
+            </a:r>
+            <a:r>
+              <a:rPr/>
+              <a:t> </a:t>
+            </a:r>
+            <a:r>
+              <a:rPr/>
+              <a:t>all</a:t>
+            </a:r>
+            <a:r>
+              <a:rPr/>
+              <a:t> </a:t>
+            </a:r>
+            <a:r>
+              <a:rPr/>
+              <a:t>these</a:t>
+            </a:r>
+            <a:r>
+              <a:rPr/>
+              <a:t> </a:t>
+            </a:r>
+            <a:r>
+              <a:rPr/>
+              <a:t>little</a:t>
+            </a:r>
+            <a:r>
+              <a:rPr/>
+              <a:t> </a:t>
+            </a:r>
+            <a:r>
+              <a:rPr/>
+              <a:t>details</a:t>
+            </a:r>
+            <a:r>
+              <a:rPr/>
+              <a:t> </a:t>
+            </a:r>
+            <a:r>
+              <a:rPr/>
+              <a:t>down</a:t>
+            </a:r>
+            <a:r>
+              <a:rPr/>
+              <a:t> </a:t>
+            </a:r>
+            <a:r>
+              <a:rPr/>
+              <a:t>accurately.</a:t>
+            </a:r>
+          </a:p>
+        </p:txBody>
+      </p:sp>
+      <p:sp>
+        <p:nvSpPr>
+          <p:cNvPr id="4" name="Slide Number Placeholder 3"/>
+          <p:cNvSpPr>
+            <a:spLocks noGrp="1"/>
+          </p:cNvSpPr>
+          <p:nvPr>
+            <p:ph type="sldNum" sz="quarter" idx="10"/>
+          </p:nvPr>
+        </p:nvSpPr>
+        <p:spPr/>
+        <p:txBody>
+          <a:bodyPr/>
+          <a:lstStyle/>
+          <a:p>
+            <a:fld id="{18BDFEC3-8487-43E8-A154-7C12CBC1FFF2}" type="slidenum">
+              <a:rPr lang="en-US"/>
+              <a:t>14</a:t>
+            </a:fld>
+            <a:endParaRPr lang="en-US"/>
+          </a:p>
+        </p:txBody>
+      </p:sp>
+    </p:spTree>
+  </p:cSld>
+</p:notes>
+</file>
+
+<file path=ppt/notesSlides/notesSlide14.xml><?xml version="1.0" encoding="utf-8"?>
+<p:notes xmlns:a="http://schemas.openxmlformats.org/drawingml/2006/main" xmlns:r="http://schemas.openxmlformats.org/officeDocument/2006/relationships" xmlns:p="http://schemas.openxmlformats.org/presentationml/2006/main">
+  <p:cSld>
+    <p:spTree>
+      <p:nvGrpSpPr>
+        <p:cNvPr id="1" name=""/>
+        <p:cNvGrpSpPr/>
+        <p:nvPr/>
+      </p:nvGrpSpPr>
+      <p:grpSpPr>
+        <a:xfrm>
+          <a:off x="0" y="0"/>
+          <a:ext cx="0" cy="0"/>
+          <a:chOff x="0" y="0"/>
+          <a:chExt cx="0" cy="0"/>
+        </a:xfrm>
+      </p:grpSpPr>
+      <p:sp>
+        <p:nvSpPr>
+          <p:cNvPr id="2" name="Slide Image Placeholder 1"/>
+          <p:cNvSpPr>
+            <a:spLocks noGrp="1" noRot="1" noChangeAspect="1"/>
+          </p:cNvSpPr>
+          <p:nvPr>
+            <p:ph type="sldImg"/>
+          </p:nvPr>
+        </p:nvSpPr>
+        <p:spPr/>
+      </p:sp>
+      <p:sp>
+        <p:nvSpPr>
+          <p:cNvPr id="3" name="Notes Placeholder 2"/>
+          <p:cNvSpPr>
+            <a:spLocks noGrp="1"/>
+          </p:cNvSpPr>
+          <p:nvPr>
+            <p:ph type="body" idx="1"/>
+          </p:nvPr>
+        </p:nvSpPr>
+        <p:spPr/>
+        <p:txBody>
+          <a:bodyPr/>
+          <a:lstStyle/>
+          <a:p>
+            <a:pPr lvl="0" marL="0" indent="0">
+              <a:buNone/>
+            </a:pPr>
+            <a:r>
+              <a:rPr/>
+              <a:t>THis</a:t>
+            </a:r>
+            <a:r>
+              <a:rPr/>
+              <a:t> </a:t>
+            </a:r>
+            <a:r>
+              <a:rPr/>
+              <a:t>one</a:t>
+            </a:r>
+            <a:r>
+              <a:rPr/>
+              <a:t> </a:t>
+            </a:r>
+            <a:r>
+              <a:rPr/>
+              <a:t>is</a:t>
+            </a:r>
+            <a:r>
+              <a:rPr/>
+              <a:t> </a:t>
+            </a:r>
+            <a:r>
+              <a:rPr/>
+              <a:t>not</a:t>
+            </a:r>
+            <a:r>
+              <a:rPr/>
+              <a:t> </a:t>
+            </a:r>
+            <a:r>
+              <a:rPr/>
+              <a:t>too</a:t>
+            </a:r>
+            <a:r>
+              <a:rPr/>
+              <a:t> </a:t>
+            </a:r>
+            <a:r>
+              <a:rPr/>
+              <a:t>bad.</a:t>
+            </a:r>
+            <a:r>
+              <a:rPr/>
+              <a:t> </a:t>
+            </a:r>
+            <a:r>
+              <a:rPr/>
+              <a:t>I</a:t>
+            </a:r>
+            <a:r>
+              <a:rPr/>
+              <a:t> </a:t>
+            </a:r>
+            <a:r>
+              <a:rPr/>
+              <a:t>missed</a:t>
+            </a:r>
+            <a:r>
+              <a:rPr/>
+              <a:t> </a:t>
+            </a:r>
+            <a:r>
+              <a:rPr/>
+              <a:t>a</a:t>
+            </a:r>
+            <a:r>
+              <a:rPr/>
+              <a:t> </a:t>
+            </a:r>
+            <a:r>
+              <a:rPr/>
+              <a:t>few</a:t>
+            </a:r>
+            <a:r>
+              <a:rPr/>
+              <a:t> </a:t>
+            </a:r>
+            <a:r>
+              <a:rPr/>
+              <a:t>details</a:t>
+            </a:r>
+            <a:r>
+              <a:rPr/>
+              <a:t> </a:t>
+            </a:r>
+            <a:r>
+              <a:rPr/>
+              <a:t>when</a:t>
+            </a:r>
+            <a:r>
+              <a:rPr/>
+              <a:t> </a:t>
+            </a:r>
+            <a:r>
+              <a:rPr/>
+              <a:t>I</a:t>
+            </a:r>
+            <a:r>
+              <a:rPr/>
+              <a:t> </a:t>
+            </a:r>
+            <a:r>
+              <a:rPr/>
+              <a:t>graded</a:t>
+            </a:r>
+            <a:r>
+              <a:rPr/>
+              <a:t> </a:t>
+            </a:r>
+            <a:r>
+              <a:rPr/>
+              <a:t>it</a:t>
+            </a:r>
+            <a:r>
+              <a:rPr/>
+              <a:t> </a:t>
+            </a:r>
+            <a:r>
+              <a:rPr/>
+              <a:t>thought.</a:t>
+            </a:r>
+            <a:r>
+              <a:rPr/>
+              <a:t> </a:t>
+            </a:r>
+            <a:r>
+              <a:rPr/>
+              <a:t>The</a:t>
+            </a:r>
+            <a:r>
+              <a:rPr/>
+              <a:t> </a:t>
+            </a:r>
+            <a:r>
+              <a:rPr/>
+              <a:t>words</a:t>
+            </a:r>
+            <a:r>
+              <a:rPr/>
+              <a:t> </a:t>
+            </a:r>
+            <a:r>
+              <a:rPr/>
+              <a:t>“</a:t>
+            </a:r>
+            <a:r>
+              <a:rPr/>
+              <a:t>TABLE</a:t>
+            </a:r>
+            <a:r>
+              <a:rPr/>
+              <a:t> </a:t>
+            </a:r>
+            <a:r>
+              <a:rPr/>
+              <a:t>OF</a:t>
+            </a:r>
+            <a:r>
+              <a:rPr/>
+              <a:t> </a:t>
+            </a:r>
+            <a:r>
+              <a:rPr/>
+              <a:t>CONTENTS</a:t>
+            </a:r>
+            <a:r>
+              <a:rPr/>
+              <a:t>”</a:t>
+            </a:r>
+            <a:r>
+              <a:rPr/>
+              <a:t> </a:t>
+            </a:r>
+            <a:r>
+              <a:rPr/>
+              <a:t>should</a:t>
+            </a:r>
+            <a:r>
+              <a:rPr/>
+              <a:t> </a:t>
+            </a:r>
+            <a:r>
+              <a:rPr/>
+              <a:t>just</a:t>
+            </a:r>
+            <a:r>
+              <a:rPr/>
+              <a:t> </a:t>
+            </a:r>
+            <a:r>
+              <a:rPr/>
+              <a:t>be</a:t>
+            </a:r>
+            <a:r>
+              <a:rPr/>
+              <a:t> </a:t>
+            </a:r>
+            <a:r>
+              <a:rPr/>
+              <a:t>“</a:t>
+            </a:r>
+            <a:r>
+              <a:rPr/>
+              <a:t>CONTENTS</a:t>
+            </a:r>
+            <a:r>
+              <a:rPr/>
+              <a:t>”</a:t>
+            </a:r>
+            <a:r>
+              <a:rPr/>
+              <a:t>.</a:t>
+            </a:r>
+            <a:r>
+              <a:rPr/>
+              <a:t> </a:t>
+            </a:r>
+            <a:r>
+              <a:rPr/>
+              <a:t>The</a:t>
+            </a:r>
+            <a:r>
+              <a:rPr/>
+              <a:t> </a:t>
+            </a:r>
+            <a:r>
+              <a:rPr/>
+              <a:t>“</a:t>
+            </a:r>
+            <a:r>
+              <a:rPr/>
+              <a:t>LIST</a:t>
+            </a:r>
+            <a:r>
+              <a:rPr/>
+              <a:t> </a:t>
+            </a:r>
+            <a:r>
+              <a:rPr/>
+              <a:t>OF</a:t>
+            </a:r>
+            <a:r>
+              <a:rPr/>
+              <a:t> </a:t>
+            </a:r>
+            <a:r>
+              <a:rPr/>
+              <a:t>TABLES</a:t>
+            </a:r>
+            <a:r>
+              <a:rPr/>
+              <a:t>”</a:t>
+            </a:r>
+            <a:r>
+              <a:rPr/>
+              <a:t> </a:t>
+            </a:r>
+            <a:r>
+              <a:rPr/>
+              <a:t>and</a:t>
+            </a:r>
+            <a:r>
+              <a:rPr/>
+              <a:t> </a:t>
+            </a:r>
+            <a:r>
+              <a:rPr/>
+              <a:t>“</a:t>
+            </a:r>
+            <a:r>
+              <a:rPr/>
+              <a:t>LIST</a:t>
+            </a:r>
+            <a:r>
+              <a:rPr/>
+              <a:t> </a:t>
+            </a:r>
+            <a:r>
+              <a:rPr/>
+              <a:t>OF</a:t>
+            </a:r>
+            <a:r>
+              <a:rPr/>
+              <a:t> </a:t>
+            </a:r>
+            <a:r>
+              <a:rPr/>
+              <a:t>ILLUSTRATIONS</a:t>
+            </a:r>
+            <a:r>
+              <a:rPr/>
+              <a:t>”</a:t>
+            </a:r>
+            <a:r>
+              <a:rPr/>
+              <a:t> </a:t>
+            </a:r>
+            <a:r>
+              <a:rPr/>
+              <a:t>should</a:t>
+            </a:r>
+            <a:r>
+              <a:rPr/>
+              <a:t> </a:t>
+            </a:r>
+            <a:r>
+              <a:rPr/>
+              <a:t>be</a:t>
+            </a:r>
+            <a:r>
+              <a:rPr/>
+              <a:t> </a:t>
+            </a:r>
+            <a:r>
+              <a:rPr/>
+              <a:t>on</a:t>
+            </a:r>
+            <a:r>
+              <a:rPr/>
+              <a:t> </a:t>
+            </a:r>
+            <a:r>
+              <a:rPr/>
+              <a:t>a</a:t>
+            </a:r>
+            <a:r>
+              <a:rPr/>
+              <a:t> </a:t>
+            </a:r>
+            <a:r>
+              <a:rPr/>
+              <a:t>single</a:t>
+            </a:r>
+            <a:r>
+              <a:rPr/>
+              <a:t> </a:t>
+            </a:r>
+            <a:r>
+              <a:rPr/>
+              <a:t>line</a:t>
+            </a:r>
+            <a:r>
+              <a:rPr/>
+              <a:t> </a:t>
+            </a:r>
+            <a:r>
+              <a:rPr/>
+              <a:t>and</a:t>
+            </a:r>
+            <a:r>
+              <a:rPr/>
+              <a:t> </a:t>
+            </a:r>
+            <a:r>
+              <a:rPr/>
+              <a:t>not</a:t>
+            </a:r>
+            <a:r>
+              <a:rPr/>
+              <a:t> </a:t>
+            </a:r>
+            <a:r>
+              <a:rPr/>
+              <a:t>broken</a:t>
+            </a:r>
+            <a:r>
+              <a:rPr/>
+              <a:t> </a:t>
+            </a:r>
+            <a:r>
+              <a:rPr/>
+              <a:t>across</a:t>
+            </a:r>
+            <a:r>
+              <a:rPr/>
+              <a:t> </a:t>
+            </a:r>
+            <a:r>
+              <a:rPr/>
+              <a:t>two</a:t>
+            </a:r>
+            <a:r>
+              <a:rPr/>
+              <a:t> </a:t>
+            </a:r>
+            <a:r>
+              <a:rPr/>
+              <a:t>lines.</a:t>
+            </a:r>
+            <a:r>
+              <a:rPr/>
+              <a:t> </a:t>
+            </a:r>
+            <a:r>
+              <a:rPr/>
+              <a:t>The</a:t>
+            </a:r>
+            <a:r>
+              <a:rPr/>
+              <a:t> </a:t>
+            </a:r>
+            <a:r>
+              <a:rPr/>
+              <a:t>word</a:t>
+            </a:r>
+            <a:r>
+              <a:rPr/>
+              <a:t> </a:t>
+            </a:r>
+            <a:r>
+              <a:rPr/>
+              <a:t>“</a:t>
+            </a:r>
+            <a:r>
+              <a:rPr/>
+              <a:t>CHAPTER</a:t>
+            </a:r>
+            <a:r>
+              <a:rPr/>
+              <a:t>”</a:t>
+            </a:r>
+            <a:r>
+              <a:rPr/>
+              <a:t> </a:t>
+            </a:r>
+            <a:r>
+              <a:rPr/>
+              <a:t>should</a:t>
+            </a:r>
+            <a:r>
+              <a:rPr/>
+              <a:t> </a:t>
+            </a:r>
+            <a:r>
+              <a:rPr/>
+              <a:t>not</a:t>
+            </a:r>
+            <a:r>
+              <a:rPr/>
+              <a:t> </a:t>
+            </a:r>
+            <a:r>
+              <a:rPr/>
+              <a:t>be</a:t>
+            </a:r>
+            <a:r>
+              <a:rPr/>
+              <a:t> </a:t>
+            </a:r>
+            <a:r>
+              <a:rPr/>
+              <a:t>all</a:t>
+            </a:r>
+            <a:r>
+              <a:rPr/>
+              <a:t> </a:t>
+            </a:r>
+            <a:r>
+              <a:rPr/>
+              <a:t>upper</a:t>
+            </a:r>
+            <a:r>
+              <a:rPr/>
+              <a:t> </a:t>
+            </a:r>
+            <a:r>
+              <a:rPr/>
+              <a:t>case.</a:t>
+            </a:r>
+            <a:r>
+              <a:rPr/>
+              <a:t> </a:t>
+            </a:r>
+            <a:r>
+              <a:rPr/>
+              <a:t>These</a:t>
+            </a:r>
+            <a:r>
+              <a:rPr/>
+              <a:t> </a:t>
+            </a:r>
+            <a:r>
+              <a:rPr/>
+              <a:t>are</a:t>
+            </a:r>
+            <a:r>
+              <a:rPr/>
+              <a:t> </a:t>
+            </a:r>
+            <a:r>
+              <a:rPr/>
+              <a:t>fairly</a:t>
+            </a:r>
+            <a:r>
+              <a:rPr/>
+              <a:t> </a:t>
+            </a:r>
+            <a:r>
+              <a:rPr/>
+              <a:t>minor</a:t>
+            </a:r>
+            <a:r>
+              <a:rPr/>
+              <a:t> </a:t>
+            </a:r>
+            <a:r>
+              <a:rPr/>
+              <a:t>deviations</a:t>
+            </a:r>
+            <a:r>
+              <a:rPr/>
+              <a:t> </a:t>
+            </a:r>
+            <a:r>
+              <a:rPr/>
+              <a:t>and</a:t>
+            </a:r>
+            <a:r>
+              <a:rPr/>
+              <a:t> </a:t>
+            </a:r>
+            <a:r>
+              <a:rPr/>
+              <a:t>if</a:t>
+            </a:r>
+            <a:r>
+              <a:rPr/>
+              <a:t> </a:t>
+            </a:r>
+            <a:r>
+              <a:rPr/>
+              <a:t>I</a:t>
+            </a:r>
+            <a:r>
+              <a:rPr/>
+              <a:t> </a:t>
+            </a:r>
+            <a:r>
+              <a:rPr/>
+              <a:t>would</a:t>
+            </a:r>
+            <a:r>
+              <a:rPr/>
+              <a:t> </a:t>
+            </a:r>
+            <a:r>
+              <a:rPr/>
+              <a:t>have</a:t>
+            </a:r>
+            <a:r>
+              <a:rPr/>
+              <a:t> </a:t>
+            </a:r>
+            <a:r>
+              <a:rPr/>
+              <a:t>noticed</a:t>
+            </a:r>
+            <a:r>
+              <a:rPr/>
+              <a:t> </a:t>
+            </a:r>
+            <a:r>
+              <a:rPr/>
+              <a:t>them</a:t>
+            </a:r>
+            <a:r>
+              <a:rPr/>
+              <a:t> </a:t>
+            </a:r>
+            <a:r>
+              <a:rPr/>
+              <a:t>I</a:t>
+            </a:r>
+            <a:r>
+              <a:rPr/>
+              <a:t> </a:t>
+            </a:r>
+            <a:r>
+              <a:rPr/>
+              <a:t>would</a:t>
+            </a:r>
+            <a:r>
+              <a:rPr/>
+              <a:t> </a:t>
+            </a:r>
+            <a:r>
+              <a:rPr/>
+              <a:t>not</a:t>
+            </a:r>
+            <a:r>
+              <a:rPr/>
+              <a:t> </a:t>
+            </a:r>
+            <a:r>
+              <a:rPr/>
+              <a:t>have</a:t>
+            </a:r>
+            <a:r>
+              <a:rPr/>
+              <a:t> </a:t>
+            </a:r>
+            <a:r>
+              <a:rPr/>
+              <a:t>taken</a:t>
+            </a:r>
+            <a:r>
+              <a:rPr/>
+              <a:t> </a:t>
+            </a:r>
+            <a:r>
+              <a:rPr/>
+              <a:t>off</a:t>
+            </a:r>
+            <a:r>
+              <a:rPr/>
+              <a:t> </a:t>
+            </a:r>
+            <a:r>
+              <a:rPr/>
+              <a:t>more</a:t>
+            </a:r>
+            <a:r>
+              <a:rPr/>
+              <a:t> </a:t>
+            </a:r>
+            <a:r>
+              <a:rPr/>
+              <a:t>than</a:t>
+            </a:r>
+            <a:r>
+              <a:rPr/>
+              <a:t> </a:t>
+            </a:r>
+            <a:r>
+              <a:rPr/>
+              <a:t>a</a:t>
+            </a:r>
+            <a:r>
+              <a:rPr/>
+              <a:t> </a:t>
+            </a:r>
+            <a:r>
+              <a:rPr/>
+              <a:t>single</a:t>
+            </a:r>
+            <a:r>
+              <a:rPr/>
+              <a:t> </a:t>
+            </a:r>
+            <a:r>
+              <a:rPr/>
+              <a:t>point.</a:t>
+            </a:r>
+          </a:p>
+        </p:txBody>
+      </p:sp>
+      <p:sp>
+        <p:nvSpPr>
+          <p:cNvPr id="4" name="Slide Number Placeholder 3"/>
+          <p:cNvSpPr>
+            <a:spLocks noGrp="1"/>
+          </p:cNvSpPr>
+          <p:nvPr>
+            <p:ph type="sldNum" sz="quarter" idx="10"/>
+          </p:nvPr>
+        </p:nvSpPr>
+        <p:spPr/>
+        <p:txBody>
+          <a:bodyPr/>
+          <a:lstStyle/>
+          <a:p>
+            <a:fld id="{18BDFEC3-8487-43E8-A154-7C12CBC1FFF2}" type="slidenum">
+              <a:rPr lang="en-US"/>
+              <a:t>15</a:t>
+            </a:fld>
+            <a:endParaRPr lang="en-US"/>
+          </a:p>
+        </p:txBody>
+      </p:sp>
+    </p:spTree>
+  </p:cSld>
+</p:notes>
+</file>
+
+<file path=ppt/notesSlides/notesSlide15.xml><?xml version="1.0" encoding="utf-8"?>
+<p:notes xmlns:a="http://schemas.openxmlformats.org/drawingml/2006/main" xmlns:r="http://schemas.openxmlformats.org/officeDocument/2006/relationships" xmlns:p="http://schemas.openxmlformats.org/presentationml/2006/main">
+  <p:cSld>
+    <p:spTree>
+      <p:nvGrpSpPr>
+        <p:cNvPr id="1" name=""/>
+        <p:cNvGrpSpPr/>
+        <p:nvPr/>
+      </p:nvGrpSpPr>
+      <p:grpSpPr>
+        <a:xfrm>
+          <a:off x="0" y="0"/>
+          <a:ext cx="0" cy="0"/>
+          <a:chOff x="0" y="0"/>
+          <a:chExt cx="0" cy="0"/>
+        </a:xfrm>
+      </p:grpSpPr>
+      <p:sp>
+        <p:nvSpPr>
+          <p:cNvPr id="2" name="Slide Image Placeholder 1"/>
+          <p:cNvSpPr>
+            <a:spLocks noGrp="1" noRot="1" noChangeAspect="1"/>
+          </p:cNvSpPr>
+          <p:nvPr>
+            <p:ph type="sldImg"/>
+          </p:nvPr>
+        </p:nvSpPr>
+        <p:spPr/>
+      </p:sp>
+      <p:sp>
+        <p:nvSpPr>
+          <p:cNvPr id="3" name="Notes Placeholder 2"/>
+          <p:cNvSpPr>
+            <a:spLocks noGrp="1"/>
+          </p:cNvSpPr>
+          <p:nvPr>
+            <p:ph type="body" idx="1"/>
+          </p:nvPr>
+        </p:nvSpPr>
+        <p:spPr/>
+        <p:txBody>
+          <a:bodyPr/>
+          <a:lstStyle/>
+          <a:p>
+            <a:pPr lvl="0" marL="0" indent="0">
+              <a:buNone/>
+            </a:pPr>
+            <a:r>
+              <a:rPr/>
+              <a:t>This</a:t>
+            </a:r>
+            <a:r>
+              <a:rPr/>
+              <a:t> </a:t>
+            </a:r>
+            <a:r>
+              <a:rPr/>
+              <a:t>one</a:t>
+            </a:r>
+            <a:r>
+              <a:rPr/>
+              <a:t> </a:t>
+            </a:r>
+            <a:r>
+              <a:rPr/>
+              <a:t>made</a:t>
+            </a:r>
+            <a:r>
+              <a:rPr/>
+              <a:t> </a:t>
+            </a:r>
+            <a:r>
+              <a:rPr/>
+              <a:t>several</a:t>
+            </a:r>
+            <a:r>
+              <a:rPr/>
+              <a:t> </a:t>
+            </a:r>
+            <a:r>
+              <a:rPr/>
+              <a:t>mistakes,</a:t>
+            </a:r>
+            <a:r>
+              <a:rPr/>
+              <a:t> </a:t>
+            </a:r>
+            <a:r>
+              <a:rPr/>
+              <a:t>but</a:t>
+            </a:r>
+            <a:r>
+              <a:rPr/>
+              <a:t> </a:t>
+            </a:r>
+            <a:r>
+              <a:rPr/>
+              <a:t>the</a:t>
+            </a:r>
+            <a:r>
+              <a:rPr/>
+              <a:t> </a:t>
+            </a:r>
+            <a:r>
+              <a:rPr/>
+              <a:t>most</a:t>
+            </a:r>
+            <a:r>
+              <a:rPr/>
+              <a:t> </a:t>
+            </a:r>
+            <a:r>
+              <a:rPr/>
+              <a:t>glaring</a:t>
+            </a:r>
+            <a:r>
+              <a:rPr/>
+              <a:t> </a:t>
+            </a:r>
+            <a:r>
+              <a:rPr/>
+              <a:t>is</a:t>
+            </a:r>
+            <a:r>
+              <a:rPr/>
+              <a:t> </a:t>
+            </a:r>
+            <a:r>
+              <a:rPr/>
+              <a:t>forgetting</a:t>
+            </a:r>
+            <a:r>
+              <a:rPr/>
+              <a:t> </a:t>
+            </a:r>
+            <a:r>
+              <a:rPr/>
+              <a:t>to</a:t>
+            </a:r>
+            <a:r>
+              <a:rPr/>
+              <a:t> </a:t>
+            </a:r>
+            <a:r>
+              <a:rPr/>
+              <a:t>insert</a:t>
+            </a:r>
+            <a:r>
+              <a:rPr/>
+              <a:t> </a:t>
+            </a:r>
+            <a:r>
+              <a:rPr/>
+              <a:t>blank</a:t>
+            </a:r>
+            <a:r>
+              <a:rPr/>
+              <a:t> </a:t>
+            </a:r>
+            <a:r>
+              <a:rPr/>
+              <a:t>lines</a:t>
+            </a:r>
+            <a:r>
+              <a:rPr/>
+              <a:t> </a:t>
+            </a:r>
+            <a:r>
+              <a:rPr/>
+              <a:t>everywhere.</a:t>
+            </a:r>
+          </a:p>
+        </p:txBody>
+      </p:sp>
+      <p:sp>
+        <p:nvSpPr>
+          <p:cNvPr id="4" name="Slide Number Placeholder 3"/>
+          <p:cNvSpPr>
+            <a:spLocks noGrp="1"/>
+          </p:cNvSpPr>
+          <p:nvPr>
+            <p:ph type="sldNum" sz="quarter" idx="10"/>
+          </p:nvPr>
+        </p:nvSpPr>
+        <p:spPr/>
+        <p:txBody>
+          <a:bodyPr/>
+          <a:lstStyle/>
+          <a:p>
+            <a:fld id="{18BDFEC3-8487-43E8-A154-7C12CBC1FFF2}" type="slidenum">
+              <a:rPr lang="en-US"/>
+              <a:t>16</a:t>
+            </a:fld>
+            <a:endParaRPr lang="en-US"/>
+          </a:p>
+        </p:txBody>
+      </p:sp>
+    </p:spTree>
+  </p:cSld>
+</p:notes>
+</file>
+
+<file path=ppt/notesSlides/notesSlide16.xml><?xml version="1.0" encoding="utf-8"?>
+<p:notes xmlns:a="http://schemas.openxmlformats.org/drawingml/2006/main" xmlns:r="http://schemas.openxmlformats.org/officeDocument/2006/relationships" xmlns:p="http://schemas.openxmlformats.org/presentationml/2006/main">
+  <p:cSld>
+    <p:spTree>
+      <p:nvGrpSpPr>
+        <p:cNvPr id="1" name=""/>
+        <p:cNvGrpSpPr/>
+        <p:nvPr/>
+      </p:nvGrpSpPr>
+      <p:grpSpPr>
+        <a:xfrm>
+          <a:off x="0" y="0"/>
+          <a:ext cx="0" cy="0"/>
+          <a:chOff x="0" y="0"/>
+          <a:chExt cx="0" cy="0"/>
+        </a:xfrm>
+      </p:grpSpPr>
+      <p:sp>
+        <p:nvSpPr>
+          <p:cNvPr id="2" name="Slide Image Placeholder 1"/>
+          <p:cNvSpPr>
+            <a:spLocks noGrp="1" noRot="1" noChangeAspect="1"/>
+          </p:cNvSpPr>
+          <p:nvPr>
+            <p:ph type="sldImg"/>
+          </p:nvPr>
+        </p:nvSpPr>
+        <p:spPr/>
+      </p:sp>
+      <p:sp>
+        <p:nvSpPr>
+          <p:cNvPr id="3" name="Notes Placeholder 2"/>
+          <p:cNvSpPr>
+            <a:spLocks noGrp="1"/>
+          </p:cNvSpPr>
+          <p:nvPr>
+            <p:ph type="body" idx="1"/>
+          </p:nvPr>
+        </p:nvSpPr>
+        <p:spPr/>
+        <p:txBody>
+          <a:bodyPr/>
+          <a:lstStyle/>
+          <a:p>
+            <a:pPr lvl="0" marL="0" indent="0">
+              <a:buNone/>
+            </a:pPr>
+            <a:r>
+              <a:rPr/>
+              <a:t>There</a:t>
+            </a:r>
+            <a:r>
+              <a:rPr/>
+              <a:t> </a:t>
+            </a:r>
+            <a:r>
+              <a:rPr/>
+              <a:t>are</a:t>
+            </a:r>
+            <a:r>
+              <a:rPr/>
+              <a:t> </a:t>
+            </a:r>
+            <a:r>
+              <a:rPr/>
+              <a:t>fairly</a:t>
+            </a:r>
+            <a:r>
+              <a:rPr/>
+              <a:t> </a:t>
+            </a:r>
+            <a:r>
+              <a:rPr/>
+              <a:t>strict</a:t>
+            </a:r>
+            <a:r>
+              <a:rPr/>
+              <a:t> </a:t>
+            </a:r>
+            <a:r>
+              <a:rPr/>
+              <a:t>rules</a:t>
+            </a:r>
+            <a:r>
+              <a:rPr/>
+              <a:t> </a:t>
+            </a:r>
+            <a:r>
+              <a:rPr/>
+              <a:t>for</a:t>
+            </a:r>
+            <a:r>
+              <a:rPr/>
+              <a:t> </a:t>
+            </a:r>
+            <a:r>
+              <a:rPr/>
+              <a:t>section</a:t>
+            </a:r>
+            <a:r>
+              <a:rPr/>
+              <a:t> </a:t>
+            </a:r>
+            <a:r>
+              <a:rPr/>
+              <a:t>heads</a:t>
+            </a:r>
+            <a:r>
+              <a:rPr/>
+              <a:t> </a:t>
+            </a:r>
+            <a:r>
+              <a:rPr/>
+              <a:t>and</a:t>
+            </a:r>
+            <a:r>
+              <a:rPr/>
+              <a:t> </a:t>
+            </a:r>
+            <a:r>
+              <a:rPr/>
+              <a:t>subheads.</a:t>
+            </a:r>
+            <a:r>
+              <a:rPr/>
+              <a:t> </a:t>
+            </a:r>
+            <a:r>
+              <a:rPr/>
+              <a:t>The</a:t>
+            </a:r>
+            <a:r>
+              <a:rPr/>
+              <a:t> </a:t>
+            </a:r>
+            <a:r>
+              <a:rPr/>
+              <a:t>main</a:t>
+            </a:r>
+            <a:r>
+              <a:rPr/>
+              <a:t> </a:t>
+            </a:r>
+            <a:r>
+              <a:rPr/>
+              <a:t>heads</a:t>
+            </a:r>
+            <a:r>
+              <a:rPr/>
+              <a:t> </a:t>
+            </a:r>
+            <a:r>
+              <a:rPr/>
+              <a:t>(the</a:t>
+            </a:r>
+            <a:r>
+              <a:rPr/>
+              <a:t> </a:t>
+            </a:r>
+            <a:r>
+              <a:rPr/>
+              <a:t>names</a:t>
+            </a:r>
+            <a:r>
+              <a:rPr/>
+              <a:t> </a:t>
+            </a:r>
+            <a:r>
+              <a:rPr/>
+              <a:t>of</a:t>
+            </a:r>
+            <a:r>
+              <a:rPr/>
+              <a:t> </a:t>
+            </a:r>
+            <a:r>
+              <a:rPr/>
+              <a:t>each</a:t>
+            </a:r>
+            <a:r>
+              <a:rPr/>
+              <a:t> </a:t>
+            </a:r>
+            <a:r>
+              <a:rPr/>
+              <a:t>chapter)</a:t>
+            </a:r>
+            <a:r>
+              <a:rPr/>
+              <a:t> </a:t>
+            </a:r>
+            <a:r>
+              <a:rPr/>
+              <a:t>have</a:t>
+            </a:r>
+            <a:r>
+              <a:rPr/>
+              <a:t> </a:t>
+            </a:r>
+            <a:r>
+              <a:rPr/>
+              <a:t>to</a:t>
+            </a:r>
+            <a:r>
+              <a:rPr/>
+              <a:t> </a:t>
+            </a:r>
+            <a:r>
+              <a:rPr/>
+              <a:t>be</a:t>
+            </a:r>
+            <a:r>
+              <a:rPr/>
+              <a:t> </a:t>
+            </a:r>
+            <a:r>
+              <a:rPr/>
+              <a:t>centered,</a:t>
+            </a:r>
+            <a:r>
+              <a:rPr/>
+              <a:t> </a:t>
+            </a:r>
+            <a:r>
+              <a:rPr/>
+              <a:t>no</a:t>
+            </a:r>
+            <a:r>
+              <a:rPr/>
+              <a:t> </a:t>
+            </a:r>
+            <a:r>
+              <a:rPr/>
+              <a:t>bold,</a:t>
+            </a:r>
+            <a:r>
+              <a:rPr/>
+              <a:t> </a:t>
+            </a:r>
+            <a:r>
+              <a:rPr/>
+              <a:t>and</a:t>
+            </a:r>
+            <a:r>
+              <a:rPr/>
+              <a:t> </a:t>
+            </a:r>
+            <a:r>
+              <a:rPr/>
+              <a:t>all</a:t>
+            </a:r>
+            <a:r>
+              <a:rPr/>
+              <a:t> </a:t>
+            </a:r>
+            <a:r>
+              <a:rPr/>
+              <a:t>uppercase.</a:t>
+            </a:r>
+          </a:p>
+          <a:p>
+            <a:pPr lvl="0" marL="0" indent="0">
+              <a:buNone/>
+            </a:pPr>
+          </a:p>
+          <a:p>
+            <a:pPr lvl="0" marL="0" indent="0">
+              <a:buNone/>
+            </a:pPr>
+            <a:r>
+              <a:rPr/>
+              <a:t>If</a:t>
+            </a:r>
+            <a:r>
+              <a:rPr/>
+              <a:t> </a:t>
+            </a:r>
+            <a:r>
+              <a:rPr/>
+              <a:t>you</a:t>
+            </a:r>
+            <a:r>
+              <a:rPr/>
+              <a:t> </a:t>
+            </a:r>
+            <a:r>
+              <a:rPr/>
+              <a:t>have</a:t>
+            </a:r>
+            <a:r>
+              <a:rPr/>
+              <a:t> </a:t>
+            </a:r>
+            <a:r>
+              <a:rPr/>
+              <a:t>a</a:t>
+            </a:r>
+            <a:r>
+              <a:rPr/>
+              <a:t> </a:t>
+            </a:r>
+            <a:r>
+              <a:rPr/>
+              <a:t>subheading</a:t>
+            </a:r>
+            <a:r>
+              <a:rPr/>
+              <a:t> </a:t>
+            </a:r>
+            <a:r>
+              <a:rPr/>
+              <a:t>within</a:t>
+            </a:r>
+            <a:r>
+              <a:rPr/>
+              <a:t> </a:t>
+            </a:r>
+            <a:r>
+              <a:rPr/>
+              <a:t>a</a:t>
+            </a:r>
+            <a:r>
+              <a:rPr/>
+              <a:t> </a:t>
+            </a:r>
+            <a:r>
+              <a:rPr/>
+              <a:t>chapter,</a:t>
+            </a:r>
+            <a:r>
+              <a:rPr/>
+              <a:t> </a:t>
+            </a:r>
+            <a:r>
+              <a:rPr/>
+              <a:t>that</a:t>
+            </a:r>
+            <a:r>
+              <a:rPr/>
+              <a:t> </a:t>
+            </a:r>
+            <a:r>
+              <a:rPr/>
+              <a:t>is</a:t>
+            </a:r>
+            <a:r>
+              <a:rPr/>
+              <a:t> </a:t>
+            </a:r>
+            <a:r>
+              <a:rPr/>
+              <a:t>also</a:t>
+            </a:r>
+            <a:r>
+              <a:rPr/>
+              <a:t> </a:t>
+            </a:r>
+            <a:r>
+              <a:rPr/>
+              <a:t>centered,</a:t>
+            </a:r>
+            <a:r>
+              <a:rPr/>
+              <a:t> </a:t>
+            </a:r>
+            <a:r>
+              <a:rPr/>
+              <a:t>with</a:t>
+            </a:r>
+            <a:r>
+              <a:rPr/>
+              <a:t> </a:t>
+            </a:r>
+            <a:r>
+              <a:rPr/>
+              <a:t>a</a:t>
+            </a:r>
+            <a:r>
+              <a:rPr/>
+              <a:t> </a:t>
+            </a:r>
+            <a:r>
+              <a:rPr/>
+              <a:t>bold</a:t>
+            </a:r>
+            <a:r>
+              <a:rPr/>
+              <a:t> </a:t>
+            </a:r>
+            <a:r>
+              <a:rPr/>
+              <a:t>or</a:t>
+            </a:r>
+            <a:r>
+              <a:rPr/>
+              <a:t> </a:t>
+            </a:r>
+            <a:r>
+              <a:rPr/>
+              <a:t>italic</a:t>
+            </a:r>
+            <a:r>
+              <a:rPr/>
+              <a:t> </a:t>
+            </a:r>
+            <a:r>
+              <a:rPr/>
+              <a:t>font,</a:t>
+            </a:r>
+            <a:r>
+              <a:rPr/>
+              <a:t> </a:t>
+            </a:r>
+            <a:r>
+              <a:rPr/>
+              <a:t>and</a:t>
+            </a:r>
+            <a:r>
+              <a:rPr/>
+              <a:t> </a:t>
+            </a:r>
+            <a:r>
+              <a:rPr/>
+              <a:t>headline</a:t>
+            </a:r>
+            <a:r>
+              <a:rPr/>
+              <a:t> </a:t>
+            </a:r>
+            <a:r>
+              <a:rPr/>
+              <a:t>case.</a:t>
+            </a:r>
+          </a:p>
+        </p:txBody>
+      </p:sp>
+      <p:sp>
+        <p:nvSpPr>
+          <p:cNvPr id="4" name="Slide Number Placeholder 3"/>
+          <p:cNvSpPr>
+            <a:spLocks noGrp="1"/>
+          </p:cNvSpPr>
+          <p:nvPr>
+            <p:ph type="sldNum" sz="quarter" idx="10"/>
+          </p:nvPr>
+        </p:nvSpPr>
+        <p:spPr/>
+        <p:txBody>
+          <a:bodyPr/>
+          <a:lstStyle/>
+          <a:p>
+            <a:fld id="{18BDFEC3-8487-43E8-A154-7C12CBC1FFF2}" type="slidenum">
+              <a:rPr lang="en-US"/>
+              <a:t>17</a:t>
+            </a:fld>
+            <a:endParaRPr lang="en-US"/>
+          </a:p>
+        </p:txBody>
+      </p:sp>
+    </p:spTree>
+  </p:cSld>
+</p:notes>
+</file>
+
+<file path=ppt/notesSlides/notesSlide17.xml><?xml version="1.0" encoding="utf-8"?>
+<p:notes xmlns:a="http://schemas.openxmlformats.org/drawingml/2006/main" xmlns:r="http://schemas.openxmlformats.org/officeDocument/2006/relationships" xmlns:p="http://schemas.openxmlformats.org/presentationml/2006/main">
+  <p:cSld>
+    <p:spTree>
+      <p:nvGrpSpPr>
+        <p:cNvPr id="1" name=""/>
+        <p:cNvGrpSpPr/>
+        <p:nvPr/>
+      </p:nvGrpSpPr>
+      <p:grpSpPr>
+        <a:xfrm>
+          <a:off x="0" y="0"/>
+          <a:ext cx="0" cy="0"/>
+          <a:chOff x="0" y="0"/>
+          <a:chExt cx="0" cy="0"/>
+        </a:xfrm>
+      </p:grpSpPr>
+      <p:sp>
+        <p:nvSpPr>
+          <p:cNvPr id="2" name="Slide Image Placeholder 1"/>
+          <p:cNvSpPr>
+            <a:spLocks noGrp="1" noRot="1" noChangeAspect="1"/>
+          </p:cNvSpPr>
+          <p:nvPr>
+            <p:ph type="sldImg"/>
+          </p:nvPr>
+        </p:nvSpPr>
+        <p:spPr/>
+      </p:sp>
+      <p:sp>
+        <p:nvSpPr>
+          <p:cNvPr id="3" name="Notes Placeholder 2"/>
+          <p:cNvSpPr>
+            <a:spLocks noGrp="1"/>
+          </p:cNvSpPr>
+          <p:nvPr>
+            <p:ph type="body" idx="1"/>
+          </p:nvPr>
+        </p:nvSpPr>
+        <p:spPr/>
+        <p:txBody>
+          <a:bodyPr/>
+          <a:lstStyle/>
+          <a:p>
+            <a:pPr lvl="0" marL="0" indent="0">
+              <a:buNone/>
+            </a:pPr>
+            <a:r>
+              <a:rPr/>
+              <a:t>Headline</a:t>
+            </a:r>
+            <a:r>
+              <a:rPr/>
+              <a:t> </a:t>
+            </a:r>
+            <a:r>
+              <a:rPr/>
+              <a:t>case</a:t>
+            </a:r>
+            <a:r>
+              <a:rPr/>
+              <a:t> </a:t>
+            </a:r>
+            <a:r>
+              <a:rPr/>
+              <a:t>is</a:t>
+            </a:r>
+            <a:r>
+              <a:rPr/>
+              <a:t> </a:t>
+            </a:r>
+            <a:r>
+              <a:rPr/>
+              <a:t>initial</a:t>
+            </a:r>
+            <a:r>
+              <a:rPr/>
+              <a:t> </a:t>
+            </a:r>
+            <a:r>
+              <a:rPr/>
+              <a:t>capital</a:t>
+            </a:r>
+            <a:r>
+              <a:rPr/>
+              <a:t> </a:t>
+            </a:r>
+            <a:r>
+              <a:rPr/>
+              <a:t>letters</a:t>
+            </a:r>
+            <a:r>
+              <a:rPr/>
+              <a:t> </a:t>
+            </a:r>
+            <a:r>
+              <a:rPr/>
+              <a:t>for</a:t>
+            </a:r>
+            <a:r>
+              <a:rPr/>
+              <a:t> </a:t>
+            </a:r>
+            <a:r>
+              <a:rPr/>
+              <a:t>all</a:t>
+            </a:r>
+            <a:r>
+              <a:rPr/>
+              <a:t> </a:t>
+            </a:r>
+            <a:r>
+              <a:rPr/>
+              <a:t>“</a:t>
+            </a:r>
+            <a:r>
+              <a:rPr/>
+              <a:t>important</a:t>
+            </a:r>
+            <a:r>
+              <a:rPr/>
+              <a:t>”</a:t>
+            </a:r>
+            <a:r>
+              <a:rPr/>
+              <a:t> </a:t>
+            </a:r>
+            <a:r>
+              <a:rPr/>
+              <a:t>words</a:t>
+            </a:r>
+            <a:r>
+              <a:rPr/>
+              <a:t> </a:t>
+            </a:r>
+            <a:r>
+              <a:rPr/>
+              <a:t>(nouns,</a:t>
+            </a:r>
+            <a:r>
+              <a:rPr/>
+              <a:t> </a:t>
+            </a:r>
+            <a:r>
+              <a:rPr/>
+              <a:t>pronouns,</a:t>
+            </a:r>
+            <a:r>
+              <a:rPr/>
+              <a:t> </a:t>
+            </a:r>
+            <a:r>
+              <a:rPr/>
+              <a:t>verbs,</a:t>
+            </a:r>
+            <a:r>
+              <a:rPr/>
+              <a:t> </a:t>
+            </a:r>
+            <a:r>
+              <a:rPr/>
+              <a:t>adjectives,</a:t>
+            </a:r>
+            <a:r>
+              <a:rPr/>
+              <a:t> </a:t>
+            </a:r>
+            <a:r>
+              <a:rPr/>
+              <a:t>adverbs).</a:t>
+            </a:r>
+            <a:r>
+              <a:rPr/>
+              <a:t> </a:t>
+            </a:r>
+            <a:r>
+              <a:rPr/>
+              <a:t>Do</a:t>
+            </a:r>
+            <a:r>
+              <a:rPr/>
+              <a:t> </a:t>
+            </a:r>
+            <a:r>
+              <a:rPr/>
+              <a:t>not</a:t>
+            </a:r>
+            <a:r>
+              <a:rPr/>
+              <a:t> </a:t>
+            </a:r>
+            <a:r>
+              <a:rPr/>
+              <a:t>capitalize</a:t>
+            </a:r>
+            <a:r>
+              <a:rPr/>
+              <a:t> </a:t>
+            </a:r>
+            <a:r>
+              <a:rPr/>
+              <a:t>most</a:t>
+            </a:r>
+            <a:r>
+              <a:rPr/>
+              <a:t> </a:t>
+            </a:r>
+            <a:r>
+              <a:rPr/>
+              <a:t>unimportant</a:t>
+            </a:r>
+            <a:r>
+              <a:rPr/>
+              <a:t> </a:t>
+            </a:r>
+            <a:r>
+              <a:rPr/>
+              <a:t>words:</a:t>
+            </a:r>
+            <a:r>
+              <a:rPr/>
+              <a:t> </a:t>
+            </a:r>
+            <a:r>
+              <a:rPr/>
+              <a:t>articles</a:t>
+            </a:r>
+            <a:r>
+              <a:rPr/>
+              <a:t> </a:t>
+            </a:r>
+            <a:r>
+              <a:rPr/>
+              <a:t>(a,</a:t>
+            </a:r>
+            <a:r>
+              <a:rPr/>
+              <a:t> </a:t>
+            </a:r>
+            <a:r>
+              <a:rPr/>
+              <a:t>an,</a:t>
+            </a:r>
+            <a:r>
+              <a:rPr/>
+              <a:t> </a:t>
+            </a:r>
+            <a:r>
+              <a:rPr/>
+              <a:t>the),</a:t>
+            </a:r>
+            <a:r>
+              <a:rPr/>
+              <a:t> </a:t>
+            </a:r>
+            <a:r>
+              <a:rPr/>
+              <a:t>prepositions</a:t>
+            </a:r>
+            <a:r>
+              <a:rPr/>
+              <a:t> </a:t>
+            </a:r>
+            <a:r>
+              <a:rPr/>
+              <a:t>(of,</a:t>
+            </a:r>
+            <a:r>
+              <a:rPr/>
+              <a:t> </a:t>
+            </a:r>
+            <a:r>
+              <a:rPr/>
+              <a:t>to,</a:t>
+            </a:r>
+            <a:r>
+              <a:rPr/>
+              <a:t> </a:t>
+            </a:r>
+            <a:r>
+              <a:rPr/>
+              <a:t>from),</a:t>
+            </a:r>
+            <a:r>
+              <a:rPr/>
+              <a:t> </a:t>
+            </a:r>
+            <a:r>
+              <a:rPr/>
+              <a:t>and</a:t>
+            </a:r>
+            <a:r>
+              <a:rPr/>
+              <a:t> </a:t>
+            </a:r>
+            <a:r>
+              <a:rPr/>
+              <a:t>conjunctions</a:t>
+            </a:r>
+            <a:r>
+              <a:rPr/>
+              <a:t> </a:t>
+            </a:r>
+            <a:r>
+              <a:rPr/>
+              <a:t>(and,</a:t>
+            </a:r>
+            <a:r>
+              <a:rPr/>
+              <a:t> </a:t>
+            </a:r>
+            <a:r>
+              <a:rPr/>
+              <a:t>but,</a:t>
+            </a:r>
+            <a:r>
+              <a:rPr/>
+              <a:t> </a:t>
+            </a:r>
+            <a:r>
+              <a:rPr/>
+              <a:t>or,</a:t>
+            </a:r>
+            <a:r>
+              <a:rPr/>
+              <a:t> </a:t>
+            </a:r>
+            <a:r>
+              <a:rPr/>
+              <a:t>if,</a:t>
+            </a:r>
+            <a:r>
+              <a:rPr/>
+              <a:t> </a:t>
+            </a:r>
+            <a:r>
+              <a:rPr/>
+              <a:t>who).</a:t>
+            </a:r>
+            <a:r>
+              <a:rPr/>
+              <a:t> </a:t>
+            </a:r>
+            <a:r>
+              <a:rPr/>
+              <a:t>Some</a:t>
+            </a:r>
+            <a:r>
+              <a:rPr/>
+              <a:t> </a:t>
+            </a:r>
+            <a:r>
+              <a:rPr/>
+              <a:t>exceptions</a:t>
+            </a:r>
+            <a:r>
+              <a:rPr/>
+              <a:t> </a:t>
+            </a:r>
+            <a:r>
+              <a:rPr/>
+              <a:t>are</a:t>
+            </a:r>
+            <a:r>
+              <a:rPr/>
+              <a:t> </a:t>
+            </a:r>
+            <a:r>
+              <a:rPr/>
+              <a:t>made</a:t>
+            </a:r>
+            <a:r>
+              <a:rPr/>
+              <a:t> </a:t>
+            </a:r>
+            <a:r>
+              <a:rPr/>
+              <a:t>for</a:t>
+            </a:r>
+            <a:r>
+              <a:rPr/>
+              <a:t> </a:t>
+            </a:r>
+            <a:r>
+              <a:rPr/>
+              <a:t>prepositions</a:t>
+            </a:r>
+            <a:r>
+              <a:rPr/>
+              <a:t> </a:t>
+            </a:r>
+            <a:r>
+              <a:rPr/>
+              <a:t>that</a:t>
+            </a:r>
+            <a:r>
+              <a:rPr/>
+              <a:t> </a:t>
+            </a:r>
+            <a:r>
+              <a:rPr/>
+              <a:t>are</a:t>
+            </a:r>
+            <a:r>
+              <a:rPr/>
+              <a:t> </a:t>
+            </a:r>
+            <a:r>
+              <a:rPr/>
+              <a:t>five</a:t>
+            </a:r>
+            <a:r>
+              <a:rPr/>
+              <a:t> </a:t>
+            </a:r>
+            <a:r>
+              <a:rPr/>
+              <a:t>letters</a:t>
+            </a:r>
+            <a:r>
+              <a:rPr/>
+              <a:t> </a:t>
+            </a:r>
+            <a:r>
+              <a:rPr/>
+              <a:t>or</a:t>
+            </a:r>
+            <a:r>
+              <a:rPr/>
+              <a:t> </a:t>
+            </a:r>
+            <a:r>
+              <a:rPr/>
+              <a:t>longer</a:t>
+            </a:r>
+            <a:r>
+              <a:rPr/>
+              <a:t> </a:t>
+            </a:r>
+            <a:r>
+              <a:rPr/>
+              <a:t>(among,</a:t>
+            </a:r>
+            <a:r>
+              <a:rPr/>
+              <a:t> </a:t>
+            </a:r>
+            <a:r>
+              <a:rPr/>
+              <a:t>between).</a:t>
+            </a:r>
+          </a:p>
+          <a:p>
+            <a:pPr lvl="0" marL="0" indent="0">
+              <a:buNone/>
+            </a:pPr>
+          </a:p>
+          <a:p>
+            <a:pPr lvl="0" marL="0" indent="0">
+              <a:buNone/>
+            </a:pPr>
+            <a:r>
+              <a:rPr/>
+              <a:t>There</a:t>
+            </a:r>
+            <a:r>
+              <a:rPr/>
+              <a:t> </a:t>
+            </a:r>
+            <a:r>
+              <a:rPr/>
+              <a:t>are</a:t>
+            </a:r>
+            <a:r>
+              <a:rPr/>
+              <a:t> </a:t>
+            </a:r>
+            <a:r>
+              <a:rPr/>
+              <a:t>minor</a:t>
+            </a:r>
+            <a:r>
+              <a:rPr/>
+              <a:t> </a:t>
+            </a:r>
+            <a:r>
+              <a:rPr/>
+              <a:t>details</a:t>
+            </a:r>
+            <a:r>
+              <a:rPr/>
+              <a:t> </a:t>
+            </a:r>
+            <a:r>
+              <a:rPr/>
+              <a:t>involving</a:t>
+            </a:r>
+            <a:r>
+              <a:rPr/>
+              <a:t> </a:t>
+            </a:r>
+            <a:r>
+              <a:rPr/>
+              <a:t>words</a:t>
+            </a:r>
+            <a:r>
+              <a:rPr/>
+              <a:t> </a:t>
+            </a:r>
+            <a:r>
+              <a:rPr/>
+              <a:t>following</a:t>
+            </a:r>
+            <a:r>
+              <a:rPr/>
+              <a:t> </a:t>
+            </a:r>
+            <a:r>
+              <a:rPr/>
+              <a:t>marks</a:t>
+            </a:r>
+            <a:r>
+              <a:rPr/>
+              <a:t> </a:t>
+            </a:r>
+            <a:r>
+              <a:rPr/>
+              <a:t>of</a:t>
+            </a:r>
+            <a:r>
+              <a:rPr/>
+              <a:t> </a:t>
+            </a:r>
+            <a:r>
+              <a:rPr/>
+              <a:t>punctuation</a:t>
+            </a:r>
+            <a:r>
+              <a:rPr/>
+              <a:t> </a:t>
+            </a:r>
+            <a:r>
+              <a:rPr/>
+              <a:t>(colons</a:t>
+            </a:r>
+            <a:r>
+              <a:rPr/>
+              <a:t> </a:t>
+            </a:r>
+            <a:r>
+              <a:rPr/>
+              <a:t>and</a:t>
+            </a:r>
+            <a:r>
+              <a:rPr/>
+              <a:t> </a:t>
+            </a:r>
+            <a:r>
+              <a:rPr/>
+              <a:t>dashes).</a:t>
+            </a:r>
+          </a:p>
+          <a:p>
+            <a:pPr lvl="0" marL="0" indent="0">
+              <a:buNone/>
+            </a:pPr>
+          </a:p>
+          <a:p>
+            <a:pPr lvl="0" marL="0" indent="0">
+              <a:buNone/>
+            </a:pPr>
+            <a:r>
+              <a:rPr/>
+              <a:t>Also</a:t>
+            </a:r>
+            <a:r>
+              <a:rPr/>
+              <a:t> </a:t>
+            </a:r>
+            <a:r>
+              <a:rPr/>
+              <a:t>there</a:t>
+            </a:r>
+            <a:r>
+              <a:rPr/>
+              <a:t> </a:t>
+            </a:r>
+            <a:r>
+              <a:rPr/>
+              <a:t>are</a:t>
+            </a:r>
+            <a:r>
+              <a:rPr/>
+              <a:t> </a:t>
+            </a:r>
+            <a:r>
+              <a:rPr/>
+              <a:t>contradictions</a:t>
+            </a:r>
+            <a:r>
+              <a:rPr/>
+              <a:t> </a:t>
+            </a:r>
+            <a:r>
+              <a:rPr/>
+              <a:t>from</a:t>
+            </a:r>
+            <a:r>
+              <a:rPr/>
+              <a:t> </a:t>
+            </a:r>
+            <a:r>
+              <a:rPr/>
+              <a:t>one</a:t>
+            </a:r>
+            <a:r>
+              <a:rPr/>
+              <a:t> </a:t>
+            </a:r>
+            <a:r>
+              <a:rPr/>
+              <a:t>source</a:t>
+            </a:r>
+            <a:r>
+              <a:rPr/>
+              <a:t> </a:t>
+            </a:r>
+            <a:r>
+              <a:rPr/>
+              <a:t>to</a:t>
+            </a:r>
+            <a:r>
+              <a:rPr/>
+              <a:t> </a:t>
+            </a:r>
+            <a:r>
+              <a:rPr/>
+              <a:t>another,</a:t>
+            </a:r>
+            <a:r>
+              <a:rPr/>
+              <a:t> </a:t>
+            </a:r>
+            <a:r>
+              <a:rPr/>
+              <a:t>but</a:t>
+            </a:r>
+            <a:r>
+              <a:rPr/>
+              <a:t> </a:t>
+            </a:r>
+            <a:r>
+              <a:rPr/>
+              <a:t>these</a:t>
+            </a:r>
+            <a:r>
+              <a:rPr/>
+              <a:t> </a:t>
+            </a:r>
+            <a:r>
+              <a:rPr/>
+              <a:t>are</a:t>
+            </a:r>
+            <a:r>
+              <a:rPr/>
+              <a:t> </a:t>
+            </a:r>
+            <a:r>
+              <a:rPr/>
+              <a:t>fairly</a:t>
+            </a:r>
+            <a:r>
+              <a:rPr/>
+              <a:t> </a:t>
+            </a:r>
+            <a:r>
+              <a:rPr/>
+              <a:t>minor.</a:t>
+            </a:r>
+          </a:p>
+        </p:txBody>
+      </p:sp>
+      <p:sp>
+        <p:nvSpPr>
+          <p:cNvPr id="4" name="Slide Number Placeholder 3"/>
+          <p:cNvSpPr>
+            <a:spLocks noGrp="1"/>
+          </p:cNvSpPr>
+          <p:nvPr>
+            <p:ph type="sldNum" sz="quarter" idx="10"/>
+          </p:nvPr>
+        </p:nvSpPr>
+        <p:spPr/>
+        <p:txBody>
+          <a:bodyPr/>
+          <a:lstStyle/>
+          <a:p>
+            <a:fld id="{18BDFEC3-8487-43E8-A154-7C12CBC1FFF2}" type="slidenum">
+              <a:rPr lang="en-US"/>
+              <a:t>18</a:t>
+            </a:fld>
+            <a:endParaRPr lang="en-US"/>
+          </a:p>
+        </p:txBody>
+      </p:sp>
+    </p:spTree>
+  </p:cSld>
+</p:notes>
+</file>
+
 <file path=ppt/notesSlides/notesSlide2.xml><?xml version="1.0" encoding="utf-8"?>
 <p:notes xmlns:a="http://schemas.openxmlformats.org/drawingml/2006/main" xmlns:r="http://schemas.openxmlformats.org/officeDocument/2006/relationships" xmlns:p="http://schemas.openxmlformats.org/presentationml/2006/main">
   <p:cSld>
@@ -3377,6 +7904,78 @@
               <a:rPr/>
               <a:t>the</a:t>
             </a:r>
+            <a:r>
+              <a:rPr/>
+              <a:t> </a:t>
+            </a:r>
+            <a:r>
+              <a:rPr/>
+              <a:t>“</a:t>
+            </a:r>
+            <a:r>
+              <a:rPr/>
+              <a:t>A</a:t>
+            </a:r>
+            <a:r>
+              <a:rPr/>
+              <a:t> </a:t>
+            </a:r>
+            <a:r>
+              <a:rPr/>
+              <a:t>THESIS</a:t>
+            </a:r>
+            <a:r>
+              <a:rPr/>
+              <a:t> </a:t>
+            </a:r>
+            <a:r>
+              <a:rPr/>
+              <a:t>IN</a:t>
+            </a:r>
+            <a:r>
+              <a:rPr/>
+              <a:t>”</a:t>
+            </a:r>
+            <a:r>
+              <a:rPr/>
+              <a:t> </a:t>
+            </a:r>
+            <a:r>
+              <a:rPr/>
+              <a:t>and</a:t>
+            </a:r>
+            <a:r>
+              <a:rPr/>
+              <a:t> </a:t>
+            </a:r>
+            <a:r>
+              <a:rPr/>
+              <a:t>“</a:t>
+            </a:r>
+            <a:r>
+              <a:rPr/>
+              <a:t>Presented</a:t>
+            </a:r>
+            <a:r>
+              <a:rPr/>
+              <a:t> </a:t>
+            </a:r>
+            <a:r>
+              <a:rPr/>
+              <a:t>to</a:t>
+            </a:r>
+            <a:r>
+              <a:rPr/>
+              <a:t>”</a:t>
+            </a:r>
+            <a:r>
+              <a:rPr/>
+              <a:t> </a:t>
+            </a:r>
+            <a:r>
+              <a:rPr/>
+              <a:t>sections.</a:t>
+            </a:r>
           </a:p>
         </p:txBody>
       </p:sp>
@@ -3398,6 +7997,686 @@
             <a:fld id="{18BDFEC3-8487-43E8-A154-7C12CBC1FFF2}" type="slidenum">
               <a:rPr lang="en-US"/>
               <a:t>9</a:t>
+            </a:fld>
+            <a:endParaRPr lang="en-US"/>
+          </a:p>
+        </p:txBody>
+      </p:sp>
+    </p:spTree>
+  </p:cSld>
+</p:notes>
+</file>
+
+<file path=ppt/notesSlides/notesSlide9.xml><?xml version="1.0" encoding="utf-8"?>
+<p:notes xmlns:a="http://schemas.openxmlformats.org/drawingml/2006/main" xmlns:r="http://schemas.openxmlformats.org/officeDocument/2006/relationships" xmlns:p="http://schemas.openxmlformats.org/presentationml/2006/main">
+  <p:cSld>
+    <p:spTree>
+      <p:nvGrpSpPr>
+        <p:cNvPr id="1" name=""/>
+        <p:cNvGrpSpPr/>
+        <p:nvPr/>
+      </p:nvGrpSpPr>
+      <p:grpSpPr>
+        <a:xfrm>
+          <a:off x="0" y="0"/>
+          <a:ext cx="0" cy="0"/>
+          <a:chOff x="0" y="0"/>
+          <a:chExt cx="0" cy="0"/>
+        </a:xfrm>
+      </p:grpSpPr>
+      <p:sp>
+        <p:nvSpPr>
+          <p:cNvPr id="2" name="Slide Image Placeholder 1"/>
+          <p:cNvSpPr>
+            <a:spLocks noGrp="1" noRot="1" noChangeAspect="1"/>
+          </p:cNvSpPr>
+          <p:nvPr>
+            <p:ph type="sldImg"/>
+          </p:nvPr>
+        </p:nvSpPr>
+        <p:spPr/>
+      </p:sp>
+      <p:sp>
+        <p:nvSpPr>
+          <p:cNvPr id="3" name="Notes Placeholder 2"/>
+          <p:cNvSpPr>
+            <a:spLocks noGrp="1"/>
+          </p:cNvSpPr>
+          <p:nvPr>
+            <p:ph type="body" idx="1"/>
+          </p:nvPr>
+        </p:nvSpPr>
+        <p:spPr/>
+        <p:txBody>
+          <a:bodyPr/>
+          <a:lstStyle/>
+          <a:p>
+            <a:pPr lvl="0" marL="0" indent="0">
+              <a:buNone/>
+            </a:pPr>
+            <a:r>
+              <a:rPr/>
+              <a:t>Put</a:t>
+            </a:r>
+            <a:r>
+              <a:rPr/>
+              <a:t> </a:t>
+            </a:r>
+            <a:r>
+              <a:rPr/>
+              <a:t>in</a:t>
+            </a:r>
+            <a:r>
+              <a:rPr/>
+              <a:t> </a:t>
+            </a:r>
+            <a:r>
+              <a:rPr/>
+              <a:t>a</a:t>
+            </a:r>
+            <a:r>
+              <a:rPr/>
+              <a:t> </a:t>
+            </a:r>
+            <a:r>
+              <a:rPr/>
+              <a:t>second</a:t>
+            </a:r>
+            <a:r>
+              <a:rPr/>
+              <a:t> </a:t>
+            </a:r>
+            <a:r>
+              <a:rPr/>
+              <a:t>page,</a:t>
+            </a:r>
+            <a:r>
+              <a:rPr/>
+              <a:t> </a:t>
+            </a:r>
+            <a:r>
+              <a:rPr/>
+              <a:t>to</a:t>
+            </a:r>
+            <a:r>
+              <a:rPr/>
+              <a:t> </a:t>
+            </a:r>
+            <a:r>
+              <a:rPr/>
+              <a:t>keep</a:t>
+            </a:r>
+            <a:r>
+              <a:rPr/>
+              <a:t> </a:t>
+            </a:r>
+            <a:r>
+              <a:rPr/>
+              <a:t>with</a:t>
+            </a:r>
+            <a:r>
+              <a:rPr/>
+              <a:t> </a:t>
+            </a:r>
+            <a:r>
+              <a:rPr/>
+              <a:t>the</a:t>
+            </a:r>
+            <a:r>
+              <a:rPr/>
+              <a:t> </a:t>
+            </a:r>
+            <a:r>
+              <a:rPr/>
+              <a:t>format.</a:t>
+            </a:r>
+            <a:r>
+              <a:rPr/>
+              <a:t> </a:t>
+            </a:r>
+            <a:r>
+              <a:rPr/>
+              <a:t>This</a:t>
+            </a:r>
+            <a:r>
+              <a:rPr/>
+              <a:t> </a:t>
+            </a:r>
+            <a:r>
+              <a:rPr/>
+              <a:t>is</a:t>
+            </a:r>
+            <a:r>
+              <a:rPr/>
+              <a:t> </a:t>
+            </a:r>
+            <a:r>
+              <a:rPr/>
+              <a:t>the</a:t>
+            </a:r>
+            <a:r>
+              <a:rPr/>
+              <a:t> </a:t>
+            </a:r>
+            <a:r>
+              <a:rPr/>
+              <a:t>copyright</a:t>
+            </a:r>
+            <a:r>
+              <a:rPr/>
+              <a:t> </a:t>
+            </a:r>
+            <a:r>
+              <a:rPr/>
+              <a:t>page.</a:t>
+            </a:r>
+            <a:r>
+              <a:rPr/>
+              <a:t> </a:t>
+            </a:r>
+            <a:r>
+              <a:rPr/>
+              <a:t>Put</a:t>
+            </a:r>
+            <a:r>
+              <a:rPr/>
+              <a:t> </a:t>
+            </a:r>
+            <a:r>
+              <a:rPr/>
+              <a:t>your</a:t>
+            </a:r>
+            <a:r>
+              <a:rPr/>
+              <a:t> </a:t>
+            </a:r>
+            <a:r>
+              <a:rPr/>
+              <a:t>name</a:t>
+            </a:r>
+            <a:r>
+              <a:rPr/>
+              <a:t> </a:t>
+            </a:r>
+            <a:r>
+              <a:rPr/>
+              <a:t>in,</a:t>
+            </a:r>
+            <a:r>
+              <a:rPr/>
+              <a:t> </a:t>
+            </a:r>
+            <a:r>
+              <a:rPr/>
+              <a:t>and</a:t>
+            </a:r>
+            <a:r>
+              <a:rPr/>
+              <a:t> </a:t>
+            </a:r>
+            <a:r>
+              <a:rPr/>
+              <a:t>you</a:t>
+            </a:r>
+            <a:r>
+              <a:rPr/>
+              <a:t> </a:t>
+            </a:r>
+            <a:r>
+              <a:rPr/>
+              <a:t>have</a:t>
+            </a:r>
+            <a:r>
+              <a:rPr/>
+              <a:t> </a:t>
+            </a:r>
+            <a:r>
+              <a:rPr/>
+              <a:t>the</a:t>
+            </a:r>
+            <a:r>
+              <a:rPr/>
+              <a:t> </a:t>
+            </a:r>
+            <a:r>
+              <a:rPr/>
+              <a:t>option</a:t>
+            </a:r>
+            <a:r>
+              <a:rPr/>
+              <a:t> </a:t>
+            </a:r>
+            <a:r>
+              <a:rPr/>
+              <a:t>of</a:t>
+            </a:r>
+            <a:r>
+              <a:rPr/>
+              <a:t> </a:t>
+            </a:r>
+            <a:r>
+              <a:rPr/>
+              <a:t>using</a:t>
+            </a:r>
+            <a:r>
+              <a:rPr/>
+              <a:t> </a:t>
+            </a:r>
+            <a:r>
+              <a:rPr/>
+              <a:t>an</a:t>
+            </a:r>
+            <a:r>
+              <a:rPr/>
+              <a:t> </a:t>
+            </a:r>
+            <a:r>
+              <a:rPr/>
+              <a:t>open</a:t>
+            </a:r>
+            <a:r>
+              <a:rPr/>
+              <a:t> </a:t>
+            </a:r>
+            <a:r>
+              <a:rPr/>
+              <a:t>source</a:t>
+            </a:r>
+            <a:r>
+              <a:rPr/>
+              <a:t> </a:t>
+            </a:r>
+            <a:r>
+              <a:rPr/>
+              <a:t>license</a:t>
+            </a:r>
+            <a:r>
+              <a:rPr/>
+              <a:t> </a:t>
+            </a:r>
+            <a:r>
+              <a:rPr/>
+              <a:t>if</a:t>
+            </a:r>
+            <a:r>
+              <a:rPr/>
+              <a:t> </a:t>
+            </a:r>
+            <a:r>
+              <a:rPr/>
+              <a:t>you</a:t>
+            </a:r>
+            <a:r>
+              <a:rPr/>
+              <a:t> </a:t>
+            </a:r>
+            <a:r>
+              <a:rPr/>
+              <a:t>like.</a:t>
+            </a:r>
+          </a:p>
+          <a:p>
+            <a:pPr lvl="0" marL="0" indent="0">
+              <a:buNone/>
+            </a:pPr>
+          </a:p>
+          <a:p>
+            <a:pPr lvl="0" marL="0" indent="0">
+              <a:buNone/>
+            </a:pPr>
+            <a:r>
+              <a:rPr/>
+              <a:t>It</a:t>
+            </a:r>
+            <a:r>
+              <a:rPr/>
+              <a:t> </a:t>
+            </a:r>
+            <a:r>
+              <a:rPr/>
+              <a:t>may</a:t>
+            </a:r>
+            <a:r>
+              <a:rPr/>
+              <a:t> </a:t>
+            </a:r>
+            <a:r>
+              <a:rPr/>
+              <a:t>seem</a:t>
+            </a:r>
+            <a:r>
+              <a:rPr/>
+              <a:t> </a:t>
+            </a:r>
+            <a:r>
+              <a:rPr/>
+              <a:t>wasteful</a:t>
+            </a:r>
+            <a:r>
+              <a:rPr/>
+              <a:t> </a:t>
+            </a:r>
+            <a:r>
+              <a:rPr/>
+              <a:t>to</a:t>
+            </a:r>
+            <a:r>
+              <a:rPr/>
+              <a:t> </a:t>
+            </a:r>
+            <a:r>
+              <a:rPr/>
+              <a:t>add</a:t>
+            </a:r>
+            <a:r>
+              <a:rPr/>
+              <a:t> </a:t>
+            </a:r>
+            <a:r>
+              <a:rPr/>
+              <a:t>a</a:t>
+            </a:r>
+            <a:r>
+              <a:rPr/>
+              <a:t> </a:t>
+            </a:r>
+            <a:r>
+              <a:rPr/>
+              <a:t>page</a:t>
+            </a:r>
+            <a:r>
+              <a:rPr/>
+              <a:t> </a:t>
+            </a:r>
+            <a:r>
+              <a:rPr/>
+              <a:t>like</a:t>
+            </a:r>
+            <a:r>
+              <a:rPr/>
+              <a:t> </a:t>
+            </a:r>
+            <a:r>
+              <a:rPr/>
+              <a:t>this,</a:t>
+            </a:r>
+            <a:r>
+              <a:rPr/>
+              <a:t> </a:t>
+            </a:r>
+            <a:r>
+              <a:rPr/>
+              <a:t>but</a:t>
+            </a:r>
+            <a:r>
+              <a:rPr/>
+              <a:t> </a:t>
+            </a:r>
+            <a:r>
+              <a:rPr/>
+              <a:t>I</a:t>
+            </a:r>
+            <a:r>
+              <a:rPr/>
+              <a:t> </a:t>
+            </a:r>
+            <a:r>
+              <a:rPr/>
+              <a:t>want</a:t>
+            </a:r>
+            <a:r>
+              <a:rPr/>
+              <a:t> </a:t>
+            </a:r>
+            <a:r>
+              <a:rPr/>
+              <a:t>you</a:t>
+            </a:r>
+            <a:r>
+              <a:rPr/>
+              <a:t> </a:t>
+            </a:r>
+            <a:r>
+              <a:rPr/>
+              <a:t>to</a:t>
+            </a:r>
+            <a:r>
+              <a:rPr/>
+              <a:t> </a:t>
+            </a:r>
+            <a:r>
+              <a:rPr/>
+              <a:t>get</a:t>
+            </a:r>
+            <a:r>
+              <a:rPr/>
+              <a:t> </a:t>
+            </a:r>
+            <a:r>
+              <a:rPr/>
+              <a:t>comfortable</a:t>
+            </a:r>
+            <a:r>
+              <a:rPr/>
+              <a:t> </a:t>
+            </a:r>
+            <a:r>
+              <a:rPr/>
+              <a:t>with</a:t>
+            </a:r>
+            <a:r>
+              <a:rPr/>
+              <a:t> </a:t>
+            </a:r>
+            <a:r>
+              <a:rPr/>
+              <a:t>the</a:t>
+            </a:r>
+            <a:r>
+              <a:rPr/>
+              <a:t> </a:t>
+            </a:r>
+            <a:r>
+              <a:rPr/>
+              <a:t>general</a:t>
+            </a:r>
+            <a:r>
+              <a:rPr/>
+              <a:t> </a:t>
+            </a:r>
+            <a:r>
+              <a:rPr/>
+              <a:t>thesis</a:t>
+            </a:r>
+            <a:r>
+              <a:rPr/>
+              <a:t> </a:t>
+            </a:r>
+            <a:r>
+              <a:rPr/>
+              <a:t>format.</a:t>
+            </a:r>
+            <a:r>
+              <a:rPr/>
+              <a:t> </a:t>
+            </a:r>
+            <a:r>
+              <a:rPr/>
+              <a:t>Anyway,</a:t>
+            </a:r>
+            <a:r>
+              <a:rPr/>
+              <a:t> </a:t>
+            </a:r>
+            <a:r>
+              <a:rPr/>
+              <a:t>you</a:t>
+            </a:r>
+            <a:r>
+              <a:rPr/>
+              <a:t> </a:t>
+            </a:r>
+            <a:r>
+              <a:rPr/>
+              <a:t>are</a:t>
+            </a:r>
+            <a:r>
+              <a:rPr/>
+              <a:t> </a:t>
+            </a:r>
+            <a:r>
+              <a:rPr/>
+              <a:t>submitting</a:t>
+            </a:r>
+            <a:r>
+              <a:rPr/>
+              <a:t> </a:t>
+            </a:r>
+            <a:r>
+              <a:rPr/>
+              <a:t>a</a:t>
+            </a:r>
+            <a:r>
+              <a:rPr/>
+              <a:t> </a:t>
+            </a:r>
+            <a:r>
+              <a:rPr/>
+              <a:t>PDF</a:t>
+            </a:r>
+            <a:r>
+              <a:rPr/>
+              <a:t> </a:t>
+            </a:r>
+            <a:r>
+              <a:rPr/>
+              <a:t>rather</a:t>
+            </a:r>
+            <a:r>
+              <a:rPr/>
+              <a:t> </a:t>
+            </a:r>
+            <a:r>
+              <a:rPr/>
+              <a:t>than</a:t>
+            </a:r>
+            <a:r>
+              <a:rPr/>
+              <a:t> </a:t>
+            </a:r>
+            <a:r>
+              <a:rPr/>
+              <a:t>a</a:t>
+            </a:r>
+            <a:r>
+              <a:rPr/>
+              <a:t> </a:t>
+            </a:r>
+            <a:r>
+              <a:rPr/>
+              <a:t>paper</a:t>
+            </a:r>
+            <a:r>
+              <a:rPr/>
+              <a:t> </a:t>
+            </a:r>
+            <a:r>
+              <a:rPr/>
+              <a:t>copy,</a:t>
+            </a:r>
+            <a:r>
+              <a:rPr/>
+              <a:t> </a:t>
+            </a:r>
+            <a:r>
+              <a:rPr/>
+              <a:t>so</a:t>
+            </a:r>
+            <a:r>
+              <a:rPr/>
+              <a:t> </a:t>
+            </a:r>
+            <a:r>
+              <a:rPr/>
+              <a:t>no</a:t>
+            </a:r>
+            <a:r>
+              <a:rPr/>
+              <a:t> </a:t>
+            </a:r>
+            <a:r>
+              <a:rPr/>
+              <a:t>trees</a:t>
+            </a:r>
+            <a:r>
+              <a:rPr/>
+              <a:t> </a:t>
+            </a:r>
+            <a:r>
+              <a:rPr/>
+              <a:t>will</a:t>
+            </a:r>
+            <a:r>
+              <a:rPr/>
+              <a:t> </a:t>
+            </a:r>
+            <a:r>
+              <a:rPr/>
+              <a:t>be</a:t>
+            </a:r>
+            <a:r>
+              <a:rPr/>
+              <a:t> </a:t>
+            </a:r>
+            <a:r>
+              <a:rPr/>
+              <a:t>lost</a:t>
+            </a:r>
+            <a:r>
+              <a:rPr/>
+              <a:t> </a:t>
+            </a:r>
+            <a:r>
+              <a:rPr/>
+              <a:t>in</a:t>
+            </a:r>
+            <a:r>
+              <a:rPr/>
+              <a:t> </a:t>
+            </a:r>
+            <a:r>
+              <a:rPr/>
+              <a:t>the</a:t>
+            </a:r>
+            <a:r>
+              <a:rPr/>
+              <a:t> </a:t>
+            </a:r>
+            <a:r>
+              <a:rPr/>
+              <a:t>process.</a:t>
+            </a:r>
+          </a:p>
+        </p:txBody>
+      </p:sp>
+      <p:sp>
+        <p:nvSpPr>
+          <p:cNvPr id="4" name="Slide Number Placeholder 3"/>
+          <p:cNvSpPr>
+            <a:spLocks noGrp="1"/>
+          </p:cNvSpPr>
+          <p:nvPr>
+            <p:ph type="sldNum" sz="quarter" idx="10"/>
+          </p:nvPr>
+        </p:nvSpPr>
+        <p:spPr/>
+        <p:txBody>
+          <a:bodyPr/>
+          <a:lstStyle/>
+          <a:p>
+            <a:fld id="{18BDFEC3-8487-43E8-A154-7C12CBC1FFF2}" type="slidenum">
+              <a:rPr lang="en-US"/>
+              <a:t>10</a:t>
             </a:fld>
             <a:endParaRPr lang="en-US"/>
           </a:p>
@@ -6510,6 +11789,987 @@
             <a:r>
               <a:rPr/>
               <a:t>Simon</a:t>
+            </a:r>
+          </a:p>
+        </p:txBody>
+      </p:sp>
+    </p:spTree>
+  </p:cSld>
+</p:sld>
+</file>
+
+<file path=ppt/slides/slide10.xml><?xml version="1.0" encoding="utf-8"?>
+<p:sld xmlns:a="http://schemas.openxmlformats.org/drawingml/2006/main" xmlns:r="http://schemas.openxmlformats.org/officeDocument/2006/relationships" xmlns:p="http://schemas.openxmlformats.org/presentationml/2006/main">
+  <p:cSld>
+    <p:spTree>
+      <p:nvGrpSpPr>
+        <p:cNvPr id="1" name=""/>
+        <p:cNvGrpSpPr/>
+        <p:nvPr/>
+      </p:nvGrpSpPr>
+      <p:grpSpPr>
+        <a:xfrm>
+          <a:off x="0" y="0"/>
+          <a:ext cx="0" cy="0"/>
+          <a:chOff x="0" y="0"/>
+          <a:chExt cx="0" cy="0"/>
+        </a:xfrm>
+      </p:grpSpPr>
+      <p:sp>
+        <p:nvSpPr>
+          <p:cNvPr id="2" name="Title 1"/>
+          <p:cNvSpPr>
+            <a:spLocks noGrp="1"/>
+          </p:cNvSpPr>
+          <p:nvPr>
+            <p:ph type="title"/>
+          </p:nvPr>
+        </p:nvSpPr>
+        <p:spPr/>
+        <p:txBody>
+          <a:bodyPr/>
+          <a:lstStyle/>
+          <a:p>
+            <a:pPr lvl="0" marL="0" indent="0">
+              <a:buNone/>
+            </a:pPr>
+            <a:r>
+              <a:rPr/>
+              <a:t>The</a:t>
+            </a:r>
+            <a:r>
+              <a:rPr/>
+              <a:t> </a:t>
+            </a:r>
+            <a:r>
+              <a:rPr/>
+              <a:t>copyright</a:t>
+            </a:r>
+            <a:r>
+              <a:rPr/>
+              <a:t> </a:t>
+            </a:r>
+            <a:r>
+              <a:rPr/>
+              <a:t>page</a:t>
+            </a:r>
+          </a:p>
+        </p:txBody>
+      </p:sp>
+      <p:pic>
+        <p:nvPicPr>
+          <p:cNvPr descr="../images/07/copyright-page-1.png" id="0" name="Picture 1"/>
+          <p:cNvPicPr>
+            <a:picLocks noGrp="1" noChangeAspect="1"/>
+          </p:cNvPicPr>
+          <p:nvPr/>
+        </p:nvPicPr>
+        <p:blipFill>
+          <a:blip r:embed="rId3"/>
+          <a:stretch>
+            <a:fillRect/>
+          </a:stretch>
+        </p:blipFill>
+        <p:spPr bwMode="auto">
+          <a:xfrm>
+            <a:off x="2819400" y="1600200"/>
+            <a:ext cx="3492500" cy="4521200"/>
+          </a:xfrm>
+          <a:prstGeom prst="rect">
+            <a:avLst/>
+          </a:prstGeom>
+          <a:noFill/>
+          <a:ln w="9525">
+            <a:noFill/>
+            <a:headEnd/>
+            <a:tailEnd/>
+          </a:ln>
+        </p:spPr>
+      </p:pic>
+    </p:spTree>
+  </p:cSld>
+</p:sld>
+</file>
+
+<file path=ppt/slides/slide11.xml><?xml version="1.0" encoding="utf-8"?>
+<p:sld xmlns:a="http://schemas.openxmlformats.org/drawingml/2006/main" xmlns:r="http://schemas.openxmlformats.org/officeDocument/2006/relationships" xmlns:p="http://schemas.openxmlformats.org/presentationml/2006/main">
+  <p:cSld>
+    <p:spTree>
+      <p:nvGrpSpPr>
+        <p:cNvPr id="1" name=""/>
+        <p:cNvGrpSpPr/>
+        <p:nvPr/>
+      </p:nvGrpSpPr>
+      <p:grpSpPr>
+        <a:xfrm>
+          <a:off x="0" y="0"/>
+          <a:ext cx="0" cy="0"/>
+          <a:chOff x="0" y="0"/>
+          <a:chExt cx="0" cy="0"/>
+        </a:xfrm>
+      </p:grpSpPr>
+      <p:sp>
+        <p:nvSpPr>
+          <p:cNvPr id="2" name="Title 1"/>
+          <p:cNvSpPr>
+            <a:spLocks noGrp="1"/>
+          </p:cNvSpPr>
+          <p:nvPr>
+            <p:ph type="title"/>
+          </p:nvPr>
+        </p:nvSpPr>
+        <p:spPr/>
+        <p:txBody>
+          <a:bodyPr/>
+          <a:lstStyle/>
+          <a:p>
+            <a:pPr lvl="0" marL="0" indent="0">
+              <a:buNone/>
+            </a:pPr>
+            <a:r>
+              <a:rPr/>
+              <a:t>The</a:t>
+            </a:r>
+            <a:r>
+              <a:rPr/>
+              <a:t> </a:t>
+            </a:r>
+            <a:r>
+              <a:rPr/>
+              <a:t>copyright</a:t>
+            </a:r>
+            <a:r>
+              <a:rPr/>
+              <a:t> </a:t>
+            </a:r>
+            <a:r>
+              <a:rPr/>
+              <a:t>page</a:t>
+            </a:r>
+          </a:p>
+        </p:txBody>
+      </p:sp>
+      <p:pic>
+        <p:nvPicPr>
+          <p:cNvPr descr="../images/07/copyright-page-2.png" id="0" name="Picture 1"/>
+          <p:cNvPicPr>
+            <a:picLocks noGrp="1" noChangeAspect="1"/>
+          </p:cNvPicPr>
+          <p:nvPr/>
+        </p:nvPicPr>
+        <p:blipFill>
+          <a:blip r:embed="rId3"/>
+          <a:stretch>
+            <a:fillRect/>
+          </a:stretch>
+        </p:blipFill>
+        <p:spPr bwMode="auto">
+          <a:xfrm>
+            <a:off x="457200" y="2489200"/>
+            <a:ext cx="8229600" cy="2730500"/>
+          </a:xfrm>
+          <a:prstGeom prst="rect">
+            <a:avLst/>
+          </a:prstGeom>
+          <a:noFill/>
+          <a:ln w="9525">
+            <a:noFill/>
+            <a:headEnd/>
+            <a:tailEnd/>
+          </a:ln>
+        </p:spPr>
+      </p:pic>
+    </p:spTree>
+  </p:cSld>
+</p:sld>
+</file>
+
+<file path=ppt/slides/slide12.xml><?xml version="1.0" encoding="utf-8"?>
+<p:sld xmlns:a="http://schemas.openxmlformats.org/drawingml/2006/main" xmlns:r="http://schemas.openxmlformats.org/officeDocument/2006/relationships" xmlns:p="http://schemas.openxmlformats.org/presentationml/2006/main">
+  <p:cSld>
+    <p:spTree>
+      <p:nvGrpSpPr>
+        <p:cNvPr id="1" name=""/>
+        <p:cNvGrpSpPr/>
+        <p:nvPr/>
+      </p:nvGrpSpPr>
+      <p:grpSpPr>
+        <a:xfrm>
+          <a:off x="0" y="0"/>
+          <a:ext cx="0" cy="0"/>
+          <a:chOff x="0" y="0"/>
+          <a:chExt cx="0" cy="0"/>
+        </a:xfrm>
+      </p:grpSpPr>
+      <p:sp>
+        <p:nvSpPr>
+          <p:cNvPr id="2" name="Title 1"/>
+          <p:cNvSpPr>
+            <a:spLocks noGrp="1"/>
+          </p:cNvSpPr>
+          <p:nvPr>
+            <p:ph type="title"/>
+          </p:nvPr>
+        </p:nvSpPr>
+        <p:spPr/>
+        <p:txBody>
+          <a:bodyPr/>
+          <a:lstStyle/>
+          <a:p>
+            <a:pPr lvl="0" marL="0" indent="0">
+              <a:buNone/>
+            </a:pPr>
+            <a:r>
+              <a:rPr/>
+              <a:t>The</a:t>
+            </a:r>
+            <a:r>
+              <a:rPr/>
+              <a:t> </a:t>
+            </a:r>
+            <a:r>
+              <a:rPr/>
+              <a:t>approval</a:t>
+            </a:r>
+            <a:r>
+              <a:rPr/>
+              <a:t> </a:t>
+            </a:r>
+            <a:r>
+              <a:rPr/>
+              <a:t>page</a:t>
+            </a:r>
+          </a:p>
+        </p:txBody>
+      </p:sp>
+      <p:pic>
+        <p:nvPicPr>
+          <p:cNvPr descr="../images/07/approval-page.png" id="0" name="Picture 1"/>
+          <p:cNvPicPr>
+            <a:picLocks noGrp="1" noChangeAspect="1"/>
+          </p:cNvPicPr>
+          <p:nvPr/>
+        </p:nvPicPr>
+        <p:blipFill>
+          <a:blip r:embed="rId3"/>
+          <a:stretch>
+            <a:fillRect/>
+          </a:stretch>
+        </p:blipFill>
+        <p:spPr bwMode="auto">
+          <a:xfrm>
+            <a:off x="2819400" y="1600200"/>
+            <a:ext cx="3492500" cy="4521200"/>
+          </a:xfrm>
+          <a:prstGeom prst="rect">
+            <a:avLst/>
+          </a:prstGeom>
+          <a:noFill/>
+          <a:ln w="9525">
+            <a:noFill/>
+            <a:headEnd/>
+            <a:tailEnd/>
+          </a:ln>
+        </p:spPr>
+      </p:pic>
+    </p:spTree>
+  </p:cSld>
+</p:sld>
+</file>
+
+<file path=ppt/slides/slide13.xml><?xml version="1.0" encoding="utf-8"?>
+<p:sld xmlns:a="http://schemas.openxmlformats.org/drawingml/2006/main" xmlns:r="http://schemas.openxmlformats.org/officeDocument/2006/relationships" xmlns:p="http://schemas.openxmlformats.org/presentationml/2006/main">
+  <p:cSld>
+    <p:spTree>
+      <p:nvGrpSpPr>
+        <p:cNvPr id="1" name=""/>
+        <p:cNvGrpSpPr/>
+        <p:nvPr/>
+      </p:nvGrpSpPr>
+      <p:grpSpPr>
+        <a:xfrm>
+          <a:off x="0" y="0"/>
+          <a:ext cx="0" cy="0"/>
+          <a:chOff x="0" y="0"/>
+          <a:chExt cx="0" cy="0"/>
+        </a:xfrm>
+      </p:grpSpPr>
+      <p:sp>
+        <p:nvSpPr>
+          <p:cNvPr id="2" name="Title 1"/>
+          <p:cNvSpPr>
+            <a:spLocks noGrp="1"/>
+          </p:cNvSpPr>
+          <p:nvPr>
+            <p:ph type="title"/>
+          </p:nvPr>
+        </p:nvSpPr>
+        <p:spPr/>
+        <p:txBody>
+          <a:bodyPr/>
+          <a:lstStyle/>
+          <a:p>
+            <a:pPr lvl="0" marL="0" indent="0">
+              <a:buNone/>
+            </a:pPr>
+            <a:r>
+              <a:rPr/>
+              <a:t>The</a:t>
+            </a:r>
+            <a:r>
+              <a:rPr/>
+              <a:t> </a:t>
+            </a:r>
+            <a:r>
+              <a:rPr/>
+              <a:t>abstract</a:t>
+            </a:r>
+            <a:r>
+              <a:rPr/>
+              <a:t> </a:t>
+            </a:r>
+            <a:r>
+              <a:rPr/>
+              <a:t>page</a:t>
+            </a:r>
+          </a:p>
+        </p:txBody>
+      </p:sp>
+      <p:pic>
+        <p:nvPicPr>
+          <p:cNvPr descr="../images/07/abstract-page.png" id="0" name="Picture 1"/>
+          <p:cNvPicPr>
+            <a:picLocks noGrp="1" noChangeAspect="1"/>
+          </p:cNvPicPr>
+          <p:nvPr/>
+        </p:nvPicPr>
+        <p:blipFill>
+          <a:blip r:embed="rId3"/>
+          <a:stretch>
+            <a:fillRect/>
+          </a:stretch>
+        </p:blipFill>
+        <p:spPr bwMode="auto">
+          <a:xfrm>
+            <a:off x="2819400" y="1600200"/>
+            <a:ext cx="3492500" cy="4521200"/>
+          </a:xfrm>
+          <a:prstGeom prst="rect">
+            <a:avLst/>
+          </a:prstGeom>
+          <a:noFill/>
+          <a:ln w="9525">
+            <a:noFill/>
+            <a:headEnd/>
+            <a:tailEnd/>
+          </a:ln>
+        </p:spPr>
+      </p:pic>
+    </p:spTree>
+  </p:cSld>
+</p:sld>
+</file>
+
+<file path=ppt/slides/slide14.xml><?xml version="1.0" encoding="utf-8"?>
+<p:sld xmlns:a="http://schemas.openxmlformats.org/drawingml/2006/main" xmlns:r="http://schemas.openxmlformats.org/officeDocument/2006/relationships" xmlns:p="http://schemas.openxmlformats.org/presentationml/2006/main">
+  <p:cSld>
+    <p:spTree>
+      <p:nvGrpSpPr>
+        <p:cNvPr id="1" name=""/>
+        <p:cNvGrpSpPr/>
+        <p:nvPr/>
+      </p:nvGrpSpPr>
+      <p:grpSpPr>
+        <a:xfrm>
+          <a:off x="0" y="0"/>
+          <a:ext cx="0" cy="0"/>
+          <a:chOff x="0" y="0"/>
+          <a:chExt cx="0" cy="0"/>
+        </a:xfrm>
+      </p:grpSpPr>
+      <p:sp>
+        <p:nvSpPr>
+          <p:cNvPr id="2" name="Title 1"/>
+          <p:cNvSpPr>
+            <a:spLocks noGrp="1"/>
+          </p:cNvSpPr>
+          <p:nvPr>
+            <p:ph type="title"/>
+          </p:nvPr>
+        </p:nvSpPr>
+        <p:spPr/>
+        <p:txBody>
+          <a:bodyPr/>
+          <a:lstStyle/>
+          <a:p>
+            <a:pPr lvl="0" marL="0" indent="0">
+              <a:buNone/>
+            </a:pPr>
+            <a:r>
+              <a:rPr/>
+              <a:t>Table</a:t>
+            </a:r>
+            <a:r>
+              <a:rPr/>
+              <a:t> </a:t>
+            </a:r>
+            <a:r>
+              <a:rPr/>
+              <a:t>of</a:t>
+            </a:r>
+            <a:r>
+              <a:rPr/>
+              <a:t> </a:t>
+            </a:r>
+            <a:r>
+              <a:rPr/>
+              <a:t>contents</a:t>
+            </a:r>
+            <a:r>
+              <a:rPr/>
+              <a:t> </a:t>
+            </a:r>
+            <a:r>
+              <a:rPr/>
+              <a:t>page</a:t>
+            </a:r>
+          </a:p>
+        </p:txBody>
+      </p:sp>
+      <p:pic>
+        <p:nvPicPr>
+          <p:cNvPr descr="../images/07/contents-page-1.png" id="0" name="Picture 1"/>
+          <p:cNvPicPr>
+            <a:picLocks noGrp="1" noChangeAspect="1"/>
+          </p:cNvPicPr>
+          <p:nvPr/>
+        </p:nvPicPr>
+        <p:blipFill>
+          <a:blip r:embed="rId3"/>
+          <a:stretch>
+            <a:fillRect/>
+          </a:stretch>
+        </p:blipFill>
+        <p:spPr bwMode="auto">
+          <a:xfrm>
+            <a:off x="2819400" y="1600200"/>
+            <a:ext cx="3492500" cy="4521200"/>
+          </a:xfrm>
+          <a:prstGeom prst="rect">
+            <a:avLst/>
+          </a:prstGeom>
+          <a:noFill/>
+          <a:ln w="9525">
+            <a:noFill/>
+            <a:headEnd/>
+            <a:tailEnd/>
+          </a:ln>
+        </p:spPr>
+      </p:pic>
+    </p:spTree>
+  </p:cSld>
+</p:sld>
+</file>
+
+<file path=ppt/slides/slide15.xml><?xml version="1.0" encoding="utf-8"?>
+<p:sld xmlns:a="http://schemas.openxmlformats.org/drawingml/2006/main" xmlns:r="http://schemas.openxmlformats.org/officeDocument/2006/relationships" xmlns:p="http://schemas.openxmlformats.org/presentationml/2006/main">
+  <p:cSld>
+    <p:spTree>
+      <p:nvGrpSpPr>
+        <p:cNvPr id="1" name=""/>
+        <p:cNvGrpSpPr/>
+        <p:nvPr/>
+      </p:nvGrpSpPr>
+      <p:grpSpPr>
+        <a:xfrm>
+          <a:off x="0" y="0"/>
+          <a:ext cx="0" cy="0"/>
+          <a:chOff x="0" y="0"/>
+          <a:chExt cx="0" cy="0"/>
+        </a:xfrm>
+      </p:grpSpPr>
+      <p:sp>
+        <p:nvSpPr>
+          <p:cNvPr id="2" name="Title 1"/>
+          <p:cNvSpPr>
+            <a:spLocks noGrp="1"/>
+          </p:cNvSpPr>
+          <p:nvPr>
+            <p:ph type="title"/>
+          </p:nvPr>
+        </p:nvSpPr>
+        <p:spPr/>
+        <p:txBody>
+          <a:bodyPr/>
+          <a:lstStyle/>
+          <a:p>
+            <a:pPr lvl="0" marL="0" indent="0">
+              <a:buNone/>
+            </a:pPr>
+            <a:r>
+              <a:rPr/>
+              <a:t>Table</a:t>
+            </a:r>
+            <a:r>
+              <a:rPr/>
+              <a:t> </a:t>
+            </a:r>
+            <a:r>
+              <a:rPr/>
+              <a:t>of</a:t>
+            </a:r>
+            <a:r>
+              <a:rPr/>
+              <a:t> </a:t>
+            </a:r>
+            <a:r>
+              <a:rPr/>
+              <a:t>contents</a:t>
+            </a:r>
+            <a:r>
+              <a:rPr/>
+              <a:t> </a:t>
+            </a:r>
+            <a:r>
+              <a:rPr/>
+              <a:t>page</a:t>
+            </a:r>
+          </a:p>
+        </p:txBody>
+      </p:sp>
+      <p:pic>
+        <p:nvPicPr>
+          <p:cNvPr descr="../images/07/contents-page-2.png" id="0" name="Picture 1"/>
+          <p:cNvPicPr>
+            <a:picLocks noGrp="1" noChangeAspect="1"/>
+          </p:cNvPicPr>
+          <p:nvPr/>
+        </p:nvPicPr>
+        <p:blipFill>
+          <a:blip r:embed="rId3"/>
+          <a:stretch>
+            <a:fillRect/>
+          </a:stretch>
+        </p:blipFill>
+        <p:spPr bwMode="auto">
+          <a:xfrm>
+            <a:off x="457200" y="2019300"/>
+            <a:ext cx="8229600" cy="3683000"/>
+          </a:xfrm>
+          <a:prstGeom prst="rect">
+            <a:avLst/>
+          </a:prstGeom>
+          <a:noFill/>
+          <a:ln w="9525">
+            <a:noFill/>
+            <a:headEnd/>
+            <a:tailEnd/>
+          </a:ln>
+        </p:spPr>
+      </p:pic>
+    </p:spTree>
+  </p:cSld>
+</p:sld>
+</file>
+
+<file path=ppt/slides/slide16.xml><?xml version="1.0" encoding="utf-8"?>
+<p:sld xmlns:a="http://schemas.openxmlformats.org/drawingml/2006/main" xmlns:r="http://schemas.openxmlformats.org/officeDocument/2006/relationships" xmlns:p="http://schemas.openxmlformats.org/presentationml/2006/main">
+  <p:cSld>
+    <p:spTree>
+      <p:nvGrpSpPr>
+        <p:cNvPr id="1" name=""/>
+        <p:cNvGrpSpPr/>
+        <p:nvPr/>
+      </p:nvGrpSpPr>
+      <p:grpSpPr>
+        <a:xfrm>
+          <a:off x="0" y="0"/>
+          <a:ext cx="0" cy="0"/>
+          <a:chOff x="0" y="0"/>
+          <a:chExt cx="0" cy="0"/>
+        </a:xfrm>
+      </p:grpSpPr>
+      <p:sp>
+        <p:nvSpPr>
+          <p:cNvPr id="2" name="Title 1"/>
+          <p:cNvSpPr>
+            <a:spLocks noGrp="1"/>
+          </p:cNvSpPr>
+          <p:nvPr>
+            <p:ph type="title"/>
+          </p:nvPr>
+        </p:nvSpPr>
+        <p:spPr/>
+        <p:txBody>
+          <a:bodyPr/>
+          <a:lstStyle/>
+          <a:p>
+            <a:pPr lvl="0" marL="0" indent="0">
+              <a:buNone/>
+            </a:pPr>
+            <a:r>
+              <a:rPr/>
+              <a:t>Table</a:t>
+            </a:r>
+            <a:r>
+              <a:rPr/>
+              <a:t> </a:t>
+            </a:r>
+            <a:r>
+              <a:rPr/>
+              <a:t>of</a:t>
+            </a:r>
+            <a:r>
+              <a:rPr/>
+              <a:t> </a:t>
+            </a:r>
+            <a:r>
+              <a:rPr/>
+              <a:t>contents</a:t>
+            </a:r>
+            <a:r>
+              <a:rPr/>
+              <a:t> </a:t>
+            </a:r>
+            <a:r>
+              <a:rPr/>
+              <a:t>page</a:t>
+            </a:r>
+          </a:p>
+        </p:txBody>
+      </p:sp>
+      <p:pic>
+        <p:nvPicPr>
+          <p:cNvPr descr="../images/07/contents-page-3.png" id="0" name="Picture 1"/>
+          <p:cNvPicPr>
+            <a:picLocks noGrp="1" noChangeAspect="1"/>
+          </p:cNvPicPr>
+          <p:nvPr/>
+        </p:nvPicPr>
+        <p:blipFill>
+          <a:blip r:embed="rId3"/>
+          <a:stretch>
+            <a:fillRect/>
+          </a:stretch>
+        </p:blipFill>
+        <p:spPr bwMode="auto">
+          <a:xfrm>
+            <a:off x="457200" y="2133600"/>
+            <a:ext cx="8229600" cy="3441700"/>
+          </a:xfrm>
+          <a:prstGeom prst="rect">
+            <a:avLst/>
+          </a:prstGeom>
+          <a:noFill/>
+          <a:ln w="9525">
+            <a:noFill/>
+            <a:headEnd/>
+            <a:tailEnd/>
+          </a:ln>
+        </p:spPr>
+      </p:pic>
+    </p:spTree>
+  </p:cSld>
+</p:sld>
+</file>
+
+<file path=ppt/slides/slide17.xml><?xml version="1.0" encoding="utf-8"?>
+<p:sld xmlns:a="http://schemas.openxmlformats.org/drawingml/2006/main" xmlns:r="http://schemas.openxmlformats.org/officeDocument/2006/relationships" xmlns:p="http://schemas.openxmlformats.org/presentationml/2006/main">
+  <p:cSld>
+    <p:spTree>
+      <p:nvGrpSpPr>
+        <p:cNvPr id="1" name=""/>
+        <p:cNvGrpSpPr/>
+        <p:nvPr/>
+      </p:nvGrpSpPr>
+      <p:grpSpPr>
+        <a:xfrm>
+          <a:off x="0" y="0"/>
+          <a:ext cx="0" cy="0"/>
+          <a:chOff x="0" y="0"/>
+          <a:chExt cx="0" cy="0"/>
+        </a:xfrm>
+      </p:grpSpPr>
+      <p:sp>
+        <p:nvSpPr>
+          <p:cNvPr id="2" name="Title 1"/>
+          <p:cNvSpPr>
+            <a:spLocks noGrp="1"/>
+          </p:cNvSpPr>
+          <p:nvPr>
+            <p:ph type="title"/>
+          </p:nvPr>
+        </p:nvSpPr>
+        <p:spPr/>
+        <p:txBody>
+          <a:bodyPr/>
+          <a:lstStyle/>
+          <a:p>
+            <a:pPr lvl="0" marL="0" indent="0">
+              <a:buNone/>
+            </a:pPr>
+            <a:r>
+              <a:rPr/>
+              <a:t>Section</a:t>
+            </a:r>
+            <a:r>
+              <a:rPr/>
+              <a:t> </a:t>
+            </a:r>
+            <a:r>
+              <a:rPr/>
+              <a:t>heads</a:t>
+            </a:r>
+            <a:r>
+              <a:rPr/>
+              <a:t> </a:t>
+            </a:r>
+            <a:r>
+              <a:rPr/>
+              <a:t>and</a:t>
+            </a:r>
+            <a:r>
+              <a:rPr/>
+              <a:t> </a:t>
+            </a:r>
+            <a:r>
+              <a:rPr/>
+              <a:t>subheads</a:t>
+            </a:r>
+          </a:p>
+        </p:txBody>
+      </p:sp>
+      <p:sp>
+        <p:nvSpPr>
+          <p:cNvPr id="3" name="Content Placeholder 2"/>
+          <p:cNvSpPr>
+            <a:spLocks noGrp="1"/>
+          </p:cNvSpPr>
+          <p:nvPr>
+            <p:ph idx="1"/>
+          </p:nvPr>
+        </p:nvSpPr>
+        <p:spPr/>
+        <p:txBody>
+          <a:bodyPr/>
+          <a:lstStyle/>
+          <a:p>
+            <a:pPr lvl="1"/>
+            <a:r>
+              <a:rPr/>
+              <a:t>Main (chapter) heads</a:t>
+            </a:r>
+          </a:p>
+          <a:p>
+            <a:pPr lvl="2"/>
+            <a:r>
+              <a:rPr/>
+              <a:t>Centered</a:t>
+            </a:r>
+          </a:p>
+          <a:p>
+            <a:pPr lvl="2"/>
+            <a:r>
+              <a:rPr/>
+              <a:t>No bold</a:t>
+            </a:r>
+          </a:p>
+          <a:p>
+            <a:pPr lvl="2"/>
+            <a:r>
+              <a:rPr/>
+              <a:t>All uppercase</a:t>
+            </a:r>
+          </a:p>
+          <a:p>
+            <a:pPr lvl="1"/>
+            <a:r>
+              <a:rPr/>
+              <a:t>First subheads</a:t>
+            </a:r>
+          </a:p>
+          <a:p>
+            <a:pPr lvl="2"/>
+            <a:r>
+              <a:rPr/>
+              <a:t>Centered</a:t>
+            </a:r>
+          </a:p>
+          <a:p>
+            <a:pPr lvl="2"/>
+            <a:r>
+              <a:rPr/>
+              <a:t>Bold or italic</a:t>
+            </a:r>
+          </a:p>
+          <a:p>
+            <a:pPr lvl="2"/>
+            <a:r>
+              <a:rPr/>
+              <a:t>Headline (title) case</a:t>
+            </a:r>
+          </a:p>
+          <a:p>
+            <a:pPr lvl="1"/>
+            <a:r>
+              <a:rPr/>
+              <a:t>Second, third, etc. subheads</a:t>
+            </a:r>
+          </a:p>
+          <a:p>
+            <a:pPr lvl="2"/>
+            <a:r>
+              <a:rPr/>
+              <a:t>See guidelines</a:t>
+            </a:r>
+          </a:p>
+        </p:txBody>
+      </p:sp>
+    </p:spTree>
+  </p:cSld>
+</p:sld>
+</file>
+
+<file path=ppt/slides/slide18.xml><?xml version="1.0" encoding="utf-8"?>
+<p:sld xmlns:a="http://schemas.openxmlformats.org/drawingml/2006/main" xmlns:r="http://schemas.openxmlformats.org/officeDocument/2006/relationships" xmlns:p="http://schemas.openxmlformats.org/presentationml/2006/main">
+  <p:cSld>
+    <p:spTree>
+      <p:nvGrpSpPr>
+        <p:cNvPr id="1" name=""/>
+        <p:cNvGrpSpPr/>
+        <p:nvPr/>
+      </p:nvGrpSpPr>
+      <p:grpSpPr>
+        <a:xfrm>
+          <a:off x="0" y="0"/>
+          <a:ext cx="0" cy="0"/>
+          <a:chOff x="0" y="0"/>
+          <a:chExt cx="0" cy="0"/>
+        </a:xfrm>
+      </p:grpSpPr>
+      <p:sp>
+        <p:nvSpPr>
+          <p:cNvPr id="2" name="Title 1"/>
+          <p:cNvSpPr>
+            <a:spLocks noGrp="1"/>
+          </p:cNvSpPr>
+          <p:nvPr>
+            <p:ph type="title"/>
+          </p:nvPr>
+        </p:nvSpPr>
+        <p:spPr/>
+        <p:txBody>
+          <a:bodyPr/>
+          <a:lstStyle/>
+          <a:p>
+            <a:pPr lvl="0" marL="0" indent="0">
+              <a:buNone/>
+            </a:pPr>
+            <a:r>
+              <a:rPr/>
+              <a:t>Headline</a:t>
+            </a:r>
+            <a:r>
+              <a:rPr/>
+              <a:t> </a:t>
+            </a:r>
+            <a:r>
+              <a:rPr/>
+              <a:t>(title)</a:t>
+            </a:r>
+            <a:r>
+              <a:rPr/>
+              <a:t> </a:t>
+            </a:r>
+            <a:r>
+              <a:rPr/>
+              <a:t>case</a:t>
+            </a:r>
+          </a:p>
+        </p:txBody>
+      </p:sp>
+      <p:sp>
+        <p:nvSpPr>
+          <p:cNvPr id="3" name="Content Placeholder 2"/>
+          <p:cNvSpPr>
+            <a:spLocks noGrp="1"/>
+          </p:cNvSpPr>
+          <p:nvPr>
+            <p:ph idx="1"/>
+          </p:nvPr>
+        </p:nvSpPr>
+        <p:spPr/>
+        <p:txBody>
+          <a:bodyPr/>
+          <a:lstStyle/>
+          <a:p>
+            <a:pPr lvl="1"/>
+            <a:r>
+              <a:rPr/>
+              <a:t>Initial capital for “important” words</a:t>
+            </a:r>
+          </a:p>
+          <a:p>
+            <a:pPr lvl="2"/>
+            <a:r>
+              <a:rPr/>
+              <a:t>Nouns, pronouns, verbs, adjectives, adverbs</a:t>
+            </a:r>
+          </a:p>
+          <a:p>
+            <a:pPr lvl="1"/>
+            <a:r>
+              <a:rPr/>
+              <a:t>Lower case for short and “unimportant” words</a:t>
+            </a:r>
+          </a:p>
+          <a:p>
+            <a:pPr lvl="2"/>
+            <a:r>
+              <a:rPr/>
+              <a:t>Articles, prepositions, conjunctions</a:t>
+            </a:r>
+          </a:p>
+          <a:p>
+            <a:pPr lvl="1"/>
+            <a:r>
+              <a:rPr/>
+              <a:t>Initial capital for very first word and very last word</a:t>
+            </a:r>
+          </a:p>
+          <a:p>
+            <a:pPr lvl="2"/>
+            <a:r>
+              <a:rPr/>
+              <a:t>Even “unimportant” words</a:t>
+            </a:r>
+          </a:p>
+          <a:p>
+            <a:pPr lvl="1"/>
+            <a:r>
+              <a:rPr/>
+              <a:t>Longer “unimportant” words also use initial caps</a:t>
+            </a:r>
+          </a:p>
+          <a:p>
+            <a:pPr lvl="2"/>
+            <a:r>
+              <a:rPr/>
+              <a:t>Five letters or longer</a:t>
+            </a:r>
+          </a:p>
+          <a:p>
+            <a:pPr lvl="1"/>
+            <a:r>
+              <a:rPr/>
+              <a:t>Some other details</a:t>
+            </a:r>
+          </a:p>
+          <a:p>
+            <a:pPr lvl="1"/>
+            <a:r>
+              <a:rPr/>
+              <a:t>Minor contradictions from one source to another</a:t>
             </a:r>
           </a:p>
         </p:txBody>

--- a/src/video07-formatting-your-literature-review.pptx
+++ b/src/video07-formatting-your-literature-review.pptx
@@ -5,7 +5,7 @@
     <p:sldMasterId id="2147483648" r:id="rId1"/>
   </p:sldMasterIdLst>
   <p:notesMasterIdLst>
-    <p:NotesMasterId r:id="rId20"/>
+    <p:NotesMasterId r:id="rId33"/>
   </p:notesMasterIdLst>
   <p:sldIdLst>
     <p:sldId id="256" r:id="rId2"/>
@@ -26,6 +26,19 @@
     <p:sldId id="271" r:id="rId17"/>
     <p:sldId id="272" r:id="rId18"/>
     <p:sldId id="273" r:id="rId19"/>
+    <p:sldId id="274" r:id="rId20"/>
+    <p:sldId id="275" r:id="rId21"/>
+    <p:sldId id="276" r:id="rId22"/>
+    <p:sldId id="277" r:id="rId23"/>
+    <p:sldId id="278" r:id="rId24"/>
+    <p:sldId id="279" r:id="rId25"/>
+    <p:sldId id="280" r:id="rId26"/>
+    <p:sldId id="281" r:id="rId27"/>
+    <p:sldId id="282" r:id="rId28"/>
+    <p:sldId id="283" r:id="rId29"/>
+    <p:sldId id="284" r:id="rId30"/>
+    <p:sldId id="285" r:id="rId31"/>
+    <p:sldId id="286" r:id="rId32"/>
   </p:sldIdLst>
   <p:sldSz cx="9144000" cy="6858000" type="screen4x3"/>
   <p:notesSz cx="6858000" cy="9144000"/>
@@ -5141,6 +5154,674 @@
 </p:notes>
 </file>
 
+<file path=ppt/notesSlides/notesSlide18.xml><?xml version="1.0" encoding="utf-8"?>
+<p:notes xmlns:a="http://schemas.openxmlformats.org/drawingml/2006/main" xmlns:r="http://schemas.openxmlformats.org/officeDocument/2006/relationships" xmlns:p="http://schemas.openxmlformats.org/presentationml/2006/main">
+  <p:cSld>
+    <p:spTree>
+      <p:nvGrpSpPr>
+        <p:cNvPr id="1" name=""/>
+        <p:cNvGrpSpPr/>
+        <p:nvPr/>
+      </p:nvGrpSpPr>
+      <p:grpSpPr>
+        <a:xfrm>
+          <a:off x="0" y="0"/>
+          <a:ext cx="0" cy="0"/>
+          <a:chOff x="0" y="0"/>
+          <a:chExt cx="0" cy="0"/>
+        </a:xfrm>
+      </p:grpSpPr>
+      <p:sp>
+        <p:nvSpPr>
+          <p:cNvPr id="2" name="Slide Image Placeholder 1"/>
+          <p:cNvSpPr>
+            <a:spLocks noGrp="1" noRot="1" noChangeAspect="1"/>
+          </p:cNvSpPr>
+          <p:nvPr>
+            <p:ph type="sldImg"/>
+          </p:nvPr>
+        </p:nvSpPr>
+        <p:spPr/>
+      </p:sp>
+      <p:sp>
+        <p:nvSpPr>
+          <p:cNvPr id="3" name="Notes Placeholder 2"/>
+          <p:cNvSpPr>
+            <a:spLocks noGrp="1"/>
+          </p:cNvSpPr>
+          <p:nvPr>
+            <p:ph type="body" idx="1"/>
+          </p:nvPr>
+        </p:nvSpPr>
+        <p:spPr/>
+        <p:txBody>
+          <a:bodyPr/>
+          <a:lstStyle/>
+          <a:p>
+            <a:pPr lvl="0" marL="0" indent="0">
+              <a:buNone/>
+            </a:pPr>
+            <a:r>
+              <a:rPr/>
+              <a:t>Here’s</a:t>
+            </a:r>
+            <a:r>
+              <a:rPr/>
+              <a:t> </a:t>
+            </a:r>
+            <a:r>
+              <a:rPr/>
+              <a:t>an</a:t>
+            </a:r>
+            <a:r>
+              <a:rPr/>
+              <a:t> </a:t>
+            </a:r>
+            <a:r>
+              <a:rPr/>
+              <a:t>example</a:t>
+            </a:r>
+            <a:r>
+              <a:rPr/>
+              <a:t> </a:t>
+            </a:r>
+            <a:r>
+              <a:rPr/>
+              <a:t>of</a:t>
+            </a:r>
+            <a:r>
+              <a:rPr/>
+              <a:t> </a:t>
+            </a:r>
+            <a:r>
+              <a:rPr/>
+              <a:t>someone</a:t>
+            </a:r>
+            <a:r>
+              <a:rPr/>
+              <a:t> </a:t>
+            </a:r>
+            <a:r>
+              <a:rPr/>
+              <a:t>who</a:t>
+            </a:r>
+            <a:r>
+              <a:rPr/>
+              <a:t> </a:t>
+            </a:r>
+            <a:r>
+              <a:rPr/>
+              <a:t>did</a:t>
+            </a:r>
+            <a:r>
+              <a:rPr/>
+              <a:t> </a:t>
+            </a:r>
+            <a:r>
+              <a:rPr/>
+              <a:t>fine</a:t>
+            </a:r>
+            <a:r>
+              <a:rPr/>
+              <a:t> </a:t>
+            </a:r>
+            <a:r>
+              <a:rPr/>
+              <a:t>with</a:t>
+            </a:r>
+            <a:r>
+              <a:rPr/>
+              <a:t> </a:t>
+            </a:r>
+            <a:r>
+              <a:rPr/>
+              <a:t>the</a:t>
+            </a:r>
+            <a:r>
+              <a:rPr/>
+              <a:t> </a:t>
+            </a:r>
+            <a:r>
+              <a:rPr/>
+              <a:t>main</a:t>
+            </a:r>
+            <a:r>
+              <a:rPr/>
+              <a:t> </a:t>
+            </a:r>
+            <a:r>
+              <a:rPr/>
+              <a:t>heading,</a:t>
+            </a:r>
+            <a:r>
+              <a:rPr/>
+              <a:t> </a:t>
+            </a:r>
+            <a:r>
+              <a:rPr/>
+              <a:t>but</a:t>
+            </a:r>
+            <a:r>
+              <a:rPr/>
+              <a:t> </a:t>
+            </a:r>
+            <a:r>
+              <a:rPr/>
+              <a:t>not</a:t>
+            </a:r>
+            <a:r>
+              <a:rPr/>
+              <a:t> </a:t>
+            </a:r>
+            <a:r>
+              <a:rPr/>
+              <a:t>for</a:t>
+            </a:r>
+            <a:r>
+              <a:rPr/>
+              <a:t> </a:t>
+            </a:r>
+            <a:r>
+              <a:rPr/>
+              <a:t>the</a:t>
+            </a:r>
+            <a:r>
+              <a:rPr/>
+              <a:t> </a:t>
+            </a:r>
+            <a:r>
+              <a:rPr/>
+              <a:t>first</a:t>
+            </a:r>
+            <a:r>
+              <a:rPr/>
+              <a:t> </a:t>
+            </a:r>
+            <a:r>
+              <a:rPr/>
+              <a:t>level</a:t>
+            </a:r>
+            <a:r>
+              <a:rPr/>
+              <a:t> </a:t>
+            </a:r>
+            <a:r>
+              <a:rPr/>
+              <a:t>beneath</a:t>
+            </a:r>
+            <a:r>
+              <a:rPr/>
+              <a:t> </a:t>
+            </a:r>
+            <a:r>
+              <a:rPr/>
+              <a:t>the</a:t>
+            </a:r>
+            <a:r>
+              <a:rPr/>
+              <a:t> </a:t>
+            </a:r>
+            <a:r>
+              <a:rPr/>
+              <a:t>main</a:t>
+            </a:r>
+            <a:r>
+              <a:rPr/>
+              <a:t> </a:t>
+            </a:r>
+            <a:r>
+              <a:rPr/>
+              <a:t>head.</a:t>
+            </a:r>
+          </a:p>
+        </p:txBody>
+      </p:sp>
+      <p:sp>
+        <p:nvSpPr>
+          <p:cNvPr id="4" name="Slide Number Placeholder 3"/>
+          <p:cNvSpPr>
+            <a:spLocks noGrp="1"/>
+          </p:cNvSpPr>
+          <p:nvPr>
+            <p:ph type="sldNum" sz="quarter" idx="10"/>
+          </p:nvPr>
+        </p:nvSpPr>
+        <p:spPr/>
+        <p:txBody>
+          <a:bodyPr/>
+          <a:lstStyle/>
+          <a:p>
+            <a:fld id="{18BDFEC3-8487-43E8-A154-7C12CBC1FFF2}" type="slidenum">
+              <a:rPr lang="en-US"/>
+              <a:t>19</a:t>
+            </a:fld>
+            <a:endParaRPr lang="en-US"/>
+          </a:p>
+        </p:txBody>
+      </p:sp>
+    </p:spTree>
+  </p:cSld>
+</p:notes>
+</file>
+
+<file path=ppt/notesSlides/notesSlide19.xml><?xml version="1.0" encoding="utf-8"?>
+<p:notes xmlns:a="http://schemas.openxmlformats.org/drawingml/2006/main" xmlns:r="http://schemas.openxmlformats.org/officeDocument/2006/relationships" xmlns:p="http://schemas.openxmlformats.org/presentationml/2006/main">
+  <p:cSld>
+    <p:spTree>
+      <p:nvGrpSpPr>
+        <p:cNvPr id="1" name=""/>
+        <p:cNvGrpSpPr/>
+        <p:nvPr/>
+      </p:nvGrpSpPr>
+      <p:grpSpPr>
+        <a:xfrm>
+          <a:off x="0" y="0"/>
+          <a:ext cx="0" cy="0"/>
+          <a:chOff x="0" y="0"/>
+          <a:chExt cx="0" cy="0"/>
+        </a:xfrm>
+      </p:grpSpPr>
+      <p:sp>
+        <p:nvSpPr>
+          <p:cNvPr id="2" name="Slide Image Placeholder 1"/>
+          <p:cNvSpPr>
+            <a:spLocks noGrp="1" noRot="1" noChangeAspect="1"/>
+          </p:cNvSpPr>
+          <p:nvPr>
+            <p:ph type="sldImg"/>
+          </p:nvPr>
+        </p:nvSpPr>
+        <p:spPr/>
+      </p:sp>
+      <p:sp>
+        <p:nvSpPr>
+          <p:cNvPr id="3" name="Notes Placeholder 2"/>
+          <p:cNvSpPr>
+            <a:spLocks noGrp="1"/>
+          </p:cNvSpPr>
+          <p:nvPr>
+            <p:ph type="body" idx="1"/>
+          </p:nvPr>
+        </p:nvSpPr>
+        <p:spPr/>
+        <p:txBody>
+          <a:bodyPr/>
+          <a:lstStyle/>
+          <a:p>
+            <a:pPr lvl="0" marL="0" indent="0">
+              <a:buNone/>
+            </a:pPr>
+            <a:r>
+              <a:rPr/>
+              <a:t>This</a:t>
+            </a:r>
+            <a:r>
+              <a:rPr/>
+              <a:t> </a:t>
+            </a:r>
+            <a:r>
+              <a:rPr/>
+              <a:t>person</a:t>
+            </a:r>
+            <a:r>
+              <a:rPr/>
+              <a:t> </a:t>
+            </a:r>
+            <a:r>
+              <a:rPr/>
+              <a:t>got</a:t>
+            </a:r>
+            <a:r>
+              <a:rPr/>
+              <a:t> </a:t>
+            </a:r>
+            <a:r>
+              <a:rPr/>
+              <a:t>the</a:t>
+            </a:r>
+            <a:r>
+              <a:rPr/>
+              <a:t> </a:t>
+            </a:r>
+            <a:r>
+              <a:rPr/>
+              <a:t>subhead</a:t>
+            </a:r>
+            <a:r>
+              <a:rPr/>
+              <a:t> </a:t>
+            </a:r>
+            <a:r>
+              <a:rPr/>
+              <a:t>correct,</a:t>
+            </a:r>
+            <a:r>
+              <a:rPr/>
+              <a:t> </a:t>
+            </a:r>
+            <a:r>
+              <a:rPr/>
+              <a:t>but</a:t>
+            </a:r>
+            <a:r>
+              <a:rPr/>
+              <a:t> </a:t>
+            </a:r>
+            <a:r>
+              <a:rPr/>
+              <a:t>not</a:t>
+            </a:r>
+            <a:r>
+              <a:rPr/>
+              <a:t> </a:t>
+            </a:r>
+            <a:r>
+              <a:rPr/>
+              <a:t>the</a:t>
+            </a:r>
+            <a:r>
+              <a:rPr/>
+              <a:t> </a:t>
+            </a:r>
+            <a:r>
+              <a:rPr/>
+              <a:t>main</a:t>
+            </a:r>
+            <a:r>
+              <a:rPr/>
+              <a:t> </a:t>
+            </a:r>
+            <a:r>
+              <a:rPr/>
+              <a:t>head.</a:t>
+            </a:r>
+            <a:r>
+              <a:rPr/>
+              <a:t> </a:t>
+            </a:r>
+            <a:r>
+              <a:rPr/>
+              <a:t>“</a:t>
+            </a:r>
+            <a:r>
+              <a:rPr/>
+              <a:t>Literature</a:t>
+            </a:r>
+            <a:r>
+              <a:rPr/>
+              <a:t> </a:t>
+            </a:r>
+            <a:r>
+              <a:rPr/>
+              <a:t>Review</a:t>
+            </a:r>
+            <a:r>
+              <a:rPr/>
+              <a:t>”</a:t>
+            </a:r>
+            <a:r>
+              <a:rPr/>
+              <a:t> </a:t>
+            </a:r>
+            <a:r>
+              <a:rPr/>
+              <a:t>should</a:t>
+            </a:r>
+            <a:r>
+              <a:rPr/>
+              <a:t> </a:t>
+            </a:r>
+            <a:r>
+              <a:rPr/>
+              <a:t>be</a:t>
+            </a:r>
+            <a:r>
+              <a:rPr/>
+              <a:t> </a:t>
+            </a:r>
+            <a:r>
+              <a:rPr/>
+              <a:t>all</a:t>
+            </a:r>
+            <a:r>
+              <a:rPr/>
+              <a:t> </a:t>
+            </a:r>
+            <a:r>
+              <a:rPr/>
+              <a:t>caps</a:t>
+            </a:r>
+            <a:r>
+              <a:rPr/>
+              <a:t> </a:t>
+            </a:r>
+            <a:r>
+              <a:rPr/>
+              <a:t>and</a:t>
+            </a:r>
+            <a:r>
+              <a:rPr/>
+              <a:t> </a:t>
+            </a:r>
+            <a:r>
+              <a:rPr/>
+              <a:t>centered.</a:t>
+            </a:r>
+            <a:r>
+              <a:rPr/>
+              <a:t> </a:t>
+            </a:r>
+            <a:r>
+              <a:rPr/>
+              <a:t>If</a:t>
+            </a:r>
+            <a:r>
+              <a:rPr/>
+              <a:t> </a:t>
+            </a:r>
+            <a:r>
+              <a:rPr/>
+              <a:t>you</a:t>
+            </a:r>
+            <a:r>
+              <a:rPr/>
+              <a:t> </a:t>
+            </a:r>
+            <a:r>
+              <a:rPr/>
+              <a:t>want</a:t>
+            </a:r>
+            <a:r>
+              <a:rPr/>
+              <a:t> </a:t>
+            </a:r>
+            <a:r>
+              <a:rPr/>
+              <a:t>to</a:t>
+            </a:r>
+            <a:r>
+              <a:rPr/>
+              <a:t> </a:t>
+            </a:r>
+            <a:r>
+              <a:rPr/>
+              <a:t>get</a:t>
+            </a:r>
+            <a:r>
+              <a:rPr/>
+              <a:t> </a:t>
+            </a:r>
+            <a:r>
+              <a:rPr/>
+              <a:t>realy</a:t>
+            </a:r>
+            <a:r>
+              <a:rPr/>
+              <a:t> </a:t>
+            </a:r>
+            <a:r>
+              <a:rPr/>
+              <a:t>fussy,</a:t>
+            </a:r>
+            <a:r>
+              <a:rPr/>
+              <a:t> </a:t>
+            </a:r>
+            <a:r>
+              <a:rPr/>
+              <a:t>it</a:t>
+            </a:r>
+            <a:r>
+              <a:rPr/>
+              <a:t> </a:t>
+            </a:r>
+            <a:r>
+              <a:rPr/>
+              <a:t>should</a:t>
+            </a:r>
+            <a:r>
+              <a:rPr/>
+              <a:t> </a:t>
+            </a:r>
+            <a:r>
+              <a:rPr/>
+              <a:t>be</a:t>
+            </a:r>
+            <a:r>
+              <a:rPr/>
+              <a:t> </a:t>
+            </a:r>
+            <a:r>
+              <a:rPr/>
+              <a:t>preceded</a:t>
+            </a:r>
+            <a:r>
+              <a:rPr/>
+              <a:t> </a:t>
+            </a:r>
+            <a:r>
+              <a:rPr/>
+              <a:t>by</a:t>
+            </a:r>
+            <a:r>
+              <a:rPr/>
+              <a:t> </a:t>
+            </a:r>
+            <a:r>
+              <a:rPr/>
+              <a:t>a</a:t>
+            </a:r>
+            <a:r>
+              <a:rPr/>
+              <a:t> </a:t>
+            </a:r>
+            <a:r>
+              <a:rPr/>
+              <a:t>line</a:t>
+            </a:r>
+            <a:r>
+              <a:rPr/>
+              <a:t> </a:t>
+            </a:r>
+            <a:r>
+              <a:rPr/>
+              <a:t>with</a:t>
+            </a:r>
+            <a:r>
+              <a:rPr/>
+              <a:t> </a:t>
+            </a:r>
+            <a:r>
+              <a:rPr/>
+              <a:t>“</a:t>
+            </a:r>
+            <a:r>
+              <a:rPr/>
+              <a:t>CHAPTER</a:t>
+            </a:r>
+            <a:r>
+              <a:rPr/>
+              <a:t> </a:t>
+            </a:r>
+            <a:r>
+              <a:rPr/>
+              <a:t>2</a:t>
+            </a:r>
+            <a:r>
+              <a:rPr/>
+              <a:t>”</a:t>
+            </a:r>
+            <a:r>
+              <a:rPr/>
+              <a:t> </a:t>
+            </a:r>
+            <a:r>
+              <a:rPr/>
+              <a:t>also</a:t>
+            </a:r>
+            <a:r>
+              <a:rPr/>
+              <a:t> </a:t>
+            </a:r>
+            <a:r>
+              <a:rPr/>
+              <a:t>centered</a:t>
+            </a:r>
+            <a:r>
+              <a:rPr/>
+              <a:t> </a:t>
+            </a:r>
+            <a:r>
+              <a:rPr/>
+              <a:t>and</a:t>
+            </a:r>
+            <a:r>
+              <a:rPr/>
+              <a:t> </a:t>
+            </a:r>
+            <a:r>
+              <a:rPr/>
+              <a:t>all</a:t>
+            </a:r>
+            <a:r>
+              <a:rPr/>
+              <a:t> </a:t>
+            </a:r>
+            <a:r>
+              <a:rPr/>
+              <a:t>caps.</a:t>
+            </a:r>
+          </a:p>
+        </p:txBody>
+      </p:sp>
+      <p:sp>
+        <p:nvSpPr>
+          <p:cNvPr id="4" name="Slide Number Placeholder 3"/>
+          <p:cNvSpPr>
+            <a:spLocks noGrp="1"/>
+          </p:cNvSpPr>
+          <p:nvPr>
+            <p:ph type="sldNum" sz="quarter" idx="10"/>
+          </p:nvPr>
+        </p:nvSpPr>
+        <p:spPr/>
+        <p:txBody>
+          <a:bodyPr/>
+          <a:lstStyle/>
+          <a:p>
+            <a:fld id="{18BDFEC3-8487-43E8-A154-7C12CBC1FFF2}" type="slidenum">
+              <a:rPr lang="en-US"/>
+              <a:t>20</a:t>
+            </a:fld>
+            <a:endParaRPr lang="en-US"/>
+          </a:p>
+        </p:txBody>
+      </p:sp>
+    </p:spTree>
+  </p:cSld>
+</p:notes>
+</file>
+
 <file path=ppt/notesSlides/notesSlide2.xml><?xml version="1.0" encoding="utf-8"?>
 <p:notes xmlns:a="http://schemas.openxmlformats.org/drawingml/2006/main" xmlns:r="http://schemas.openxmlformats.org/officeDocument/2006/relationships" xmlns:p="http://schemas.openxmlformats.org/presentationml/2006/main">
   <p:cSld>
@@ -5469,6 +6150,4148 @@
             <a:fld id="{18BDFEC3-8487-43E8-A154-7C12CBC1FFF2}" type="slidenum">
               <a:rPr lang="en-US"/>
               <a:t>3</a:t>
+            </a:fld>
+            <a:endParaRPr lang="en-US"/>
+          </a:p>
+        </p:txBody>
+      </p:sp>
+    </p:spTree>
+  </p:cSld>
+</p:notes>
+</file>
+
+<file path=ppt/notesSlides/notesSlide20.xml><?xml version="1.0" encoding="utf-8"?>
+<p:notes xmlns:a="http://schemas.openxmlformats.org/drawingml/2006/main" xmlns:r="http://schemas.openxmlformats.org/officeDocument/2006/relationships" xmlns:p="http://schemas.openxmlformats.org/presentationml/2006/main">
+  <p:cSld>
+    <p:spTree>
+      <p:nvGrpSpPr>
+        <p:cNvPr id="1" name=""/>
+        <p:cNvGrpSpPr/>
+        <p:nvPr/>
+      </p:nvGrpSpPr>
+      <p:grpSpPr>
+        <a:xfrm>
+          <a:off x="0" y="0"/>
+          <a:ext cx="0" cy="0"/>
+          <a:chOff x="0" y="0"/>
+          <a:chExt cx="0" cy="0"/>
+        </a:xfrm>
+      </p:grpSpPr>
+      <p:sp>
+        <p:nvSpPr>
+          <p:cNvPr id="2" name="Slide Image Placeholder 1"/>
+          <p:cNvSpPr>
+            <a:spLocks noGrp="1" noRot="1" noChangeAspect="1"/>
+          </p:cNvSpPr>
+          <p:nvPr>
+            <p:ph type="sldImg"/>
+          </p:nvPr>
+        </p:nvSpPr>
+        <p:spPr/>
+      </p:sp>
+      <p:sp>
+        <p:nvSpPr>
+          <p:cNvPr id="3" name="Notes Placeholder 2"/>
+          <p:cNvSpPr>
+            <a:spLocks noGrp="1"/>
+          </p:cNvSpPr>
+          <p:nvPr>
+            <p:ph type="body" idx="1"/>
+          </p:nvPr>
+        </p:nvSpPr>
+        <p:spPr/>
+        <p:txBody>
+          <a:bodyPr/>
+          <a:lstStyle/>
+          <a:p>
+            <a:pPr lvl="0" marL="0" indent="0">
+              <a:buNone/>
+            </a:pPr>
+            <a:r>
+              <a:rPr/>
+              <a:t>This</a:t>
+            </a:r>
+            <a:r>
+              <a:rPr/>
+              <a:t> </a:t>
+            </a:r>
+            <a:r>
+              <a:rPr/>
+              <a:t>is</a:t>
+            </a:r>
+            <a:r>
+              <a:rPr/>
+              <a:t> </a:t>
+            </a:r>
+            <a:r>
+              <a:rPr/>
+              <a:t>an</a:t>
+            </a:r>
+            <a:r>
+              <a:rPr/>
+              <a:t> </a:t>
+            </a:r>
+            <a:r>
+              <a:rPr/>
+              <a:t>example</a:t>
+            </a:r>
+            <a:r>
+              <a:rPr/>
+              <a:t> </a:t>
+            </a:r>
+            <a:r>
+              <a:rPr/>
+              <a:t>of</a:t>
+            </a:r>
+            <a:r>
+              <a:rPr/>
+              <a:t> </a:t>
+            </a:r>
+            <a:r>
+              <a:rPr/>
+              <a:t>how</a:t>
+            </a:r>
+            <a:r>
+              <a:rPr/>
+              <a:t> </a:t>
+            </a:r>
+            <a:r>
+              <a:rPr/>
+              <a:t>it</a:t>
+            </a:r>
+            <a:r>
+              <a:rPr/>
+              <a:t> </a:t>
+            </a:r>
+            <a:r>
+              <a:rPr/>
+              <a:t>should</a:t>
+            </a:r>
+            <a:r>
+              <a:rPr/>
+              <a:t> </a:t>
+            </a:r>
+            <a:r>
+              <a:rPr/>
+              <a:t>be</a:t>
+            </a:r>
+            <a:r>
+              <a:rPr/>
+              <a:t> </a:t>
+            </a:r>
+            <a:r>
+              <a:rPr/>
+              <a:t>done.</a:t>
+            </a:r>
+          </a:p>
+        </p:txBody>
+      </p:sp>
+      <p:sp>
+        <p:nvSpPr>
+          <p:cNvPr id="4" name="Slide Number Placeholder 3"/>
+          <p:cNvSpPr>
+            <a:spLocks noGrp="1"/>
+          </p:cNvSpPr>
+          <p:nvPr>
+            <p:ph type="sldNum" sz="quarter" idx="10"/>
+          </p:nvPr>
+        </p:nvSpPr>
+        <p:spPr/>
+        <p:txBody>
+          <a:bodyPr/>
+          <a:lstStyle/>
+          <a:p>
+            <a:fld id="{18BDFEC3-8487-43E8-A154-7C12CBC1FFF2}" type="slidenum">
+              <a:rPr lang="en-US"/>
+              <a:t>21</a:t>
+            </a:fld>
+            <a:endParaRPr lang="en-US"/>
+          </a:p>
+        </p:txBody>
+      </p:sp>
+    </p:spTree>
+  </p:cSld>
+</p:notes>
+</file>
+
+<file path=ppt/notesSlides/notesSlide21.xml><?xml version="1.0" encoding="utf-8"?>
+<p:notes xmlns:a="http://schemas.openxmlformats.org/drawingml/2006/main" xmlns:r="http://schemas.openxmlformats.org/officeDocument/2006/relationships" xmlns:p="http://schemas.openxmlformats.org/presentationml/2006/main">
+  <p:cSld>
+    <p:spTree>
+      <p:nvGrpSpPr>
+        <p:cNvPr id="1" name=""/>
+        <p:cNvGrpSpPr/>
+        <p:nvPr/>
+      </p:nvGrpSpPr>
+      <p:grpSpPr>
+        <a:xfrm>
+          <a:off x="0" y="0"/>
+          <a:ext cx="0" cy="0"/>
+          <a:chOff x="0" y="0"/>
+          <a:chExt cx="0" cy="0"/>
+        </a:xfrm>
+      </p:grpSpPr>
+      <p:sp>
+        <p:nvSpPr>
+          <p:cNvPr id="2" name="Slide Image Placeholder 1"/>
+          <p:cNvSpPr>
+            <a:spLocks noGrp="1" noRot="1" noChangeAspect="1"/>
+          </p:cNvSpPr>
+          <p:nvPr>
+            <p:ph type="sldImg"/>
+          </p:nvPr>
+        </p:nvSpPr>
+        <p:spPr/>
+      </p:sp>
+      <p:sp>
+        <p:nvSpPr>
+          <p:cNvPr id="3" name="Notes Placeholder 2"/>
+          <p:cNvSpPr>
+            <a:spLocks noGrp="1"/>
+          </p:cNvSpPr>
+          <p:nvPr>
+            <p:ph type="body" idx="1"/>
+          </p:nvPr>
+        </p:nvSpPr>
+        <p:spPr/>
+        <p:txBody>
+          <a:bodyPr/>
+          <a:lstStyle/>
+          <a:p>
+            <a:pPr lvl="0" marL="0" indent="0">
+              <a:buNone/>
+            </a:pPr>
+            <a:r>
+              <a:rPr/>
+              <a:t>In</a:t>
+            </a:r>
+            <a:r>
+              <a:rPr/>
+              <a:t> </a:t>
+            </a:r>
+            <a:r>
+              <a:rPr/>
+              <a:t>your</a:t>
+            </a:r>
+            <a:r>
+              <a:rPr/>
+              <a:t> </a:t>
+            </a:r>
+            <a:r>
+              <a:rPr/>
+              <a:t>references,</a:t>
+            </a:r>
+            <a:r>
+              <a:rPr/>
+              <a:t> </a:t>
+            </a:r>
+            <a:r>
+              <a:rPr/>
+              <a:t>use</a:t>
+            </a:r>
+            <a:r>
+              <a:rPr/>
+              <a:t> </a:t>
+            </a:r>
+            <a:r>
+              <a:rPr/>
+              <a:t>any</a:t>
+            </a:r>
+            <a:r>
+              <a:rPr/>
+              <a:t> </a:t>
+            </a:r>
+            <a:r>
+              <a:rPr/>
+              <a:t>style</a:t>
+            </a:r>
+            <a:r>
+              <a:rPr/>
+              <a:t> </a:t>
+            </a:r>
+            <a:r>
+              <a:rPr/>
+              <a:t>you</a:t>
+            </a:r>
+            <a:r>
+              <a:rPr/>
+              <a:t> </a:t>
+            </a:r>
+            <a:r>
+              <a:rPr/>
+              <a:t>like,</a:t>
+            </a:r>
+            <a:r>
+              <a:rPr/>
+              <a:t> </a:t>
+            </a:r>
+            <a:r>
+              <a:rPr/>
+              <a:t>but</a:t>
+            </a:r>
+            <a:r>
+              <a:rPr/>
+              <a:t> </a:t>
+            </a:r>
+            <a:r>
+              <a:rPr/>
+              <a:t>follow</a:t>
+            </a:r>
+            <a:r>
+              <a:rPr/>
+              <a:t> </a:t>
+            </a:r>
+            <a:r>
+              <a:rPr/>
+              <a:t>that</a:t>
+            </a:r>
+            <a:r>
+              <a:rPr/>
+              <a:t> </a:t>
+            </a:r>
+            <a:r>
+              <a:rPr/>
+              <a:t>style</a:t>
+            </a:r>
+            <a:r>
+              <a:rPr/>
+              <a:t> </a:t>
+            </a:r>
+            <a:r>
+              <a:rPr/>
+              <a:t>consistently.</a:t>
+            </a:r>
+            <a:r>
+              <a:rPr/>
+              <a:t> </a:t>
+            </a:r>
+            <a:r>
+              <a:rPr/>
+              <a:t>Inconsistencies</a:t>
+            </a:r>
+            <a:r>
+              <a:rPr/>
+              <a:t> </a:t>
+            </a:r>
+            <a:r>
+              <a:rPr/>
+              <a:t>are</a:t>
+            </a:r>
+            <a:r>
+              <a:rPr/>
+              <a:t> </a:t>
+            </a:r>
+            <a:r>
+              <a:rPr/>
+              <a:t>very</a:t>
+            </a:r>
+            <a:r>
+              <a:rPr/>
+              <a:t> </a:t>
+            </a:r>
+            <a:r>
+              <a:rPr/>
+              <a:t>easy</a:t>
+            </a:r>
+            <a:r>
+              <a:rPr/>
+              <a:t> </a:t>
+            </a:r>
+            <a:r>
+              <a:rPr/>
+              <a:t>to</a:t>
+            </a:r>
+            <a:r>
+              <a:rPr/>
+              <a:t> </a:t>
+            </a:r>
+            <a:r>
+              <a:rPr/>
+              <a:t>notice.</a:t>
+            </a:r>
+          </a:p>
+        </p:txBody>
+      </p:sp>
+      <p:sp>
+        <p:nvSpPr>
+          <p:cNvPr id="4" name="Slide Number Placeholder 3"/>
+          <p:cNvSpPr>
+            <a:spLocks noGrp="1"/>
+          </p:cNvSpPr>
+          <p:nvPr>
+            <p:ph type="sldNum" sz="quarter" idx="10"/>
+          </p:nvPr>
+        </p:nvSpPr>
+        <p:spPr/>
+        <p:txBody>
+          <a:bodyPr/>
+          <a:lstStyle/>
+          <a:p>
+            <a:fld id="{18BDFEC3-8487-43E8-A154-7C12CBC1FFF2}" type="slidenum">
+              <a:rPr lang="en-US"/>
+              <a:t>22</a:t>
+            </a:fld>
+            <a:endParaRPr lang="en-US"/>
+          </a:p>
+        </p:txBody>
+      </p:sp>
+    </p:spTree>
+  </p:cSld>
+</p:notes>
+</file>
+
+<file path=ppt/notesSlides/notesSlide22.xml><?xml version="1.0" encoding="utf-8"?>
+<p:notes xmlns:a="http://schemas.openxmlformats.org/drawingml/2006/main" xmlns:r="http://schemas.openxmlformats.org/officeDocument/2006/relationships" xmlns:p="http://schemas.openxmlformats.org/presentationml/2006/main">
+  <p:cSld>
+    <p:spTree>
+      <p:nvGrpSpPr>
+        <p:cNvPr id="1" name=""/>
+        <p:cNvGrpSpPr/>
+        <p:nvPr/>
+      </p:nvGrpSpPr>
+      <p:grpSpPr>
+        <a:xfrm>
+          <a:off x="0" y="0"/>
+          <a:ext cx="0" cy="0"/>
+          <a:chOff x="0" y="0"/>
+          <a:chExt cx="0" cy="0"/>
+        </a:xfrm>
+      </p:grpSpPr>
+      <p:sp>
+        <p:nvSpPr>
+          <p:cNvPr id="2" name="Slide Image Placeholder 1"/>
+          <p:cNvSpPr>
+            <a:spLocks noGrp="1" noRot="1" noChangeAspect="1"/>
+          </p:cNvSpPr>
+          <p:nvPr>
+            <p:ph type="sldImg"/>
+          </p:nvPr>
+        </p:nvSpPr>
+        <p:spPr/>
+      </p:sp>
+      <p:sp>
+        <p:nvSpPr>
+          <p:cNvPr id="3" name="Notes Placeholder 2"/>
+          <p:cNvSpPr>
+            <a:spLocks noGrp="1"/>
+          </p:cNvSpPr>
+          <p:nvPr>
+            <p:ph type="body" idx="1"/>
+          </p:nvPr>
+        </p:nvSpPr>
+        <p:spPr/>
+        <p:txBody>
+          <a:bodyPr/>
+          <a:lstStyle/>
+          <a:p>
+            <a:pPr lvl="0" marL="0" indent="0">
+              <a:buNone/>
+            </a:pPr>
+            <a:r>
+              <a:rPr/>
+              <a:t>Notice</a:t>
+            </a:r>
+            <a:r>
+              <a:rPr/>
+              <a:t> </a:t>
+            </a:r>
+            <a:r>
+              <a:rPr/>
+              <a:t>that</a:t>
+            </a:r>
+            <a:r>
+              <a:rPr/>
+              <a:t> </a:t>
+            </a:r>
+            <a:r>
+              <a:rPr/>
+              <a:t>the</a:t>
+            </a:r>
+            <a:r>
+              <a:rPr/>
+              <a:t> </a:t>
+            </a:r>
+            <a:r>
+              <a:rPr/>
+              <a:t>first</a:t>
+            </a:r>
+            <a:r>
+              <a:rPr/>
+              <a:t> </a:t>
+            </a:r>
+            <a:r>
+              <a:rPr/>
+              <a:t>reference</a:t>
+            </a:r>
+            <a:r>
+              <a:rPr/>
+              <a:t> </a:t>
+            </a:r>
+            <a:r>
+              <a:rPr/>
+              <a:t>has</a:t>
+            </a:r>
+            <a:r>
+              <a:rPr/>
+              <a:t> </a:t>
+            </a:r>
+            <a:r>
+              <a:rPr/>
+              <a:t>a</a:t>
+            </a:r>
+            <a:r>
+              <a:rPr/>
+              <a:t> </a:t>
+            </a:r>
+            <a:r>
+              <a:rPr/>
+              <a:t>journal</a:t>
+            </a:r>
+            <a:r>
+              <a:rPr/>
+              <a:t> </a:t>
+            </a:r>
+            <a:r>
+              <a:rPr/>
+              <a:t>with</a:t>
+            </a:r>
+            <a:r>
+              <a:rPr/>
+              <a:t> </a:t>
+            </a:r>
+            <a:r>
+              <a:rPr/>
+              <a:t>three</a:t>
+            </a:r>
+            <a:r>
+              <a:rPr/>
+              <a:t> </a:t>
+            </a:r>
+            <a:r>
+              <a:rPr/>
+              <a:t>abbreviations:</a:t>
+            </a:r>
+            <a:r>
+              <a:rPr/>
+              <a:t> </a:t>
+            </a:r>
+            <a:r>
+              <a:rPr/>
+              <a:t>Med</a:t>
+            </a:r>
+            <a:r>
+              <a:rPr/>
+              <a:t> </a:t>
+            </a:r>
+            <a:r>
+              <a:rPr/>
+              <a:t>for</a:t>
+            </a:r>
+            <a:r>
+              <a:rPr/>
+              <a:t> </a:t>
+            </a:r>
+            <a:r>
+              <a:rPr/>
+              <a:t>Medical,</a:t>
+            </a:r>
+            <a:r>
+              <a:rPr/>
+              <a:t> </a:t>
+            </a:r>
+            <a:r>
+              <a:rPr/>
+              <a:t>J</a:t>
+            </a:r>
+            <a:r>
+              <a:rPr/>
+              <a:t> </a:t>
+            </a:r>
+            <a:r>
+              <a:rPr/>
+              <a:t>for</a:t>
+            </a:r>
+            <a:r>
+              <a:rPr/>
+              <a:t> </a:t>
+            </a:r>
+            <a:r>
+              <a:rPr/>
+              <a:t>Journal,</a:t>
+            </a:r>
+            <a:r>
+              <a:rPr/>
+              <a:t> </a:t>
+            </a:r>
+            <a:r>
+              <a:rPr/>
+              <a:t>and</a:t>
+            </a:r>
+            <a:r>
+              <a:rPr/>
+              <a:t> </a:t>
+            </a:r>
+            <a:r>
+              <a:rPr/>
+              <a:t>Aust</a:t>
+            </a:r>
+            <a:r>
+              <a:rPr/>
+              <a:t> </a:t>
+            </a:r>
+            <a:r>
+              <a:rPr/>
+              <a:t>for</a:t>
+            </a:r>
+            <a:r>
+              <a:rPr/>
+              <a:t> </a:t>
+            </a:r>
+            <a:r>
+              <a:rPr/>
+              <a:t>Australia</a:t>
+            </a:r>
+            <a:r>
+              <a:rPr/>
+              <a:t> </a:t>
+            </a:r>
+            <a:r>
+              <a:rPr/>
+              <a:t>and</a:t>
+            </a:r>
+            <a:r>
+              <a:rPr/>
+              <a:t> </a:t>
+            </a:r>
+            <a:r>
+              <a:rPr/>
+              <a:t>leaves</a:t>
+            </a:r>
+            <a:r>
+              <a:rPr/>
+              <a:t> </a:t>
+            </a:r>
+            <a:r>
+              <a:rPr/>
+              <a:t>out</a:t>
+            </a:r>
+            <a:r>
+              <a:rPr/>
+              <a:t> </a:t>
+            </a:r>
+            <a:r>
+              <a:rPr/>
+              <a:t>the</a:t>
+            </a:r>
+            <a:r>
+              <a:rPr/>
+              <a:t> </a:t>
+            </a:r>
+            <a:r>
+              <a:rPr/>
+              <a:t>“</a:t>
+            </a:r>
+            <a:r>
+              <a:rPr/>
+              <a:t>of</a:t>
+            </a:r>
+            <a:r>
+              <a:rPr/>
+              <a:t>”</a:t>
+            </a:r>
+            <a:r>
+              <a:rPr/>
+              <a:t>.</a:t>
+            </a:r>
+            <a:r>
+              <a:rPr/>
+              <a:t> </a:t>
+            </a:r>
+            <a:r>
+              <a:rPr/>
+              <a:t>The</a:t>
+            </a:r>
+            <a:r>
+              <a:rPr/>
+              <a:t> </a:t>
+            </a:r>
+            <a:r>
+              <a:rPr/>
+              <a:t>second</a:t>
+            </a:r>
+            <a:r>
+              <a:rPr/>
+              <a:t> </a:t>
+            </a:r>
+            <a:r>
+              <a:rPr/>
+              <a:t>journal</a:t>
+            </a:r>
+            <a:r>
+              <a:rPr/>
+              <a:t> </a:t>
+            </a:r>
+            <a:r>
+              <a:rPr/>
+              <a:t>spells</a:t>
+            </a:r>
+            <a:r>
+              <a:rPr/>
+              <a:t> </a:t>
+            </a:r>
+            <a:r>
+              <a:rPr/>
+              <a:t>Diabetic,</a:t>
+            </a:r>
+            <a:r>
+              <a:rPr/>
+              <a:t> </a:t>
+            </a:r>
+            <a:r>
+              <a:rPr/>
+              <a:t>Metaboloc,</a:t>
+            </a:r>
+            <a:r>
+              <a:rPr/>
+              <a:t> </a:t>
+            </a:r>
+            <a:r>
+              <a:rPr/>
+              <a:t>and</a:t>
+            </a:r>
+            <a:r>
+              <a:rPr/>
+              <a:t> </a:t>
+            </a:r>
+            <a:r>
+              <a:rPr/>
+              <a:t>Syndrome</a:t>
+            </a:r>
+            <a:r>
+              <a:rPr/>
+              <a:t> </a:t>
+            </a:r>
+            <a:r>
+              <a:rPr/>
+              <a:t>and</a:t>
+            </a:r>
+            <a:r>
+              <a:rPr/>
+              <a:t> </a:t>
+            </a:r>
+            <a:r>
+              <a:rPr/>
+              <a:t>includes</a:t>
+            </a:r>
+            <a:r>
+              <a:rPr/>
+              <a:t> </a:t>
+            </a:r>
+            <a:r>
+              <a:rPr/>
+              <a:t>the</a:t>
+            </a:r>
+            <a:r>
+              <a:rPr/>
+              <a:t> </a:t>
+            </a:r>
+            <a:r>
+              <a:rPr/>
+              <a:t>word</a:t>
+            </a:r>
+            <a:r>
+              <a:rPr/>
+              <a:t> </a:t>
+            </a:r>
+            <a:r>
+              <a:rPr/>
+              <a:t>“</a:t>
+            </a:r>
+            <a:r>
+              <a:rPr/>
+              <a:t>and</a:t>
+            </a:r>
+            <a:r>
+              <a:rPr/>
+              <a:t>”</a:t>
+            </a:r>
+            <a:r>
+              <a:rPr/>
+              <a:t>.</a:t>
+            </a:r>
+          </a:p>
+          <a:p>
+            <a:pPr lvl="0" marL="0" indent="0">
+              <a:buNone/>
+            </a:pPr>
+          </a:p>
+          <a:p>
+            <a:pPr lvl="0" marL="0" indent="0">
+              <a:buNone/>
+            </a:pPr>
+            <a:r>
+              <a:rPr/>
+              <a:t>I</a:t>
+            </a:r>
+            <a:r>
+              <a:rPr/>
+              <a:t> </a:t>
+            </a:r>
+            <a:r>
+              <a:rPr/>
+              <a:t>don’t</a:t>
+            </a:r>
+            <a:r>
+              <a:rPr/>
+              <a:t> </a:t>
+            </a:r>
+            <a:r>
+              <a:rPr/>
+              <a:t>know</a:t>
+            </a:r>
+            <a:r>
+              <a:rPr/>
+              <a:t> </a:t>
+            </a:r>
+            <a:r>
+              <a:rPr/>
+              <a:t>what</a:t>
+            </a:r>
+            <a:r>
+              <a:rPr/>
+              <a:t> </a:t>
+            </a:r>
+            <a:r>
+              <a:rPr/>
+              <a:t>citation</a:t>
+            </a:r>
+            <a:r>
+              <a:rPr/>
+              <a:t> </a:t>
+            </a:r>
+            <a:r>
+              <a:rPr/>
+              <a:t>style</a:t>
+            </a:r>
+            <a:r>
+              <a:rPr/>
+              <a:t> </a:t>
+            </a:r>
+            <a:r>
+              <a:rPr/>
+              <a:t>this</a:t>
+            </a:r>
+            <a:r>
+              <a:rPr/>
+              <a:t> </a:t>
+            </a:r>
+            <a:r>
+              <a:rPr/>
+              <a:t>person</a:t>
+            </a:r>
+            <a:r>
+              <a:rPr/>
+              <a:t> </a:t>
+            </a:r>
+            <a:r>
+              <a:rPr/>
+              <a:t>was</a:t>
+            </a:r>
+            <a:r>
+              <a:rPr/>
+              <a:t> </a:t>
+            </a:r>
+            <a:r>
+              <a:rPr/>
+              <a:t>using,</a:t>
+            </a:r>
+            <a:r>
+              <a:rPr/>
+              <a:t> </a:t>
+            </a:r>
+            <a:r>
+              <a:rPr/>
+              <a:t>but</a:t>
+            </a:r>
+            <a:r>
+              <a:rPr/>
+              <a:t> </a:t>
+            </a:r>
+            <a:r>
+              <a:rPr/>
+              <a:t>clearly</a:t>
+            </a:r>
+            <a:r>
+              <a:rPr/>
+              <a:t> </a:t>
+            </a:r>
+            <a:r>
+              <a:rPr/>
+              <a:t>one</a:t>
+            </a:r>
+            <a:r>
+              <a:rPr/>
+              <a:t> </a:t>
+            </a:r>
+            <a:r>
+              <a:rPr/>
+              <a:t>of</a:t>
+            </a:r>
+            <a:r>
+              <a:rPr/>
+              <a:t> </a:t>
+            </a:r>
+            <a:r>
+              <a:rPr/>
+              <a:t>these</a:t>
+            </a:r>
+            <a:r>
+              <a:rPr/>
+              <a:t> </a:t>
+            </a:r>
+            <a:r>
+              <a:rPr/>
+              <a:t>two</a:t>
+            </a:r>
+            <a:r>
+              <a:rPr/>
+              <a:t> </a:t>
+            </a:r>
+            <a:r>
+              <a:rPr/>
+              <a:t>has</a:t>
+            </a:r>
+            <a:r>
+              <a:rPr/>
+              <a:t> </a:t>
+            </a:r>
+            <a:r>
+              <a:rPr/>
+              <a:t>to</a:t>
+            </a:r>
+            <a:r>
+              <a:rPr/>
+              <a:t> </a:t>
+            </a:r>
+            <a:r>
+              <a:rPr/>
+              <a:t>be</a:t>
+            </a:r>
+            <a:r>
+              <a:rPr/>
+              <a:t> </a:t>
+            </a:r>
+            <a:r>
+              <a:rPr/>
+              <a:t>incorrect.</a:t>
+            </a:r>
+          </a:p>
+        </p:txBody>
+      </p:sp>
+      <p:sp>
+        <p:nvSpPr>
+          <p:cNvPr id="4" name="Slide Number Placeholder 3"/>
+          <p:cNvSpPr>
+            <a:spLocks noGrp="1"/>
+          </p:cNvSpPr>
+          <p:nvPr>
+            <p:ph type="sldNum" sz="quarter" idx="10"/>
+          </p:nvPr>
+        </p:nvSpPr>
+        <p:spPr/>
+        <p:txBody>
+          <a:bodyPr/>
+          <a:lstStyle/>
+          <a:p>
+            <a:fld id="{18BDFEC3-8487-43E8-A154-7C12CBC1FFF2}" type="slidenum">
+              <a:rPr lang="en-US"/>
+              <a:t>23</a:t>
+            </a:fld>
+            <a:endParaRPr lang="en-US"/>
+          </a:p>
+        </p:txBody>
+      </p:sp>
+    </p:spTree>
+  </p:cSld>
+</p:notes>
+</file>
+
+<file path=ppt/notesSlides/notesSlide23.xml><?xml version="1.0" encoding="utf-8"?>
+<p:notes xmlns:a="http://schemas.openxmlformats.org/drawingml/2006/main" xmlns:r="http://schemas.openxmlformats.org/officeDocument/2006/relationships" xmlns:p="http://schemas.openxmlformats.org/presentationml/2006/main">
+  <p:cSld>
+    <p:spTree>
+      <p:nvGrpSpPr>
+        <p:cNvPr id="1" name=""/>
+        <p:cNvGrpSpPr/>
+        <p:nvPr/>
+      </p:nvGrpSpPr>
+      <p:grpSpPr>
+        <a:xfrm>
+          <a:off x="0" y="0"/>
+          <a:ext cx="0" cy="0"/>
+          <a:chOff x="0" y="0"/>
+          <a:chExt cx="0" cy="0"/>
+        </a:xfrm>
+      </p:grpSpPr>
+      <p:sp>
+        <p:nvSpPr>
+          <p:cNvPr id="2" name="Slide Image Placeholder 1"/>
+          <p:cNvSpPr>
+            <a:spLocks noGrp="1" noRot="1" noChangeAspect="1"/>
+          </p:cNvSpPr>
+          <p:nvPr>
+            <p:ph type="sldImg"/>
+          </p:nvPr>
+        </p:nvSpPr>
+        <p:spPr/>
+      </p:sp>
+      <p:sp>
+        <p:nvSpPr>
+          <p:cNvPr id="3" name="Notes Placeholder 2"/>
+          <p:cNvSpPr>
+            <a:spLocks noGrp="1"/>
+          </p:cNvSpPr>
+          <p:nvPr>
+            <p:ph type="body" idx="1"/>
+          </p:nvPr>
+        </p:nvSpPr>
+        <p:spPr/>
+        <p:txBody>
+          <a:bodyPr/>
+          <a:lstStyle/>
+          <a:p>
+            <a:pPr lvl="0" marL="0" indent="0">
+              <a:buNone/>
+            </a:pPr>
+            <a:r>
+              <a:rPr/>
+              <a:t>This</a:t>
+            </a:r>
+            <a:r>
+              <a:rPr/>
+              <a:t> </a:t>
+            </a:r>
+            <a:r>
+              <a:rPr/>
+              <a:t>person</a:t>
+            </a:r>
+            <a:r>
+              <a:rPr/>
+              <a:t> </a:t>
+            </a:r>
+            <a:r>
+              <a:rPr/>
+              <a:t>cut-and-pasted</a:t>
+            </a:r>
+            <a:r>
+              <a:rPr/>
+              <a:t> </a:t>
+            </a:r>
+            <a:r>
+              <a:rPr/>
+              <a:t>from</a:t>
+            </a:r>
+            <a:r>
+              <a:rPr/>
+              <a:t> </a:t>
+            </a:r>
+            <a:r>
+              <a:rPr/>
+              <a:t>PubMed,</a:t>
+            </a:r>
+            <a:r>
+              <a:rPr/>
+              <a:t> </a:t>
+            </a:r>
+            <a:r>
+              <a:rPr/>
+              <a:t>but</a:t>
+            </a:r>
+            <a:r>
+              <a:rPr/>
+              <a:t> </a:t>
+            </a:r>
+            <a:r>
+              <a:rPr/>
+              <a:t>then</a:t>
+            </a:r>
+            <a:r>
+              <a:rPr/>
+              <a:t> </a:t>
+            </a:r>
+            <a:r>
+              <a:rPr/>
+              <a:t>accidentally</a:t>
+            </a:r>
+            <a:r>
+              <a:rPr/>
+              <a:t> </a:t>
+            </a:r>
+            <a:r>
+              <a:rPr/>
+              <a:t>left</a:t>
+            </a:r>
+            <a:r>
+              <a:rPr/>
+              <a:t> </a:t>
+            </a:r>
+            <a:r>
+              <a:rPr/>
+              <a:t>in</a:t>
+            </a:r>
+            <a:r>
+              <a:rPr/>
+              <a:t> </a:t>
+            </a:r>
+            <a:r>
+              <a:rPr/>
+              <a:t>some</a:t>
+            </a:r>
+            <a:r>
+              <a:rPr/>
+              <a:t> </a:t>
+            </a:r>
+            <a:r>
+              <a:rPr/>
+              <a:t>information</a:t>
+            </a:r>
+            <a:r>
+              <a:rPr/>
+              <a:t> </a:t>
+            </a:r>
+            <a:r>
+              <a:rPr/>
+              <a:t>that</a:t>
+            </a:r>
+            <a:r>
+              <a:rPr/>
+              <a:t> </a:t>
+            </a:r>
+            <a:r>
+              <a:rPr/>
+              <a:t>doesn’t</a:t>
+            </a:r>
+            <a:r>
+              <a:rPr/>
+              <a:t> </a:t>
+            </a:r>
+            <a:r>
+              <a:rPr/>
+              <a:t>belong.</a:t>
+            </a:r>
+          </a:p>
+        </p:txBody>
+      </p:sp>
+      <p:sp>
+        <p:nvSpPr>
+          <p:cNvPr id="4" name="Slide Number Placeholder 3"/>
+          <p:cNvSpPr>
+            <a:spLocks noGrp="1"/>
+          </p:cNvSpPr>
+          <p:nvPr>
+            <p:ph type="sldNum" sz="quarter" idx="10"/>
+          </p:nvPr>
+        </p:nvSpPr>
+        <p:spPr/>
+        <p:txBody>
+          <a:bodyPr/>
+          <a:lstStyle/>
+          <a:p>
+            <a:fld id="{18BDFEC3-8487-43E8-A154-7C12CBC1FFF2}" type="slidenum">
+              <a:rPr lang="en-US"/>
+              <a:t>24</a:t>
+            </a:fld>
+            <a:endParaRPr lang="en-US"/>
+          </a:p>
+        </p:txBody>
+      </p:sp>
+    </p:spTree>
+  </p:cSld>
+</p:notes>
+</file>
+
+<file path=ppt/notesSlides/notesSlide24.xml><?xml version="1.0" encoding="utf-8"?>
+<p:notes xmlns:a="http://schemas.openxmlformats.org/drawingml/2006/main" xmlns:r="http://schemas.openxmlformats.org/officeDocument/2006/relationships" xmlns:p="http://schemas.openxmlformats.org/presentationml/2006/main">
+  <p:cSld>
+    <p:spTree>
+      <p:nvGrpSpPr>
+        <p:cNvPr id="1" name=""/>
+        <p:cNvGrpSpPr/>
+        <p:nvPr/>
+      </p:nvGrpSpPr>
+      <p:grpSpPr>
+        <a:xfrm>
+          <a:off x="0" y="0"/>
+          <a:ext cx="0" cy="0"/>
+          <a:chOff x="0" y="0"/>
+          <a:chExt cx="0" cy="0"/>
+        </a:xfrm>
+      </p:grpSpPr>
+      <p:sp>
+        <p:nvSpPr>
+          <p:cNvPr id="2" name="Slide Image Placeholder 1"/>
+          <p:cNvSpPr>
+            <a:spLocks noGrp="1" noRot="1" noChangeAspect="1"/>
+          </p:cNvSpPr>
+          <p:nvPr>
+            <p:ph type="sldImg"/>
+          </p:nvPr>
+        </p:nvSpPr>
+        <p:spPr/>
+      </p:sp>
+      <p:sp>
+        <p:nvSpPr>
+          <p:cNvPr id="3" name="Notes Placeholder 2"/>
+          <p:cNvSpPr>
+            <a:spLocks noGrp="1"/>
+          </p:cNvSpPr>
+          <p:nvPr>
+            <p:ph type="body" idx="1"/>
+          </p:nvPr>
+        </p:nvSpPr>
+        <p:spPr/>
+        <p:txBody>
+          <a:bodyPr/>
+          <a:lstStyle/>
+          <a:p>
+            <a:pPr lvl="0" marL="0" indent="0">
+              <a:buNone/>
+            </a:pPr>
+            <a:r>
+              <a:rPr/>
+              <a:t>This</a:t>
+            </a:r>
+            <a:r>
+              <a:rPr/>
+              <a:t> </a:t>
+            </a:r>
+            <a:r>
+              <a:rPr/>
+              <a:t>person</a:t>
+            </a:r>
+            <a:r>
+              <a:rPr/>
+              <a:t> </a:t>
+            </a:r>
+            <a:r>
+              <a:rPr/>
+              <a:t>had</a:t>
+            </a:r>
+            <a:r>
+              <a:rPr/>
+              <a:t> </a:t>
+            </a:r>
+            <a:r>
+              <a:rPr/>
+              <a:t>several</a:t>
+            </a:r>
+            <a:r>
+              <a:rPr/>
+              <a:t> </a:t>
+            </a:r>
+            <a:r>
+              <a:rPr/>
+              <a:t>references</a:t>
+            </a:r>
+            <a:r>
+              <a:rPr/>
+              <a:t> </a:t>
+            </a:r>
+            <a:r>
+              <a:rPr/>
+              <a:t>to</a:t>
+            </a:r>
+            <a:r>
+              <a:rPr/>
+              <a:t> </a:t>
+            </a:r>
+            <a:r>
+              <a:rPr/>
+              <a:t>the</a:t>
+            </a:r>
+            <a:r>
+              <a:rPr/>
+              <a:t> </a:t>
+            </a:r>
+            <a:r>
+              <a:rPr/>
+              <a:t>Morbidity</a:t>
+            </a:r>
+            <a:r>
+              <a:rPr/>
+              <a:t> </a:t>
+            </a:r>
+            <a:r>
+              <a:rPr/>
+              <a:t>and</a:t>
+            </a:r>
+            <a:r>
+              <a:rPr/>
+              <a:t> </a:t>
+            </a:r>
+            <a:r>
+              <a:rPr/>
+              <a:t>Mortality</a:t>
+            </a:r>
+            <a:r>
+              <a:rPr/>
+              <a:t> </a:t>
+            </a:r>
+            <a:r>
+              <a:rPr/>
+              <a:t>Weekly</a:t>
+            </a:r>
+            <a:r>
+              <a:rPr/>
+              <a:t> </a:t>
+            </a:r>
+            <a:r>
+              <a:rPr/>
+              <a:t>Report</a:t>
+            </a:r>
+            <a:r>
+              <a:rPr/>
+              <a:t> </a:t>
+            </a:r>
+            <a:r>
+              <a:rPr/>
+              <a:t>ahd</a:t>
+            </a:r>
+            <a:r>
+              <a:rPr/>
+              <a:t> </a:t>
+            </a:r>
+            <a:r>
+              <a:rPr/>
+              <a:t>in</a:t>
+            </a:r>
+            <a:r>
+              <a:rPr/>
+              <a:t> </a:t>
+            </a:r>
+            <a:r>
+              <a:rPr/>
+              <a:t>one</a:t>
+            </a:r>
+            <a:r>
+              <a:rPr/>
+              <a:t> </a:t>
+            </a:r>
+            <a:r>
+              <a:rPr/>
+              <a:t>location</a:t>
+            </a:r>
+            <a:r>
+              <a:rPr/>
+              <a:t> </a:t>
+            </a:r>
+            <a:r>
+              <a:rPr/>
+              <a:t>is</a:t>
+            </a:r>
+            <a:r>
+              <a:rPr/>
+              <a:t> </a:t>
+            </a:r>
+            <a:r>
+              <a:rPr/>
+              <a:t>is</a:t>
+            </a:r>
+            <a:r>
+              <a:rPr/>
+              <a:t> </a:t>
+            </a:r>
+            <a:r>
+              <a:rPr/>
+              <a:t>fully</a:t>
+            </a:r>
+            <a:r>
+              <a:rPr/>
+              <a:t> </a:t>
+            </a:r>
+            <a:r>
+              <a:rPr/>
+              <a:t>abbreviated</a:t>
+            </a:r>
+            <a:r>
+              <a:rPr/>
+              <a:t> </a:t>
+            </a:r>
+            <a:r>
+              <a:rPr/>
+              <a:t>(MMWR)</a:t>
+            </a:r>
+            <a:r>
+              <a:rPr/>
+              <a:t> </a:t>
+            </a:r>
+            <a:r>
+              <a:rPr/>
+              <a:t>and</a:t>
+            </a:r>
+            <a:r>
+              <a:rPr/>
+              <a:t> </a:t>
+            </a:r>
+            <a:r>
+              <a:rPr/>
+              <a:t>in</a:t>
+            </a:r>
+            <a:r>
+              <a:rPr/>
+              <a:t> </a:t>
+            </a:r>
+            <a:r>
+              <a:rPr/>
+              <a:t>another</a:t>
+            </a:r>
+            <a:r>
+              <a:rPr/>
+              <a:t> </a:t>
+            </a:r>
+            <a:r>
+              <a:rPr/>
+              <a:t>it</a:t>
+            </a:r>
+            <a:r>
+              <a:rPr/>
+              <a:t> </a:t>
+            </a:r>
+            <a:r>
+              <a:rPr/>
+              <a:t>is</a:t>
+            </a:r>
+            <a:r>
+              <a:rPr/>
+              <a:t> </a:t>
+            </a:r>
+            <a:r>
+              <a:rPr/>
+              <a:t>partially</a:t>
+            </a:r>
+            <a:r>
+              <a:rPr/>
+              <a:t> </a:t>
+            </a:r>
+            <a:r>
+              <a:rPr/>
+              <a:t>spelled</a:t>
+            </a:r>
+            <a:r>
+              <a:rPr/>
+              <a:t> </a:t>
+            </a:r>
+            <a:r>
+              <a:rPr/>
+              <a:t>out.</a:t>
+            </a:r>
+            <a:r>
+              <a:rPr/>
+              <a:t> </a:t>
+            </a:r>
+            <a:r>
+              <a:rPr/>
+              <a:t>Also</a:t>
+            </a:r>
+            <a:r>
+              <a:rPr/>
+              <a:t> </a:t>
+            </a:r>
+            <a:r>
+              <a:rPr/>
+              <a:t>notice</a:t>
+            </a:r>
+            <a:r>
+              <a:rPr/>
+              <a:t> </a:t>
+            </a:r>
+            <a:r>
+              <a:rPr/>
+              <a:t>that</a:t>
+            </a:r>
+            <a:r>
+              <a:rPr/>
+              <a:t> </a:t>
+            </a:r>
+            <a:r>
+              <a:rPr/>
+              <a:t>it</a:t>
+            </a:r>
+            <a:r>
+              <a:rPr/>
+              <a:t> </a:t>
+            </a:r>
+            <a:r>
+              <a:rPr/>
+              <a:t>is</a:t>
+            </a:r>
+            <a:r>
+              <a:rPr/>
+              <a:t> </a:t>
+            </a:r>
+            <a:r>
+              <a:rPr/>
+              <a:t>italicized</a:t>
+            </a:r>
+            <a:r>
+              <a:rPr/>
+              <a:t> </a:t>
+            </a:r>
+            <a:r>
+              <a:rPr/>
+              <a:t>in</a:t>
+            </a:r>
+            <a:r>
+              <a:rPr/>
+              <a:t> </a:t>
+            </a:r>
+            <a:r>
+              <a:rPr/>
+              <a:t>one</a:t>
+            </a:r>
+            <a:r>
+              <a:rPr/>
+              <a:t> </a:t>
+            </a:r>
+            <a:r>
+              <a:rPr/>
+              <a:t>spot</a:t>
+            </a:r>
+            <a:r>
+              <a:rPr/>
+              <a:t> </a:t>
+            </a:r>
+            <a:r>
+              <a:rPr/>
+              <a:t>but</a:t>
+            </a:r>
+            <a:r>
+              <a:rPr/>
+              <a:t> </a:t>
+            </a:r>
+            <a:r>
+              <a:rPr/>
+              <a:t>not</a:t>
+            </a:r>
+            <a:r>
+              <a:rPr/>
+              <a:t> </a:t>
+            </a:r>
+            <a:r>
+              <a:rPr/>
+              <a:t>the</a:t>
+            </a:r>
+            <a:r>
+              <a:rPr/>
+              <a:t> </a:t>
+            </a:r>
+            <a:r>
+              <a:rPr/>
+              <a:t>other.</a:t>
+            </a:r>
+          </a:p>
+        </p:txBody>
+      </p:sp>
+      <p:sp>
+        <p:nvSpPr>
+          <p:cNvPr id="4" name="Slide Number Placeholder 3"/>
+          <p:cNvSpPr>
+            <a:spLocks noGrp="1"/>
+          </p:cNvSpPr>
+          <p:nvPr>
+            <p:ph type="sldNum" sz="quarter" idx="10"/>
+          </p:nvPr>
+        </p:nvSpPr>
+        <p:spPr/>
+        <p:txBody>
+          <a:bodyPr/>
+          <a:lstStyle/>
+          <a:p>
+            <a:fld id="{18BDFEC3-8487-43E8-A154-7C12CBC1FFF2}" type="slidenum">
+              <a:rPr lang="en-US"/>
+              <a:t>25</a:t>
+            </a:fld>
+            <a:endParaRPr lang="en-US"/>
+          </a:p>
+        </p:txBody>
+      </p:sp>
+    </p:spTree>
+  </p:cSld>
+</p:notes>
+</file>
+
+<file path=ppt/notesSlides/notesSlide25.xml><?xml version="1.0" encoding="utf-8"?>
+<p:notes xmlns:a="http://schemas.openxmlformats.org/drawingml/2006/main" xmlns:r="http://schemas.openxmlformats.org/officeDocument/2006/relationships" xmlns:p="http://schemas.openxmlformats.org/presentationml/2006/main">
+  <p:cSld>
+    <p:spTree>
+      <p:nvGrpSpPr>
+        <p:cNvPr id="1" name=""/>
+        <p:cNvGrpSpPr/>
+        <p:nvPr/>
+      </p:nvGrpSpPr>
+      <p:grpSpPr>
+        <a:xfrm>
+          <a:off x="0" y="0"/>
+          <a:ext cx="0" cy="0"/>
+          <a:chOff x="0" y="0"/>
+          <a:chExt cx="0" cy="0"/>
+        </a:xfrm>
+      </p:grpSpPr>
+      <p:sp>
+        <p:nvSpPr>
+          <p:cNvPr id="2" name="Slide Image Placeholder 1"/>
+          <p:cNvSpPr>
+            <a:spLocks noGrp="1" noRot="1" noChangeAspect="1"/>
+          </p:cNvSpPr>
+          <p:nvPr>
+            <p:ph type="sldImg"/>
+          </p:nvPr>
+        </p:nvSpPr>
+        <p:spPr/>
+      </p:sp>
+      <p:sp>
+        <p:nvSpPr>
+          <p:cNvPr id="3" name="Notes Placeholder 2"/>
+          <p:cNvSpPr>
+            <a:spLocks noGrp="1"/>
+          </p:cNvSpPr>
+          <p:nvPr>
+            <p:ph type="body" idx="1"/>
+          </p:nvPr>
+        </p:nvSpPr>
+        <p:spPr/>
+        <p:txBody>
+          <a:bodyPr/>
+          <a:lstStyle/>
+          <a:p>
+            <a:pPr lvl="0" marL="0" indent="0">
+              <a:buNone/>
+            </a:pPr>
+            <a:r>
+              <a:rPr/>
+              <a:t>There</a:t>
+            </a:r>
+            <a:r>
+              <a:rPr/>
+              <a:t> </a:t>
+            </a:r>
+            <a:r>
+              <a:rPr/>
+              <a:t>is</a:t>
+            </a:r>
+            <a:r>
+              <a:rPr/>
+              <a:t> </a:t>
+            </a:r>
+            <a:r>
+              <a:rPr/>
+              <a:t>no</a:t>
+            </a:r>
+            <a:r>
+              <a:rPr/>
+              <a:t> </a:t>
+            </a:r>
+            <a:r>
+              <a:rPr/>
+              <a:t>date</a:t>
+            </a:r>
+            <a:r>
+              <a:rPr/>
+              <a:t> </a:t>
+            </a:r>
+            <a:r>
+              <a:rPr/>
+              <a:t>here.</a:t>
+            </a:r>
+            <a:r>
+              <a:rPr/>
+              <a:t> </a:t>
+            </a:r>
+            <a:r>
+              <a:rPr/>
+              <a:t>The</a:t>
+            </a:r>
+            <a:r>
+              <a:rPr/>
+              <a:t> </a:t>
+            </a:r>
+            <a:r>
+              <a:rPr/>
+              <a:t>date</a:t>
+            </a:r>
+            <a:r>
+              <a:rPr/>
+              <a:t> </a:t>
+            </a:r>
+            <a:r>
+              <a:rPr/>
+              <a:t>in</a:t>
+            </a:r>
+            <a:r>
+              <a:rPr/>
+              <a:t> </a:t>
+            </a:r>
+            <a:r>
+              <a:rPr/>
+              <a:t>non-standard</a:t>
+            </a:r>
+            <a:r>
+              <a:rPr/>
+              <a:t> </a:t>
+            </a:r>
+            <a:r>
+              <a:rPr/>
+              <a:t>references</a:t>
+            </a:r>
+            <a:r>
+              <a:rPr/>
+              <a:t> </a:t>
+            </a:r>
+            <a:r>
+              <a:rPr/>
+              <a:t>(webpages,</a:t>
+            </a:r>
+            <a:r>
+              <a:rPr/>
+              <a:t> </a:t>
+            </a:r>
+            <a:r>
+              <a:rPr/>
+              <a:t>pamphlets,</a:t>
+            </a:r>
+            <a:r>
+              <a:rPr/>
+              <a:t> </a:t>
+            </a:r>
+            <a:r>
+              <a:rPr/>
+              <a:t>booklets)</a:t>
+            </a:r>
+            <a:r>
+              <a:rPr/>
+              <a:t> </a:t>
+            </a:r>
+            <a:r>
+              <a:rPr/>
+              <a:t>are</a:t>
+            </a:r>
+            <a:r>
+              <a:rPr/>
+              <a:t> </a:t>
+            </a:r>
+            <a:r>
+              <a:rPr/>
+              <a:t>often</a:t>
+            </a:r>
+            <a:r>
+              <a:rPr/>
+              <a:t> </a:t>
+            </a:r>
+            <a:r>
+              <a:rPr/>
+              <a:t>hard</a:t>
+            </a:r>
+            <a:r>
+              <a:rPr/>
+              <a:t> </a:t>
+            </a:r>
+            <a:r>
+              <a:rPr/>
+              <a:t>to</a:t>
+            </a:r>
+            <a:r>
+              <a:rPr/>
+              <a:t> </a:t>
+            </a:r>
+            <a:r>
+              <a:rPr/>
+              <a:t>find.</a:t>
+            </a:r>
+            <a:r>
+              <a:rPr/>
+              <a:t> </a:t>
+            </a:r>
+            <a:r>
+              <a:rPr/>
+              <a:t>Look</a:t>
+            </a:r>
+            <a:r>
+              <a:rPr/>
+              <a:t> </a:t>
+            </a:r>
+            <a:r>
+              <a:rPr/>
+              <a:t>in</a:t>
+            </a:r>
+            <a:r>
+              <a:rPr/>
+              <a:t> </a:t>
+            </a:r>
+            <a:r>
+              <a:rPr/>
+              <a:t>your</a:t>
+            </a:r>
+            <a:r>
+              <a:rPr/>
+              <a:t> </a:t>
+            </a:r>
+            <a:r>
+              <a:rPr/>
+              <a:t>guideline</a:t>
+            </a:r>
+            <a:r>
+              <a:rPr/>
+              <a:t> </a:t>
+            </a:r>
+            <a:r>
+              <a:rPr/>
+              <a:t>to</a:t>
+            </a:r>
+            <a:r>
+              <a:rPr/>
+              <a:t> </a:t>
+            </a:r>
+            <a:r>
+              <a:rPr/>
+              <a:t>see</a:t>
+            </a:r>
+            <a:r>
+              <a:rPr/>
+              <a:t> </a:t>
+            </a:r>
+            <a:r>
+              <a:rPr/>
+              <a:t>if</a:t>
+            </a:r>
+            <a:r>
+              <a:rPr/>
+              <a:t> </a:t>
+            </a:r>
+            <a:r>
+              <a:rPr/>
+              <a:t>you</a:t>
+            </a:r>
+            <a:r>
+              <a:rPr/>
+              <a:t> </a:t>
+            </a:r>
+            <a:r>
+              <a:rPr/>
+              <a:t>need</a:t>
+            </a:r>
+            <a:r>
+              <a:rPr/>
+              <a:t> </a:t>
+            </a:r>
+            <a:r>
+              <a:rPr/>
+              <a:t>an</a:t>
+            </a:r>
+            <a:r>
+              <a:rPr/>
+              <a:t> </a:t>
+            </a:r>
+            <a:r>
+              <a:rPr/>
+              <a:t>option</a:t>
+            </a:r>
+            <a:r>
+              <a:rPr/>
+              <a:t> </a:t>
+            </a:r>
+            <a:r>
+              <a:rPr/>
+              <a:t>like</a:t>
+            </a:r>
+            <a:r>
+              <a:rPr/>
+              <a:t> </a:t>
+            </a:r>
+            <a:r>
+              <a:rPr/>
+              <a:t>“</a:t>
+            </a:r>
+            <a:r>
+              <a:rPr/>
+              <a:t>no</a:t>
+            </a:r>
+            <a:r>
+              <a:rPr/>
+              <a:t> </a:t>
+            </a:r>
+            <a:r>
+              <a:rPr/>
+              <a:t>date</a:t>
+            </a:r>
+            <a:r>
+              <a:rPr/>
+              <a:t>”</a:t>
+            </a:r>
+            <a:r>
+              <a:rPr/>
+              <a:t> </a:t>
+            </a:r>
+            <a:r>
+              <a:rPr/>
+              <a:t>expicitly</a:t>
+            </a:r>
+            <a:r>
+              <a:rPr/>
+              <a:t> </a:t>
+            </a:r>
+            <a:r>
+              <a:rPr/>
+              <a:t>places</a:t>
+            </a:r>
+            <a:r>
+              <a:rPr/>
+              <a:t> </a:t>
+            </a:r>
+            <a:r>
+              <a:rPr/>
+              <a:t>on</a:t>
+            </a:r>
+            <a:r>
+              <a:rPr/>
+              <a:t> </a:t>
+            </a:r>
+            <a:r>
+              <a:rPr/>
+              <a:t>your</a:t>
+            </a:r>
+            <a:r>
+              <a:rPr/>
+              <a:t> </a:t>
+            </a:r>
+            <a:r>
+              <a:rPr/>
+              <a:t>reference.</a:t>
+            </a:r>
+          </a:p>
+        </p:txBody>
+      </p:sp>
+      <p:sp>
+        <p:nvSpPr>
+          <p:cNvPr id="4" name="Slide Number Placeholder 3"/>
+          <p:cNvSpPr>
+            <a:spLocks noGrp="1"/>
+          </p:cNvSpPr>
+          <p:nvPr>
+            <p:ph type="sldNum" sz="quarter" idx="10"/>
+          </p:nvPr>
+        </p:nvSpPr>
+        <p:spPr/>
+        <p:txBody>
+          <a:bodyPr/>
+          <a:lstStyle/>
+          <a:p>
+            <a:fld id="{18BDFEC3-8487-43E8-A154-7C12CBC1FFF2}" type="slidenum">
+              <a:rPr lang="en-US"/>
+              <a:t>26</a:t>
+            </a:fld>
+            <a:endParaRPr lang="en-US"/>
+          </a:p>
+        </p:txBody>
+      </p:sp>
+    </p:spTree>
+  </p:cSld>
+</p:notes>
+</file>
+
+<file path=ppt/notesSlides/notesSlide26.xml><?xml version="1.0" encoding="utf-8"?>
+<p:notes xmlns:a="http://schemas.openxmlformats.org/drawingml/2006/main" xmlns:r="http://schemas.openxmlformats.org/officeDocument/2006/relationships" xmlns:p="http://schemas.openxmlformats.org/presentationml/2006/main">
+  <p:cSld>
+    <p:spTree>
+      <p:nvGrpSpPr>
+        <p:cNvPr id="1" name=""/>
+        <p:cNvGrpSpPr/>
+        <p:nvPr/>
+      </p:nvGrpSpPr>
+      <p:grpSpPr>
+        <a:xfrm>
+          <a:off x="0" y="0"/>
+          <a:ext cx="0" cy="0"/>
+          <a:chOff x="0" y="0"/>
+          <a:chExt cx="0" cy="0"/>
+        </a:xfrm>
+      </p:grpSpPr>
+      <p:sp>
+        <p:nvSpPr>
+          <p:cNvPr id="2" name="Slide Image Placeholder 1"/>
+          <p:cNvSpPr>
+            <a:spLocks noGrp="1" noRot="1" noChangeAspect="1"/>
+          </p:cNvSpPr>
+          <p:nvPr>
+            <p:ph type="sldImg"/>
+          </p:nvPr>
+        </p:nvSpPr>
+        <p:spPr/>
+      </p:sp>
+      <p:sp>
+        <p:nvSpPr>
+          <p:cNvPr id="3" name="Notes Placeholder 2"/>
+          <p:cNvSpPr>
+            <a:spLocks noGrp="1"/>
+          </p:cNvSpPr>
+          <p:nvPr>
+            <p:ph type="body" idx="1"/>
+          </p:nvPr>
+        </p:nvSpPr>
+        <p:spPr/>
+        <p:txBody>
+          <a:bodyPr/>
+          <a:lstStyle/>
+          <a:p>
+            <a:pPr lvl="0" marL="0" indent="0">
+              <a:buNone/>
+            </a:pPr>
+            <a:r>
+              <a:rPr/>
+              <a:t>Without</a:t>
+            </a:r>
+            <a:r>
+              <a:rPr/>
+              <a:t> </a:t>
+            </a:r>
+            <a:r>
+              <a:rPr/>
+              <a:t>seeing</a:t>
+            </a:r>
+            <a:r>
+              <a:rPr/>
+              <a:t> </a:t>
+            </a:r>
+            <a:r>
+              <a:rPr/>
+              <a:t>the</a:t>
+            </a:r>
+            <a:r>
+              <a:rPr/>
+              <a:t> </a:t>
+            </a:r>
+            <a:r>
+              <a:rPr/>
+              <a:t>actual</a:t>
+            </a:r>
+            <a:r>
+              <a:rPr/>
+              <a:t> </a:t>
+            </a:r>
+            <a:r>
+              <a:rPr/>
+              <a:t>style</a:t>
+            </a:r>
+            <a:r>
+              <a:rPr/>
+              <a:t> </a:t>
+            </a:r>
+            <a:r>
+              <a:rPr/>
+              <a:t>guide,</a:t>
+            </a:r>
+            <a:r>
+              <a:rPr/>
+              <a:t> </a:t>
+            </a:r>
+            <a:r>
+              <a:rPr/>
+              <a:t>I</a:t>
+            </a:r>
+            <a:r>
+              <a:rPr/>
+              <a:t> </a:t>
+            </a:r>
+            <a:r>
+              <a:rPr/>
+              <a:t>can</a:t>
+            </a:r>
+            <a:r>
+              <a:rPr/>
+              <a:t> </a:t>
+            </a:r>
+            <a:r>
+              <a:rPr/>
+              <a:t>only</a:t>
+            </a:r>
+            <a:r>
+              <a:rPr/>
+              <a:t> </a:t>
+            </a:r>
+            <a:r>
+              <a:rPr/>
+              <a:t>guess,</a:t>
+            </a:r>
+            <a:r>
+              <a:rPr/>
+              <a:t> </a:t>
+            </a:r>
+            <a:r>
+              <a:rPr/>
+              <a:t>but</a:t>
+            </a:r>
+            <a:r>
+              <a:rPr/>
+              <a:t> </a:t>
+            </a:r>
+            <a:r>
+              <a:rPr/>
+              <a:t>most</a:t>
+            </a:r>
+            <a:r>
+              <a:rPr/>
+              <a:t> </a:t>
+            </a:r>
+            <a:r>
+              <a:rPr/>
+              <a:t>guides</a:t>
+            </a:r>
+            <a:r>
+              <a:rPr/>
+              <a:t> </a:t>
+            </a:r>
+            <a:r>
+              <a:rPr/>
+              <a:t>do</a:t>
+            </a:r>
+            <a:r>
+              <a:rPr/>
+              <a:t> </a:t>
+            </a:r>
+            <a:r>
+              <a:rPr/>
+              <a:t>not</a:t>
+            </a:r>
+            <a:r>
+              <a:rPr/>
+              <a:t> </a:t>
+            </a:r>
+            <a:r>
+              <a:rPr/>
+              <a:t>use</a:t>
+            </a:r>
+            <a:r>
+              <a:rPr/>
+              <a:t> </a:t>
+            </a:r>
+            <a:r>
+              <a:rPr/>
+              <a:t>single</a:t>
+            </a:r>
+            <a:r>
+              <a:rPr/>
+              <a:t> </a:t>
+            </a:r>
+            <a:r>
+              <a:rPr/>
+              <a:t>letter</a:t>
+            </a:r>
+            <a:r>
+              <a:rPr/>
+              <a:t> </a:t>
+            </a:r>
+            <a:r>
+              <a:rPr/>
+              <a:t>abbreviations</a:t>
+            </a:r>
+            <a:r>
+              <a:rPr/>
+              <a:t> </a:t>
+            </a:r>
+            <a:r>
+              <a:rPr/>
+              <a:t>like</a:t>
+            </a:r>
+            <a:r>
+              <a:rPr/>
+              <a:t> </a:t>
+            </a:r>
+            <a:r>
+              <a:rPr/>
+              <a:t>JAMA</a:t>
+            </a:r>
+            <a:r>
+              <a:rPr/>
+              <a:t> </a:t>
+            </a:r>
+            <a:r>
+              <a:rPr/>
+              <a:t>and</a:t>
+            </a:r>
+            <a:r>
+              <a:rPr/>
+              <a:t> </a:t>
+            </a:r>
+            <a:r>
+              <a:rPr/>
+              <a:t>NEJM.</a:t>
+            </a:r>
+          </a:p>
+        </p:txBody>
+      </p:sp>
+      <p:sp>
+        <p:nvSpPr>
+          <p:cNvPr id="4" name="Slide Number Placeholder 3"/>
+          <p:cNvSpPr>
+            <a:spLocks noGrp="1"/>
+          </p:cNvSpPr>
+          <p:nvPr>
+            <p:ph type="sldNum" sz="quarter" idx="10"/>
+          </p:nvPr>
+        </p:nvSpPr>
+        <p:spPr/>
+        <p:txBody>
+          <a:bodyPr/>
+          <a:lstStyle/>
+          <a:p>
+            <a:fld id="{18BDFEC3-8487-43E8-A154-7C12CBC1FFF2}" type="slidenum">
+              <a:rPr lang="en-US"/>
+              <a:t>27</a:t>
+            </a:fld>
+            <a:endParaRPr lang="en-US"/>
+          </a:p>
+        </p:txBody>
+      </p:sp>
+    </p:spTree>
+  </p:cSld>
+</p:notes>
+</file>
+
+<file path=ppt/notesSlides/notesSlide27.xml><?xml version="1.0" encoding="utf-8"?>
+<p:notes xmlns:a="http://schemas.openxmlformats.org/drawingml/2006/main" xmlns:r="http://schemas.openxmlformats.org/officeDocument/2006/relationships" xmlns:p="http://schemas.openxmlformats.org/presentationml/2006/main">
+  <p:cSld>
+    <p:spTree>
+      <p:nvGrpSpPr>
+        <p:cNvPr id="1" name=""/>
+        <p:cNvGrpSpPr/>
+        <p:nvPr/>
+      </p:nvGrpSpPr>
+      <p:grpSpPr>
+        <a:xfrm>
+          <a:off x="0" y="0"/>
+          <a:ext cx="0" cy="0"/>
+          <a:chOff x="0" y="0"/>
+          <a:chExt cx="0" cy="0"/>
+        </a:xfrm>
+      </p:grpSpPr>
+      <p:sp>
+        <p:nvSpPr>
+          <p:cNvPr id="2" name="Slide Image Placeholder 1"/>
+          <p:cNvSpPr>
+            <a:spLocks noGrp="1" noRot="1" noChangeAspect="1"/>
+          </p:cNvSpPr>
+          <p:nvPr>
+            <p:ph type="sldImg"/>
+          </p:nvPr>
+        </p:nvSpPr>
+        <p:spPr/>
+      </p:sp>
+      <p:sp>
+        <p:nvSpPr>
+          <p:cNvPr id="3" name="Notes Placeholder 2"/>
+          <p:cNvSpPr>
+            <a:spLocks noGrp="1"/>
+          </p:cNvSpPr>
+          <p:nvPr>
+            <p:ph type="body" idx="1"/>
+          </p:nvPr>
+        </p:nvSpPr>
+        <p:spPr/>
+        <p:txBody>
+          <a:bodyPr/>
+          <a:lstStyle/>
+          <a:p>
+            <a:pPr lvl="0" marL="0" indent="0">
+              <a:buNone/>
+            </a:pPr>
+            <a:r>
+              <a:rPr/>
+              <a:t>Normally</a:t>
+            </a:r>
+            <a:r>
+              <a:rPr/>
+              <a:t> </a:t>
+            </a:r>
+            <a:r>
+              <a:rPr/>
+              <a:t>URLs</a:t>
+            </a:r>
+            <a:r>
+              <a:rPr/>
+              <a:t> </a:t>
+            </a:r>
+            <a:r>
+              <a:rPr/>
+              <a:t>are</a:t>
+            </a:r>
+            <a:r>
+              <a:rPr/>
+              <a:t> </a:t>
+            </a:r>
+            <a:r>
+              <a:rPr/>
+              <a:t>not</a:t>
+            </a:r>
+            <a:r>
+              <a:rPr/>
+              <a:t> </a:t>
+            </a:r>
+            <a:r>
+              <a:rPr/>
+              <a:t>included</a:t>
+            </a:r>
+            <a:r>
+              <a:rPr/>
+              <a:t> </a:t>
+            </a:r>
+            <a:r>
+              <a:rPr/>
+              <a:t>in</a:t>
+            </a:r>
+            <a:r>
+              <a:rPr/>
+              <a:t> </a:t>
+            </a:r>
+            <a:r>
+              <a:rPr/>
+              <a:t>a</a:t>
+            </a:r>
+            <a:r>
+              <a:rPr/>
+              <a:t> </a:t>
+            </a:r>
+            <a:r>
+              <a:rPr/>
+              <a:t>bibliography.</a:t>
+            </a:r>
+            <a:r>
+              <a:rPr/>
+              <a:t> </a:t>
+            </a:r>
+            <a:r>
+              <a:rPr/>
+              <a:t>Certainly</a:t>
+            </a:r>
+            <a:r>
+              <a:rPr/>
+              <a:t> </a:t>
+            </a:r>
+            <a:r>
+              <a:rPr/>
+              <a:t>not</a:t>
+            </a:r>
+            <a:r>
+              <a:rPr/>
+              <a:t> </a:t>
+            </a:r>
+            <a:r>
+              <a:rPr/>
+              <a:t>URLs</a:t>
+            </a:r>
+            <a:r>
+              <a:rPr/>
+              <a:t> </a:t>
+            </a:r>
+            <a:r>
+              <a:rPr/>
+              <a:t>that</a:t>
+            </a:r>
+            <a:r>
+              <a:rPr/>
+              <a:t> </a:t>
+            </a:r>
+            <a:r>
+              <a:rPr/>
+              <a:t>use</a:t>
+            </a:r>
+            <a:r>
+              <a:rPr/>
+              <a:t> </a:t>
+            </a:r>
+            <a:r>
+              <a:rPr/>
+              <a:t>a</a:t>
+            </a:r>
+            <a:r>
+              <a:rPr/>
+              <a:t> </a:t>
+            </a:r>
+            <a:r>
+              <a:rPr/>
+              <a:t>proxy</a:t>
+            </a:r>
+            <a:r>
+              <a:rPr/>
+              <a:t> </a:t>
+            </a:r>
+            <a:r>
+              <a:rPr/>
+              <a:t>server</a:t>
+            </a:r>
+            <a:r>
+              <a:rPr/>
+              <a:t> </a:t>
+            </a:r>
+            <a:r>
+              <a:rPr/>
+              <a:t>available</a:t>
+            </a:r>
+            <a:r>
+              <a:rPr/>
+              <a:t> </a:t>
+            </a:r>
+            <a:r>
+              <a:rPr/>
+              <a:t>only</a:t>
+            </a:r>
+            <a:r>
+              <a:rPr/>
+              <a:t> </a:t>
+            </a:r>
+            <a:r>
+              <a:rPr/>
+              <a:t>as</a:t>
+            </a:r>
+            <a:r>
+              <a:rPr/>
+              <a:t> </a:t>
+            </a:r>
+            <a:r>
+              <a:rPr/>
+              <a:t>a</a:t>
+            </a:r>
+            <a:r>
+              <a:rPr/>
+              <a:t> </a:t>
+            </a:r>
+            <a:r>
+              <a:rPr/>
+              <a:t>single</a:t>
+            </a:r>
+            <a:r>
+              <a:rPr/>
+              <a:t> </a:t>
+            </a:r>
+            <a:r>
+              <a:rPr/>
+              <a:t>site.</a:t>
+            </a:r>
+          </a:p>
+        </p:txBody>
+      </p:sp>
+      <p:sp>
+        <p:nvSpPr>
+          <p:cNvPr id="4" name="Slide Number Placeholder 3"/>
+          <p:cNvSpPr>
+            <a:spLocks noGrp="1"/>
+          </p:cNvSpPr>
+          <p:nvPr>
+            <p:ph type="sldNum" sz="quarter" idx="10"/>
+          </p:nvPr>
+        </p:nvSpPr>
+        <p:spPr/>
+        <p:txBody>
+          <a:bodyPr/>
+          <a:lstStyle/>
+          <a:p>
+            <a:fld id="{18BDFEC3-8487-43E8-A154-7C12CBC1FFF2}" type="slidenum">
+              <a:rPr lang="en-US"/>
+              <a:t>28</a:t>
+            </a:fld>
+            <a:endParaRPr lang="en-US"/>
+          </a:p>
+        </p:txBody>
+      </p:sp>
+    </p:spTree>
+  </p:cSld>
+</p:notes>
+</file>
+
+<file path=ppt/notesSlides/notesSlide28.xml><?xml version="1.0" encoding="utf-8"?>
+<p:notes xmlns:a="http://schemas.openxmlformats.org/drawingml/2006/main" xmlns:r="http://schemas.openxmlformats.org/officeDocument/2006/relationships" xmlns:p="http://schemas.openxmlformats.org/presentationml/2006/main">
+  <p:cSld>
+    <p:spTree>
+      <p:nvGrpSpPr>
+        <p:cNvPr id="1" name=""/>
+        <p:cNvGrpSpPr/>
+        <p:nvPr/>
+      </p:nvGrpSpPr>
+      <p:grpSpPr>
+        <a:xfrm>
+          <a:off x="0" y="0"/>
+          <a:ext cx="0" cy="0"/>
+          <a:chOff x="0" y="0"/>
+          <a:chExt cx="0" cy="0"/>
+        </a:xfrm>
+      </p:grpSpPr>
+      <p:sp>
+        <p:nvSpPr>
+          <p:cNvPr id="2" name="Slide Image Placeholder 1"/>
+          <p:cNvSpPr>
+            <a:spLocks noGrp="1" noRot="1" noChangeAspect="1"/>
+          </p:cNvSpPr>
+          <p:nvPr>
+            <p:ph type="sldImg"/>
+          </p:nvPr>
+        </p:nvSpPr>
+        <p:spPr/>
+      </p:sp>
+      <p:sp>
+        <p:nvSpPr>
+          <p:cNvPr id="3" name="Notes Placeholder 2"/>
+          <p:cNvSpPr>
+            <a:spLocks noGrp="1"/>
+          </p:cNvSpPr>
+          <p:nvPr>
+            <p:ph type="body" idx="1"/>
+          </p:nvPr>
+        </p:nvSpPr>
+        <p:spPr/>
+        <p:txBody>
+          <a:bodyPr/>
+          <a:lstStyle/>
+          <a:p>
+            <a:pPr lvl="0" marL="0" indent="0">
+              <a:buNone/>
+            </a:pPr>
+            <a:r>
+              <a:rPr/>
+              <a:t>There</a:t>
+            </a:r>
+            <a:r>
+              <a:rPr/>
+              <a:t> </a:t>
+            </a:r>
+            <a:r>
+              <a:rPr/>
+              <a:t>are</a:t>
+            </a:r>
+            <a:r>
+              <a:rPr/>
+              <a:t> </a:t>
+            </a:r>
+            <a:r>
+              <a:rPr/>
+              <a:t>several</a:t>
+            </a:r>
+            <a:r>
+              <a:rPr/>
+              <a:t> </a:t>
+            </a:r>
+            <a:r>
+              <a:rPr/>
+              <a:t>issues</a:t>
+            </a:r>
+            <a:r>
+              <a:rPr/>
+              <a:t> </a:t>
+            </a:r>
+            <a:r>
+              <a:rPr/>
+              <a:t>with</a:t>
+            </a:r>
+            <a:r>
+              <a:rPr/>
+              <a:t> </a:t>
+            </a:r>
+            <a:r>
+              <a:rPr/>
+              <a:t>this</a:t>
+            </a:r>
+            <a:r>
+              <a:rPr/>
+              <a:t> </a:t>
+            </a:r>
+            <a:r>
+              <a:rPr/>
+              <a:t>bibliography.</a:t>
+            </a:r>
+            <a:r>
+              <a:rPr/>
+              <a:t> </a:t>
+            </a:r>
+            <a:r>
+              <a:rPr/>
+              <a:t>Notice</a:t>
+            </a:r>
+            <a:r>
+              <a:rPr/>
+              <a:t> </a:t>
+            </a:r>
+            <a:r>
+              <a:rPr/>
+              <a:t>that</a:t>
+            </a:r>
+            <a:r>
+              <a:rPr/>
+              <a:t> </a:t>
+            </a:r>
+            <a:r>
+              <a:rPr/>
+              <a:t>a</a:t>
+            </a:r>
+            <a:r>
+              <a:rPr/>
+              <a:t> </a:t>
+            </a:r>
+            <a:r>
+              <a:rPr/>
+              <a:t>website</a:t>
+            </a:r>
+            <a:r>
+              <a:rPr/>
+              <a:t> </a:t>
+            </a:r>
+            <a:r>
+              <a:rPr/>
+              <a:t>is</a:t>
+            </a:r>
+            <a:r>
+              <a:rPr/>
+              <a:t> </a:t>
+            </a:r>
+            <a:r>
+              <a:rPr/>
+              <a:t>in</a:t>
+            </a:r>
+            <a:r>
+              <a:rPr/>
+              <a:t> </a:t>
+            </a:r>
+            <a:r>
+              <a:rPr/>
+              <a:t>the</a:t>
+            </a:r>
+            <a:r>
+              <a:rPr/>
+              <a:t> </a:t>
+            </a:r>
+            <a:r>
+              <a:rPr/>
+              <a:t>list.</a:t>
+            </a:r>
+            <a:r>
+              <a:rPr/>
+              <a:t> </a:t>
+            </a:r>
+            <a:r>
+              <a:rPr/>
+              <a:t>Websites</a:t>
+            </a:r>
+            <a:r>
+              <a:rPr/>
+              <a:t> </a:t>
+            </a:r>
+            <a:r>
+              <a:rPr/>
+              <a:t>are</a:t>
+            </a:r>
+            <a:r>
+              <a:rPr/>
+              <a:t> </a:t>
+            </a:r>
+            <a:r>
+              <a:rPr/>
+              <a:t>very</a:t>
+            </a:r>
+            <a:r>
+              <a:rPr/>
+              <a:t> </a:t>
+            </a:r>
+            <a:r>
+              <a:rPr/>
+              <a:t>tricky</a:t>
+            </a:r>
+            <a:r>
+              <a:rPr/>
+              <a:t> </a:t>
+            </a:r>
+            <a:r>
+              <a:rPr/>
+              <a:t>in</a:t>
+            </a:r>
+            <a:r>
+              <a:rPr/>
+              <a:t> </a:t>
+            </a:r>
+            <a:r>
+              <a:rPr/>
+              <a:t>a</a:t>
+            </a:r>
+            <a:r>
+              <a:rPr/>
+              <a:t> </a:t>
+            </a:r>
+            <a:r>
+              <a:rPr/>
+              <a:t>bibliography</a:t>
+            </a:r>
+            <a:r>
+              <a:rPr/>
+              <a:t> </a:t>
+            </a:r>
+            <a:r>
+              <a:rPr/>
+              <a:t>as</a:t>
+            </a:r>
+            <a:r>
+              <a:rPr/>
+              <a:t> </a:t>
+            </a:r>
+            <a:r>
+              <a:rPr/>
+              <a:t>important</a:t>
+            </a:r>
+            <a:r>
+              <a:rPr/>
+              <a:t> </a:t>
+            </a:r>
+            <a:r>
+              <a:rPr/>
+              <a:t>details</a:t>
+            </a:r>
+            <a:r>
+              <a:rPr/>
+              <a:t> </a:t>
+            </a:r>
+            <a:r>
+              <a:rPr/>
+              <a:t>like</a:t>
+            </a:r>
+            <a:r>
+              <a:rPr/>
+              <a:t> </a:t>
+            </a:r>
+            <a:r>
+              <a:rPr/>
+              <a:t>the</a:t>
+            </a:r>
+            <a:r>
+              <a:rPr/>
+              <a:t> </a:t>
+            </a:r>
+            <a:r>
+              <a:rPr/>
+              <a:t>author</a:t>
+            </a:r>
+            <a:r>
+              <a:rPr/>
+              <a:t> </a:t>
+            </a:r>
+            <a:r>
+              <a:rPr/>
+              <a:t>and</a:t>
+            </a:r>
+            <a:r>
+              <a:rPr/>
+              <a:t> </a:t>
+            </a:r>
+            <a:r>
+              <a:rPr/>
+              <a:t>date</a:t>
+            </a:r>
+            <a:r>
+              <a:rPr/>
+              <a:t> </a:t>
+            </a:r>
+            <a:r>
+              <a:rPr/>
+              <a:t>are</a:t>
+            </a:r>
+            <a:r>
+              <a:rPr/>
+              <a:t> </a:t>
+            </a:r>
+            <a:r>
+              <a:rPr/>
+              <a:t>often</a:t>
+            </a:r>
+            <a:r>
+              <a:rPr/>
+              <a:t> </a:t>
+            </a:r>
+            <a:r>
+              <a:rPr/>
+              <a:t>difficult</a:t>
+            </a:r>
+            <a:r>
+              <a:rPr/>
+              <a:t> </a:t>
+            </a:r>
+            <a:r>
+              <a:rPr/>
+              <a:t>to</a:t>
+            </a:r>
+            <a:r>
+              <a:rPr/>
+              <a:t> </a:t>
+            </a:r>
+            <a:r>
+              <a:rPr/>
+              <a:t>track</a:t>
+            </a:r>
+            <a:r>
+              <a:rPr/>
+              <a:t> </a:t>
+            </a:r>
+            <a:r>
+              <a:rPr/>
+              <a:t>down.</a:t>
+            </a:r>
+            <a:r>
+              <a:rPr/>
+              <a:t> </a:t>
+            </a:r>
+            <a:r>
+              <a:rPr/>
+              <a:t>Pretty</a:t>
+            </a:r>
+            <a:r>
+              <a:rPr/>
+              <a:t> </a:t>
+            </a:r>
+            <a:r>
+              <a:rPr/>
+              <a:t>much</a:t>
+            </a:r>
+            <a:r>
+              <a:rPr/>
+              <a:t> </a:t>
+            </a:r>
+            <a:r>
+              <a:rPr/>
+              <a:t>every</a:t>
+            </a:r>
+            <a:r>
+              <a:rPr/>
+              <a:t> </a:t>
+            </a:r>
+            <a:r>
+              <a:rPr/>
+              <a:t>style</a:t>
+            </a:r>
+            <a:r>
+              <a:rPr/>
+              <a:t> </a:t>
+            </a:r>
+            <a:r>
+              <a:rPr/>
+              <a:t>is</a:t>
+            </a:r>
+            <a:r>
+              <a:rPr/>
+              <a:t> </a:t>
+            </a:r>
+            <a:r>
+              <a:rPr/>
+              <a:t>different</a:t>
+            </a:r>
+            <a:r>
+              <a:rPr/>
+              <a:t> </a:t>
+            </a:r>
+            <a:r>
+              <a:rPr/>
+              <a:t>as</a:t>
+            </a:r>
+            <a:r>
+              <a:rPr/>
+              <a:t> </a:t>
+            </a:r>
+            <a:r>
+              <a:rPr/>
+              <a:t>well.</a:t>
+            </a:r>
+            <a:r>
+              <a:rPr/>
+              <a:t> </a:t>
+            </a:r>
+            <a:r>
+              <a:rPr/>
+              <a:t>The</a:t>
+            </a:r>
+            <a:r>
+              <a:rPr/>
+              <a:t> </a:t>
+            </a:r>
+            <a:r>
+              <a:rPr/>
+              <a:t>one</a:t>
+            </a:r>
+            <a:r>
+              <a:rPr/>
+              <a:t> </a:t>
+            </a:r>
+            <a:r>
+              <a:rPr/>
+              <a:t>thing,</a:t>
+            </a:r>
+            <a:r>
+              <a:rPr/>
+              <a:t> </a:t>
+            </a:r>
+            <a:r>
+              <a:rPr/>
+              <a:t>though,</a:t>
+            </a:r>
+            <a:r>
+              <a:rPr/>
+              <a:t> </a:t>
+            </a:r>
+            <a:r>
+              <a:rPr/>
+              <a:t>that</a:t>
+            </a:r>
+            <a:r>
+              <a:rPr/>
+              <a:t> </a:t>
+            </a:r>
+            <a:r>
+              <a:rPr/>
+              <a:t>many</a:t>
+            </a:r>
+            <a:r>
+              <a:rPr/>
+              <a:t> </a:t>
+            </a:r>
+            <a:r>
+              <a:rPr/>
+              <a:t>bibliographies</a:t>
+            </a:r>
+            <a:r>
+              <a:rPr/>
+              <a:t> </a:t>
+            </a:r>
+            <a:r>
+              <a:rPr/>
+              <a:t>ask</a:t>
+            </a:r>
+            <a:r>
+              <a:rPr/>
+              <a:t> </a:t>
+            </a:r>
+            <a:r>
+              <a:rPr/>
+              <a:t>for</a:t>
+            </a:r>
+            <a:r>
+              <a:rPr/>
+              <a:t> </a:t>
+            </a:r>
+            <a:r>
+              <a:rPr/>
+              <a:t>is</a:t>
+            </a:r>
+            <a:r>
+              <a:rPr/>
+              <a:t> </a:t>
+            </a:r>
+            <a:r>
+              <a:rPr/>
+              <a:t>an</a:t>
+            </a:r>
+            <a:r>
+              <a:rPr/>
+              <a:t> </a:t>
+            </a:r>
+            <a:r>
+              <a:rPr/>
+              <a:t>access</a:t>
+            </a:r>
+            <a:r>
+              <a:rPr/>
+              <a:t> </a:t>
+            </a:r>
+            <a:r>
+              <a:rPr/>
+              <a:t>date.</a:t>
+            </a:r>
+            <a:r>
+              <a:rPr/>
+              <a:t> </a:t>
+            </a:r>
+            <a:r>
+              <a:rPr/>
+              <a:t>This</a:t>
+            </a:r>
+            <a:r>
+              <a:rPr/>
+              <a:t> </a:t>
+            </a:r>
+            <a:r>
+              <a:rPr/>
+              <a:t>is</a:t>
+            </a:r>
+            <a:r>
+              <a:rPr/>
+              <a:t> </a:t>
+            </a:r>
+            <a:r>
+              <a:rPr/>
+              <a:t>an</a:t>
+            </a:r>
+            <a:r>
+              <a:rPr/>
+              <a:t> </a:t>
+            </a:r>
+            <a:r>
+              <a:rPr/>
+              <a:t>acknowledgement</a:t>
+            </a:r>
+            <a:r>
+              <a:rPr/>
+              <a:t> </a:t>
+            </a:r>
+            <a:r>
+              <a:rPr/>
+              <a:t>that</a:t>
+            </a:r>
+            <a:r>
+              <a:rPr/>
+              <a:t> </a:t>
+            </a:r>
+            <a:r>
+              <a:rPr/>
+              <a:t>websites</a:t>
+            </a:r>
+            <a:r>
+              <a:rPr/>
+              <a:t> </a:t>
+            </a:r>
+            <a:r>
+              <a:rPr/>
+              <a:t>are</a:t>
+            </a:r>
+            <a:r>
+              <a:rPr/>
+              <a:t> </a:t>
+            </a:r>
+            <a:r>
+              <a:rPr/>
+              <a:t>often</a:t>
+            </a:r>
+            <a:r>
+              <a:rPr/>
+              <a:t> </a:t>
+            </a:r>
+            <a:r>
+              <a:rPr/>
+              <a:t>dynamic</a:t>
+            </a:r>
+            <a:r>
+              <a:rPr/>
+              <a:t> </a:t>
+            </a:r>
+            <a:r>
+              <a:rPr/>
+              <a:t>and</a:t>
+            </a:r>
+            <a:r>
+              <a:rPr/>
+              <a:t> </a:t>
+            </a:r>
+            <a:r>
+              <a:rPr/>
+              <a:t>can</a:t>
+            </a:r>
+            <a:r>
+              <a:rPr/>
+              <a:t> </a:t>
+            </a:r>
+            <a:r>
+              <a:rPr/>
+              <a:t>change</a:t>
+            </a:r>
+            <a:r>
+              <a:rPr/>
+              <a:t> </a:t>
+            </a:r>
+            <a:r>
+              <a:rPr/>
+              <a:t>frequently.</a:t>
+            </a:r>
+          </a:p>
+          <a:p>
+            <a:pPr lvl="0" marL="0" indent="0">
+              <a:buNone/>
+            </a:pPr>
+          </a:p>
+          <a:p>
+            <a:pPr lvl="0" marL="0" indent="0">
+              <a:buNone/>
+            </a:pPr>
+            <a:r>
+              <a:rPr/>
+              <a:t>Notice</a:t>
+            </a:r>
+            <a:r>
+              <a:rPr/>
+              <a:t> </a:t>
+            </a:r>
+            <a:r>
+              <a:rPr/>
+              <a:t>that</a:t>
+            </a:r>
+            <a:r>
+              <a:rPr/>
+              <a:t> </a:t>
+            </a:r>
+            <a:r>
+              <a:rPr/>
+              <a:t>most</a:t>
+            </a:r>
+            <a:r>
+              <a:rPr/>
+              <a:t> </a:t>
+            </a:r>
+            <a:r>
+              <a:rPr/>
+              <a:t>of</a:t>
+            </a:r>
+            <a:r>
+              <a:rPr/>
+              <a:t> </a:t>
+            </a:r>
+            <a:r>
+              <a:rPr/>
+              <a:t>the</a:t>
+            </a:r>
+            <a:r>
+              <a:rPr/>
+              <a:t> </a:t>
+            </a:r>
+            <a:r>
+              <a:rPr/>
+              <a:t>authors</a:t>
+            </a:r>
+            <a:r>
+              <a:rPr/>
+              <a:t> </a:t>
+            </a:r>
+            <a:r>
+              <a:rPr/>
+              <a:t>are</a:t>
+            </a:r>
+            <a:r>
+              <a:rPr/>
+              <a:t> </a:t>
+            </a:r>
+            <a:r>
+              <a:rPr/>
+              <a:t>last</a:t>
+            </a:r>
+            <a:r>
+              <a:rPr/>
+              <a:t> </a:t>
+            </a:r>
+            <a:r>
+              <a:rPr/>
+              <a:t>name</a:t>
+            </a:r>
+            <a:r>
+              <a:rPr/>
+              <a:t> </a:t>
+            </a:r>
+            <a:r>
+              <a:rPr/>
+              <a:t>followed</a:t>
+            </a:r>
+            <a:r>
+              <a:rPr/>
+              <a:t> </a:t>
+            </a:r>
+            <a:r>
+              <a:rPr/>
+              <a:t>by</a:t>
+            </a:r>
+            <a:r>
+              <a:rPr/>
+              <a:t> </a:t>
+            </a:r>
+            <a:r>
+              <a:rPr/>
+              <a:t>initials.</a:t>
+            </a:r>
+            <a:r>
+              <a:rPr/>
+              <a:t> </a:t>
+            </a:r>
+            <a:r>
+              <a:rPr/>
+              <a:t>But</a:t>
+            </a:r>
+            <a:r>
+              <a:rPr/>
+              <a:t> </a:t>
+            </a:r>
+            <a:r>
+              <a:rPr/>
+              <a:t>some</a:t>
+            </a:r>
+            <a:r>
+              <a:rPr/>
+              <a:t> </a:t>
+            </a:r>
+            <a:r>
+              <a:rPr/>
+              <a:t>styles</a:t>
+            </a:r>
+            <a:r>
+              <a:rPr/>
+              <a:t> </a:t>
+            </a:r>
+            <a:r>
+              <a:rPr/>
+              <a:t>put</a:t>
+            </a:r>
+            <a:r>
+              <a:rPr/>
+              <a:t> </a:t>
+            </a:r>
+            <a:r>
+              <a:rPr/>
+              <a:t>periods</a:t>
+            </a:r>
+            <a:r>
+              <a:rPr/>
+              <a:t> </a:t>
+            </a:r>
+            <a:r>
+              <a:rPr/>
+              <a:t>in</a:t>
+            </a:r>
+            <a:r>
+              <a:rPr/>
+              <a:t> </a:t>
+            </a:r>
+            <a:r>
+              <a:rPr/>
+              <a:t>and</a:t>
+            </a:r>
+            <a:r>
+              <a:rPr/>
+              <a:t> </a:t>
+            </a:r>
+            <a:r>
+              <a:rPr/>
+              <a:t>others</a:t>
+            </a:r>
+            <a:r>
+              <a:rPr/>
+              <a:t> </a:t>
+            </a:r>
+            <a:r>
+              <a:rPr/>
+              <a:t>don’t.</a:t>
+            </a:r>
+            <a:r>
+              <a:rPr/>
+              <a:t> </a:t>
+            </a:r>
+            <a:r>
+              <a:rPr/>
+              <a:t>Either</a:t>
+            </a:r>
+            <a:r>
+              <a:rPr/>
+              <a:t> </a:t>
+            </a:r>
+            <a:r>
+              <a:rPr/>
+              <a:t>is</a:t>
+            </a:r>
+            <a:r>
+              <a:rPr/>
+              <a:t> </a:t>
+            </a:r>
+            <a:r>
+              <a:rPr/>
+              <a:t>fine,</a:t>
+            </a:r>
+            <a:r>
+              <a:rPr/>
+              <a:t> </a:t>
+            </a:r>
+            <a:r>
+              <a:rPr/>
+              <a:t>but</a:t>
+            </a:r>
+            <a:r>
+              <a:rPr/>
+              <a:t> </a:t>
+            </a:r>
+            <a:r>
+              <a:rPr/>
+              <a:t>don’t</a:t>
+            </a:r>
+            <a:r>
+              <a:rPr/>
+              <a:t> </a:t>
+            </a:r>
+            <a:r>
+              <a:rPr/>
+              <a:t>mix</a:t>
+            </a:r>
+            <a:r>
+              <a:rPr/>
+              <a:t> </a:t>
+            </a:r>
+            <a:r>
+              <a:rPr/>
+              <a:t>them.</a:t>
+            </a:r>
+          </a:p>
+          <a:p>
+            <a:pPr lvl="0" marL="0" indent="0">
+              <a:buNone/>
+            </a:pPr>
+          </a:p>
+          <a:p>
+            <a:pPr lvl="0" marL="0" indent="0">
+              <a:buNone/>
+            </a:pPr>
+            <a:r>
+              <a:rPr/>
+              <a:t>Finally,</a:t>
+            </a:r>
+            <a:r>
+              <a:rPr/>
+              <a:t> </a:t>
+            </a:r>
+            <a:r>
+              <a:rPr/>
+              <a:t>when</a:t>
+            </a:r>
+            <a:r>
+              <a:rPr/>
+              <a:t> </a:t>
+            </a:r>
+            <a:r>
+              <a:rPr/>
+              <a:t>you</a:t>
+            </a:r>
+            <a:r>
+              <a:rPr/>
+              <a:t> </a:t>
+            </a:r>
+            <a:r>
+              <a:rPr/>
+              <a:t>do</a:t>
+            </a:r>
+            <a:r>
+              <a:rPr/>
+              <a:t> </a:t>
+            </a:r>
+            <a:r>
+              <a:rPr/>
+              <a:t>get</a:t>
+            </a:r>
+            <a:r>
+              <a:rPr/>
+              <a:t> </a:t>
+            </a:r>
+            <a:r>
+              <a:rPr/>
+              <a:t>a</a:t>
+            </a:r>
+            <a:r>
+              <a:rPr/>
+              <a:t> </a:t>
+            </a:r>
+            <a:r>
+              <a:rPr/>
+              <a:t>journal</a:t>
+            </a:r>
+            <a:r>
+              <a:rPr/>
+              <a:t> </a:t>
+            </a:r>
+            <a:r>
+              <a:rPr/>
+              <a:t>article</a:t>
+            </a:r>
+            <a:r>
+              <a:rPr/>
+              <a:t> </a:t>
+            </a:r>
+            <a:r>
+              <a:rPr/>
+              <a:t>rather</a:t>
+            </a:r>
+            <a:r>
+              <a:rPr/>
+              <a:t> </a:t>
+            </a:r>
+            <a:r>
+              <a:rPr/>
+              <a:t>than</a:t>
+            </a:r>
+            <a:r>
+              <a:rPr/>
+              <a:t> </a:t>
+            </a:r>
+            <a:r>
+              <a:rPr/>
+              <a:t>a</a:t>
+            </a:r>
+            <a:r>
+              <a:rPr/>
+              <a:t> </a:t>
+            </a:r>
+            <a:r>
+              <a:rPr/>
+              <a:t>web</a:t>
+            </a:r>
+            <a:r>
+              <a:rPr/>
+              <a:t> </a:t>
+            </a:r>
+            <a:r>
+              <a:rPr/>
+              <a:t>page,</a:t>
+            </a:r>
+            <a:r>
+              <a:rPr/>
+              <a:t> </a:t>
+            </a:r>
+            <a:r>
+              <a:rPr/>
+              <a:t>you</a:t>
+            </a:r>
+            <a:r>
+              <a:rPr/>
+              <a:t> </a:t>
+            </a:r>
+            <a:r>
+              <a:rPr/>
+              <a:t>have</a:t>
+            </a:r>
+            <a:r>
+              <a:rPr/>
+              <a:t> </a:t>
+            </a:r>
+            <a:r>
+              <a:rPr/>
+              <a:t>to</a:t>
+            </a:r>
+            <a:r>
+              <a:rPr/>
+              <a:t> </a:t>
+            </a:r>
+            <a:r>
+              <a:rPr/>
+              <a:t>find</a:t>
+            </a:r>
+            <a:r>
+              <a:rPr/>
+              <a:t> </a:t>
+            </a:r>
+            <a:r>
+              <a:rPr/>
+              <a:t>the</a:t>
+            </a:r>
+            <a:r>
+              <a:rPr/>
+              <a:t> </a:t>
+            </a:r>
+            <a:r>
+              <a:rPr/>
+              <a:t>page</a:t>
+            </a:r>
+            <a:r>
+              <a:rPr/>
+              <a:t> </a:t>
+            </a:r>
+            <a:r>
+              <a:rPr/>
+              <a:t>numbers,</a:t>
+            </a:r>
+            <a:r>
+              <a:rPr/>
+              <a:t> </a:t>
+            </a:r>
+            <a:r>
+              <a:rPr/>
+              <a:t>the</a:t>
+            </a:r>
+            <a:r>
+              <a:rPr/>
+              <a:t> </a:t>
+            </a:r>
+            <a:r>
+              <a:rPr/>
+              <a:t>volume,</a:t>
+            </a:r>
+            <a:r>
+              <a:rPr/>
+              <a:t> </a:t>
+            </a:r>
+            <a:r>
+              <a:rPr/>
+              <a:t>and</a:t>
+            </a:r>
+            <a:r>
+              <a:rPr/>
+              <a:t> </a:t>
+            </a:r>
+            <a:r>
+              <a:rPr/>
+              <a:t>the</a:t>
+            </a:r>
+            <a:r>
+              <a:rPr/>
+              <a:t> </a:t>
+            </a:r>
+            <a:r>
+              <a:rPr/>
+              <a:t>issue.</a:t>
+            </a:r>
+            <a:r>
+              <a:rPr/>
+              <a:t> </a:t>
+            </a:r>
+            <a:r>
+              <a:rPr/>
+              <a:t>For</a:t>
+            </a:r>
+            <a:r>
+              <a:rPr/>
+              <a:t> </a:t>
+            </a:r>
+            <a:r>
+              <a:rPr/>
+              <a:t>a</a:t>
+            </a:r>
+            <a:r>
+              <a:rPr/>
+              <a:t> </a:t>
+            </a:r>
+            <a:r>
+              <a:rPr/>
+              <a:t>journal</a:t>
+            </a:r>
+            <a:r>
+              <a:rPr/>
+              <a:t> </a:t>
+            </a:r>
+            <a:r>
+              <a:rPr/>
+              <a:t>that</a:t>
+            </a:r>
+            <a:r>
+              <a:rPr/>
+              <a:t> </a:t>
+            </a:r>
+            <a:r>
+              <a:rPr/>
+              <a:t>is</a:t>
+            </a:r>
+            <a:r>
+              <a:rPr/>
+              <a:t> </a:t>
+            </a:r>
+            <a:r>
+              <a:rPr/>
+              <a:t>only</a:t>
+            </a:r>
+            <a:r>
+              <a:rPr/>
+              <a:t> </a:t>
+            </a:r>
+            <a:r>
+              <a:rPr/>
+              <a:t>published</a:t>
+            </a:r>
+            <a:r>
+              <a:rPr/>
+              <a:t> </a:t>
+            </a:r>
+            <a:r>
+              <a:rPr/>
+              <a:t>online,</a:t>
+            </a:r>
+            <a:r>
+              <a:rPr/>
+              <a:t> </a:t>
+            </a:r>
+            <a:r>
+              <a:rPr/>
+              <a:t>this</a:t>
+            </a:r>
+            <a:r>
+              <a:rPr/>
+              <a:t> </a:t>
+            </a:r>
+            <a:r>
+              <a:rPr/>
+              <a:t>can</a:t>
+            </a:r>
+            <a:r>
+              <a:rPr/>
+              <a:t> </a:t>
+            </a:r>
+            <a:r>
+              <a:rPr/>
+              <a:t>be</a:t>
+            </a:r>
+            <a:r>
+              <a:rPr/>
+              <a:t> </a:t>
+            </a:r>
+            <a:r>
+              <a:rPr/>
+              <a:t>tricky.</a:t>
+            </a:r>
+            <a:r>
+              <a:rPr/>
+              <a:t> </a:t>
+            </a:r>
+            <a:r>
+              <a:rPr/>
+              <a:t>What</a:t>
+            </a:r>
+            <a:r>
+              <a:rPr/>
+              <a:t> </a:t>
+            </a:r>
+            <a:r>
+              <a:rPr/>
+              <a:t>is</a:t>
+            </a:r>
+            <a:r>
+              <a:rPr/>
+              <a:t> </a:t>
+            </a:r>
+            <a:r>
+              <a:rPr/>
+              <a:t>the</a:t>
+            </a:r>
+            <a:r>
+              <a:rPr/>
+              <a:t> </a:t>
+            </a:r>
+            <a:r>
+              <a:rPr/>
+              <a:t>page</a:t>
+            </a:r>
+            <a:r>
+              <a:rPr/>
+              <a:t> </a:t>
+            </a:r>
+            <a:r>
+              <a:rPr/>
+              <a:t>number,</a:t>
+            </a:r>
+            <a:r>
+              <a:rPr/>
+              <a:t> </a:t>
+            </a:r>
+            <a:r>
+              <a:rPr/>
+              <a:t>for</a:t>
+            </a:r>
+            <a:r>
+              <a:rPr/>
+              <a:t> </a:t>
+            </a:r>
+            <a:r>
+              <a:rPr/>
+              <a:t>example,</a:t>
+            </a:r>
+            <a:r>
+              <a:rPr/>
+              <a:t> </a:t>
+            </a:r>
+            <a:r>
+              <a:rPr/>
+              <a:t>when</a:t>
+            </a:r>
+            <a:r>
+              <a:rPr/>
+              <a:t> </a:t>
+            </a:r>
+            <a:r>
+              <a:rPr/>
+              <a:t>an</a:t>
+            </a:r>
+            <a:r>
+              <a:rPr/>
+              <a:t> </a:t>
+            </a:r>
+            <a:r>
+              <a:rPr/>
+              <a:t>article</a:t>
+            </a:r>
+            <a:r>
+              <a:rPr/>
+              <a:t> </a:t>
+            </a:r>
+            <a:r>
+              <a:rPr/>
+              <a:t>appears</a:t>
+            </a:r>
+            <a:r>
+              <a:rPr/>
+              <a:t> </a:t>
+            </a:r>
+            <a:r>
+              <a:rPr/>
+              <a:t>only</a:t>
+            </a:r>
+            <a:r>
+              <a:rPr/>
+              <a:t> </a:t>
+            </a:r>
+            <a:r>
+              <a:rPr/>
+              <a:t>online.</a:t>
+            </a:r>
+            <a:r>
+              <a:rPr/>
+              <a:t> </a:t>
+            </a:r>
+            <a:r>
+              <a:rPr/>
+              <a:t>Even</a:t>
+            </a:r>
+            <a:r>
+              <a:rPr/>
+              <a:t> </a:t>
+            </a:r>
+            <a:r>
+              <a:rPr/>
+              <a:t>so,</a:t>
+            </a:r>
+            <a:r>
+              <a:rPr/>
+              <a:t> </a:t>
+            </a:r>
+            <a:r>
+              <a:rPr/>
+              <a:t>with</a:t>
+            </a:r>
+            <a:r>
+              <a:rPr/>
+              <a:t> </a:t>
+            </a:r>
+            <a:r>
+              <a:rPr/>
+              <a:t>a</a:t>
+            </a:r>
+            <a:r>
+              <a:rPr/>
+              <a:t> </a:t>
+            </a:r>
+            <a:r>
+              <a:rPr/>
+              <a:t>bit</a:t>
+            </a:r>
+            <a:r>
+              <a:rPr/>
+              <a:t> </a:t>
+            </a:r>
+            <a:r>
+              <a:rPr/>
+              <a:t>of</a:t>
+            </a:r>
+            <a:r>
+              <a:rPr/>
+              <a:t> </a:t>
+            </a:r>
+            <a:r>
+              <a:rPr/>
+              <a:t>effort,</a:t>
+            </a:r>
+            <a:r>
+              <a:rPr/>
+              <a:t> </a:t>
+            </a:r>
+            <a:r>
+              <a:rPr/>
+              <a:t>you</a:t>
+            </a:r>
+            <a:r>
+              <a:rPr/>
+              <a:t> </a:t>
+            </a:r>
+            <a:r>
+              <a:rPr/>
+              <a:t>can</a:t>
+            </a:r>
+            <a:r>
+              <a:rPr/>
+              <a:t> </a:t>
+            </a:r>
+            <a:r>
+              <a:rPr/>
+              <a:t>find</a:t>
+            </a:r>
+            <a:r>
+              <a:rPr/>
+              <a:t> </a:t>
+            </a:r>
+            <a:r>
+              <a:rPr/>
+              <a:t>these.</a:t>
+            </a:r>
+          </a:p>
+        </p:txBody>
+      </p:sp>
+      <p:sp>
+        <p:nvSpPr>
+          <p:cNvPr id="4" name="Slide Number Placeholder 3"/>
+          <p:cNvSpPr>
+            <a:spLocks noGrp="1"/>
+          </p:cNvSpPr>
+          <p:nvPr>
+            <p:ph type="sldNum" sz="quarter" idx="10"/>
+          </p:nvPr>
+        </p:nvSpPr>
+        <p:spPr/>
+        <p:txBody>
+          <a:bodyPr/>
+          <a:lstStyle/>
+          <a:p>
+            <a:fld id="{18BDFEC3-8487-43E8-A154-7C12CBC1FFF2}" type="slidenum">
+              <a:rPr lang="en-US"/>
+              <a:t>29</a:t>
+            </a:fld>
+            <a:endParaRPr lang="en-US"/>
+          </a:p>
+        </p:txBody>
+      </p:sp>
+    </p:spTree>
+  </p:cSld>
+</p:notes>
+</file>
+
+<file path=ppt/notesSlides/notesSlide29.xml><?xml version="1.0" encoding="utf-8"?>
+<p:notes xmlns:a="http://schemas.openxmlformats.org/drawingml/2006/main" xmlns:r="http://schemas.openxmlformats.org/officeDocument/2006/relationships" xmlns:p="http://schemas.openxmlformats.org/presentationml/2006/main">
+  <p:cSld>
+    <p:spTree>
+      <p:nvGrpSpPr>
+        <p:cNvPr id="1" name=""/>
+        <p:cNvGrpSpPr/>
+        <p:nvPr/>
+      </p:nvGrpSpPr>
+      <p:grpSpPr>
+        <a:xfrm>
+          <a:off x="0" y="0"/>
+          <a:ext cx="0" cy="0"/>
+          <a:chOff x="0" y="0"/>
+          <a:chExt cx="0" cy="0"/>
+        </a:xfrm>
+      </p:grpSpPr>
+      <p:sp>
+        <p:nvSpPr>
+          <p:cNvPr id="2" name="Slide Image Placeholder 1"/>
+          <p:cNvSpPr>
+            <a:spLocks noGrp="1" noRot="1" noChangeAspect="1"/>
+          </p:cNvSpPr>
+          <p:nvPr>
+            <p:ph type="sldImg"/>
+          </p:nvPr>
+        </p:nvSpPr>
+        <p:spPr/>
+      </p:sp>
+      <p:sp>
+        <p:nvSpPr>
+          <p:cNvPr id="3" name="Notes Placeholder 2"/>
+          <p:cNvSpPr>
+            <a:spLocks noGrp="1"/>
+          </p:cNvSpPr>
+          <p:nvPr>
+            <p:ph type="body" idx="1"/>
+          </p:nvPr>
+        </p:nvSpPr>
+        <p:spPr/>
+        <p:txBody>
+          <a:bodyPr/>
+          <a:lstStyle/>
+          <a:p>
+            <a:pPr lvl="0" marL="0" indent="0">
+              <a:buNone/>
+            </a:pPr>
+            <a:r>
+              <a:rPr/>
+              <a:t>This</a:t>
+            </a:r>
+            <a:r>
+              <a:rPr/>
+              <a:t> </a:t>
+            </a:r>
+            <a:r>
+              <a:rPr/>
+              <a:t>bibliography</a:t>
+            </a:r>
+            <a:r>
+              <a:rPr/>
+              <a:t> </a:t>
+            </a:r>
+            <a:r>
+              <a:rPr/>
+              <a:t>has</a:t>
+            </a:r>
+            <a:r>
+              <a:rPr/>
+              <a:t> </a:t>
+            </a:r>
+            <a:r>
+              <a:rPr/>
+              <a:t>two</a:t>
+            </a:r>
+            <a:r>
+              <a:rPr/>
+              <a:t> </a:t>
+            </a:r>
+            <a:r>
+              <a:rPr/>
+              <a:t>inconsistencies.</a:t>
+            </a:r>
+            <a:r>
+              <a:rPr/>
+              <a:t> </a:t>
+            </a:r>
+            <a:r>
+              <a:rPr/>
+              <a:t>One</a:t>
+            </a:r>
+            <a:r>
+              <a:rPr/>
+              <a:t> </a:t>
+            </a:r>
+            <a:r>
+              <a:rPr/>
+              <a:t>journal</a:t>
+            </a:r>
+            <a:r>
+              <a:rPr/>
+              <a:t> </a:t>
+            </a:r>
+            <a:r>
+              <a:rPr/>
+              <a:t>is</a:t>
+            </a:r>
+            <a:r>
+              <a:rPr/>
+              <a:t> </a:t>
+            </a:r>
+            <a:r>
+              <a:rPr/>
+              <a:t>spelled</a:t>
+            </a:r>
+            <a:r>
+              <a:rPr/>
+              <a:t> </a:t>
+            </a:r>
+            <a:r>
+              <a:rPr/>
+              <a:t>out</a:t>
+            </a:r>
+            <a:r>
+              <a:rPr/>
+              <a:t> </a:t>
+            </a:r>
+            <a:r>
+              <a:rPr/>
+              <a:t>and</a:t>
+            </a:r>
+            <a:r>
+              <a:rPr/>
+              <a:t> </a:t>
+            </a:r>
+            <a:r>
+              <a:rPr/>
+              <a:t>another</a:t>
+            </a:r>
+            <a:r>
+              <a:rPr/>
+              <a:t> </a:t>
+            </a:r>
+            <a:r>
+              <a:rPr/>
+              <a:t>is</a:t>
+            </a:r>
+            <a:r>
+              <a:rPr/>
+              <a:t> </a:t>
+            </a:r>
+            <a:r>
+              <a:rPr/>
+              <a:t>abbreviated.</a:t>
+            </a:r>
+            <a:r>
+              <a:rPr/>
+              <a:t> </a:t>
+            </a:r>
+            <a:r>
+              <a:rPr/>
+              <a:t>One</a:t>
+            </a:r>
+            <a:r>
+              <a:rPr/>
+              <a:t> </a:t>
+            </a:r>
+            <a:r>
+              <a:rPr/>
+              <a:t>author</a:t>
+            </a:r>
+            <a:r>
+              <a:rPr/>
+              <a:t> </a:t>
+            </a:r>
+            <a:r>
+              <a:rPr/>
+              <a:t>list</a:t>
+            </a:r>
+            <a:r>
+              <a:rPr/>
+              <a:t> </a:t>
+            </a:r>
+            <a:r>
+              <a:rPr/>
+              <a:t>has</a:t>
+            </a:r>
+            <a:r>
+              <a:rPr/>
+              <a:t> </a:t>
+            </a:r>
+            <a:r>
+              <a:rPr/>
+              <a:t>four</a:t>
+            </a:r>
+            <a:r>
+              <a:rPr/>
+              <a:t> </a:t>
+            </a:r>
+            <a:r>
+              <a:rPr/>
+              <a:t>authors</a:t>
+            </a:r>
+            <a:r>
+              <a:rPr/>
+              <a:t> </a:t>
+            </a:r>
+            <a:r>
+              <a:rPr/>
+              <a:t>followed</a:t>
+            </a:r>
+            <a:r>
+              <a:rPr/>
+              <a:t> </a:t>
+            </a:r>
+            <a:r>
+              <a:rPr/>
+              <a:t>by</a:t>
+            </a:r>
+            <a:r>
+              <a:rPr/>
+              <a:t> </a:t>
+            </a:r>
+            <a:r>
+              <a:rPr/>
+              <a:t>et</a:t>
+            </a:r>
+            <a:r>
+              <a:rPr/>
+              <a:t> </a:t>
+            </a:r>
+            <a:r>
+              <a:rPr/>
+              <a:t>al</a:t>
+            </a:r>
+            <a:r>
+              <a:rPr/>
+              <a:t> </a:t>
+            </a:r>
+            <a:r>
+              <a:rPr/>
+              <a:t>and</a:t>
+            </a:r>
+            <a:r>
+              <a:rPr/>
+              <a:t> </a:t>
+            </a:r>
+            <a:r>
+              <a:rPr/>
+              <a:t>another</a:t>
+            </a:r>
+            <a:r>
+              <a:rPr/>
+              <a:t> </a:t>
+            </a:r>
+            <a:r>
+              <a:rPr/>
+              <a:t>has</a:t>
+            </a:r>
+            <a:r>
+              <a:rPr/>
+              <a:t> </a:t>
+            </a:r>
+            <a:r>
+              <a:rPr/>
+              <a:t>three</a:t>
+            </a:r>
+            <a:r>
+              <a:rPr/>
+              <a:t> </a:t>
+            </a:r>
+            <a:r>
+              <a:rPr/>
+              <a:t>authors</a:t>
+            </a:r>
+            <a:r>
+              <a:rPr/>
+              <a:t> </a:t>
+            </a:r>
+            <a:r>
+              <a:rPr/>
+              <a:t>followed</a:t>
+            </a:r>
+            <a:r>
+              <a:rPr/>
+              <a:t> </a:t>
+            </a:r>
+            <a:r>
+              <a:rPr/>
+              <a:t>by</a:t>
+            </a:r>
+            <a:r>
+              <a:rPr/>
+              <a:t> </a:t>
+            </a:r>
+            <a:r>
+              <a:rPr/>
+              <a:t>et</a:t>
+            </a:r>
+            <a:r>
+              <a:rPr/>
+              <a:t> </a:t>
+            </a:r>
+            <a:r>
+              <a:rPr/>
+              <a:t>al.</a:t>
+            </a:r>
+          </a:p>
+        </p:txBody>
+      </p:sp>
+      <p:sp>
+        <p:nvSpPr>
+          <p:cNvPr id="4" name="Slide Number Placeholder 3"/>
+          <p:cNvSpPr>
+            <a:spLocks noGrp="1"/>
+          </p:cNvSpPr>
+          <p:nvPr>
+            <p:ph type="sldNum" sz="quarter" idx="10"/>
+          </p:nvPr>
+        </p:nvSpPr>
+        <p:spPr/>
+        <p:txBody>
+          <a:bodyPr/>
+          <a:lstStyle/>
+          <a:p>
+            <a:fld id="{18BDFEC3-8487-43E8-A154-7C12CBC1FFF2}" type="slidenum">
+              <a:rPr lang="en-US"/>
+              <a:t>30</a:t>
             </a:fld>
             <a:endParaRPr lang="en-US"/>
           </a:p>
@@ -5743,6 +10566,1496 @@
             <a:fld id="{18BDFEC3-8487-43E8-A154-7C12CBC1FFF2}" type="slidenum">
               <a:rPr lang="en-US"/>
               <a:t>4</a:t>
+            </a:fld>
+            <a:endParaRPr lang="en-US"/>
+          </a:p>
+        </p:txBody>
+      </p:sp>
+    </p:spTree>
+  </p:cSld>
+</p:notes>
+</file>
+
+<file path=ppt/notesSlides/notesSlide30.xml><?xml version="1.0" encoding="utf-8"?>
+<p:notes xmlns:a="http://schemas.openxmlformats.org/drawingml/2006/main" xmlns:r="http://schemas.openxmlformats.org/officeDocument/2006/relationships" xmlns:p="http://schemas.openxmlformats.org/presentationml/2006/main">
+  <p:cSld>
+    <p:spTree>
+      <p:nvGrpSpPr>
+        <p:cNvPr id="1" name=""/>
+        <p:cNvGrpSpPr/>
+        <p:nvPr/>
+      </p:nvGrpSpPr>
+      <p:grpSpPr>
+        <a:xfrm>
+          <a:off x="0" y="0"/>
+          <a:ext cx="0" cy="0"/>
+          <a:chOff x="0" y="0"/>
+          <a:chExt cx="0" cy="0"/>
+        </a:xfrm>
+      </p:grpSpPr>
+      <p:sp>
+        <p:nvSpPr>
+          <p:cNvPr id="2" name="Slide Image Placeholder 1"/>
+          <p:cNvSpPr>
+            <a:spLocks noGrp="1" noRot="1" noChangeAspect="1"/>
+          </p:cNvSpPr>
+          <p:nvPr>
+            <p:ph type="sldImg"/>
+          </p:nvPr>
+        </p:nvSpPr>
+        <p:spPr/>
+      </p:sp>
+      <p:sp>
+        <p:nvSpPr>
+          <p:cNvPr id="3" name="Notes Placeholder 2"/>
+          <p:cNvSpPr>
+            <a:spLocks noGrp="1"/>
+          </p:cNvSpPr>
+          <p:nvPr>
+            <p:ph type="body" idx="1"/>
+          </p:nvPr>
+        </p:nvSpPr>
+        <p:spPr/>
+        <p:txBody>
+          <a:bodyPr/>
+          <a:lstStyle/>
+          <a:p>
+            <a:pPr lvl="0" marL="0" indent="0">
+              <a:buNone/>
+            </a:pPr>
+            <a:r>
+              <a:rPr/>
+              <a:t>In</a:t>
+            </a:r>
+            <a:r>
+              <a:rPr/>
+              <a:t> </a:t>
+            </a:r>
+            <a:r>
+              <a:rPr/>
+              <a:t>the</a:t>
+            </a:r>
+            <a:r>
+              <a:rPr/>
+              <a:t> </a:t>
+            </a:r>
+            <a:r>
+              <a:rPr/>
+              <a:t>examples</a:t>
+            </a:r>
+            <a:r>
+              <a:rPr/>
+              <a:t> </a:t>
+            </a:r>
+            <a:r>
+              <a:rPr/>
+              <a:t>I’ve</a:t>
+            </a:r>
+            <a:r>
+              <a:rPr/>
+              <a:t> </a:t>
+            </a:r>
+            <a:r>
+              <a:rPr/>
+              <a:t>shown,</a:t>
+            </a:r>
+            <a:r>
+              <a:rPr/>
+              <a:t> </a:t>
+            </a:r>
+            <a:r>
+              <a:rPr/>
+              <a:t>it</a:t>
+            </a:r>
+            <a:r>
+              <a:rPr/>
+              <a:t> </a:t>
+            </a:r>
+            <a:r>
+              <a:rPr/>
+              <a:t>must</a:t>
+            </a:r>
+            <a:r>
+              <a:rPr/>
+              <a:t> </a:t>
+            </a:r>
+            <a:r>
+              <a:rPr/>
+              <a:t>seem</a:t>
+            </a:r>
+            <a:r>
+              <a:rPr/>
+              <a:t> </a:t>
+            </a:r>
+            <a:r>
+              <a:rPr/>
+              <a:t>like</a:t>
+            </a:r>
+            <a:r>
+              <a:rPr/>
+              <a:t> </a:t>
+            </a:r>
+            <a:r>
+              <a:rPr/>
+              <a:t>I</a:t>
+            </a:r>
+            <a:r>
+              <a:rPr/>
+              <a:t> </a:t>
+            </a:r>
+            <a:r>
+              <a:rPr/>
+              <a:t>am</a:t>
+            </a:r>
+            <a:r>
+              <a:rPr/>
+              <a:t> </a:t>
+            </a:r>
+            <a:r>
+              <a:rPr/>
+              <a:t>the</a:t>
+            </a:r>
+            <a:r>
+              <a:rPr/>
+              <a:t> </a:t>
+            </a:r>
+            <a:r>
+              <a:rPr/>
+              <a:t>world’s</a:t>
+            </a:r>
+            <a:r>
+              <a:rPr/>
+              <a:t> </a:t>
+            </a:r>
+            <a:r>
+              <a:rPr/>
+              <a:t>worst</a:t>
+            </a:r>
+            <a:r>
+              <a:rPr/>
+              <a:t> </a:t>
+            </a:r>
+            <a:r>
+              <a:rPr/>
+              <a:t>nit</a:t>
+            </a:r>
+            <a:r>
+              <a:rPr/>
+              <a:t> </a:t>
+            </a:r>
+            <a:r>
+              <a:rPr/>
+              <a:t>picker.</a:t>
+            </a:r>
+            <a:r>
+              <a:rPr/>
+              <a:t> </a:t>
+            </a:r>
+            <a:r>
+              <a:rPr/>
+              <a:t>That</a:t>
+            </a:r>
+            <a:r>
+              <a:rPr/>
+              <a:t> </a:t>
+            </a:r>
+            <a:r>
+              <a:rPr/>
+              <a:t>may</a:t>
+            </a:r>
+            <a:r>
+              <a:rPr/>
+              <a:t> </a:t>
+            </a:r>
+            <a:r>
+              <a:rPr/>
+              <a:t>be</a:t>
+            </a:r>
+            <a:r>
+              <a:rPr/>
+              <a:t> </a:t>
+            </a:r>
+            <a:r>
+              <a:rPr/>
+              <a:t>true,</a:t>
+            </a:r>
+            <a:r>
+              <a:rPr/>
+              <a:t> </a:t>
+            </a:r>
+            <a:r>
+              <a:rPr/>
+              <a:t>but</a:t>
+            </a:r>
+            <a:r>
+              <a:rPr/>
+              <a:t> </a:t>
+            </a:r>
+            <a:r>
+              <a:rPr/>
+              <a:t>you</a:t>
+            </a:r>
+            <a:r>
+              <a:rPr/>
+              <a:t> </a:t>
+            </a:r>
+            <a:r>
+              <a:rPr/>
+              <a:t>still</a:t>
+            </a:r>
+            <a:r>
+              <a:rPr/>
+              <a:t> </a:t>
+            </a:r>
+            <a:r>
+              <a:rPr/>
+              <a:t>have</a:t>
+            </a:r>
+            <a:r>
+              <a:rPr/>
+              <a:t> </a:t>
+            </a:r>
+            <a:r>
+              <a:rPr/>
+              <a:t>to</a:t>
+            </a:r>
+            <a:r>
+              <a:rPr/>
+              <a:t> </a:t>
+            </a:r>
+            <a:r>
+              <a:rPr/>
+              <a:t>master</a:t>
+            </a:r>
+            <a:r>
+              <a:rPr/>
+              <a:t> </a:t>
+            </a:r>
+            <a:r>
+              <a:rPr/>
+              <a:t>most</a:t>
+            </a:r>
+            <a:r>
+              <a:rPr/>
+              <a:t> </a:t>
+            </a:r>
+            <a:r>
+              <a:rPr/>
+              <a:t>of</a:t>
+            </a:r>
+            <a:r>
+              <a:rPr/>
+              <a:t> </a:t>
+            </a:r>
+            <a:r>
+              <a:rPr/>
+              <a:t>these</a:t>
+            </a:r>
+            <a:r>
+              <a:rPr/>
+              <a:t> </a:t>
+            </a:r>
+            <a:r>
+              <a:rPr/>
+              <a:t>details.</a:t>
+            </a:r>
+            <a:r>
+              <a:rPr/>
+              <a:t> </a:t>
+            </a:r>
+            <a:r>
+              <a:rPr/>
+              <a:t>Some</a:t>
+            </a:r>
+            <a:r>
+              <a:rPr/>
+              <a:t> </a:t>
+            </a:r>
+            <a:r>
+              <a:rPr/>
+              <a:t>are</a:t>
+            </a:r>
+            <a:r>
+              <a:rPr/>
+              <a:t> </a:t>
+            </a:r>
+            <a:r>
+              <a:rPr/>
+              <a:t>very</a:t>
+            </a:r>
+            <a:r>
+              <a:rPr/>
+              <a:t> </a:t>
+            </a:r>
+            <a:r>
+              <a:rPr/>
+              <a:t>important</a:t>
+            </a:r>
+            <a:r>
+              <a:rPr/>
+              <a:t> </a:t>
+            </a:r>
+            <a:r>
+              <a:rPr/>
+              <a:t>and</a:t>
+            </a:r>
+            <a:r>
+              <a:rPr/>
+              <a:t> </a:t>
+            </a:r>
+            <a:r>
+              <a:rPr/>
+              <a:t>some</a:t>
+            </a:r>
+            <a:r>
+              <a:rPr/>
+              <a:t> </a:t>
+            </a:r>
+            <a:r>
+              <a:rPr/>
+              <a:t>not</a:t>
+            </a:r>
+            <a:r>
+              <a:rPr/>
+              <a:t> </a:t>
+            </a:r>
+            <a:r>
+              <a:rPr/>
+              <a:t>at</a:t>
+            </a:r>
+            <a:r>
+              <a:rPr/>
+              <a:t> </a:t>
+            </a:r>
+            <a:r>
+              <a:rPr/>
+              <a:t>all,</a:t>
+            </a:r>
+            <a:r>
+              <a:rPr/>
+              <a:t> </a:t>
+            </a:r>
+            <a:r>
+              <a:rPr/>
+              <a:t>but</a:t>
+            </a:r>
+            <a:r>
+              <a:rPr/>
+              <a:t> </a:t>
+            </a:r>
+            <a:r>
+              <a:rPr/>
+              <a:t>you</a:t>
+            </a:r>
+            <a:r>
+              <a:rPr/>
+              <a:t> </a:t>
+            </a:r>
+            <a:r>
+              <a:rPr/>
+              <a:t>won’t</a:t>
+            </a:r>
+            <a:r>
+              <a:rPr/>
+              <a:t> </a:t>
+            </a:r>
+            <a:r>
+              <a:rPr/>
+              <a:t>know</a:t>
+            </a:r>
+            <a:r>
+              <a:rPr/>
+              <a:t> </a:t>
+            </a:r>
+            <a:r>
+              <a:rPr/>
+              <a:t>which</a:t>
+            </a:r>
+            <a:r>
+              <a:rPr/>
+              <a:t> </a:t>
+            </a:r>
+            <a:r>
+              <a:rPr/>
+              <a:t>are</a:t>
+            </a:r>
+            <a:r>
+              <a:rPr/>
+              <a:t> </a:t>
+            </a:r>
+            <a:r>
+              <a:rPr/>
+              <a:t>which.</a:t>
+            </a:r>
+          </a:p>
+          <a:p>
+            <a:pPr lvl="0" marL="0" indent="0">
+              <a:buNone/>
+            </a:pPr>
+          </a:p>
+          <a:p>
+            <a:pPr lvl="0" marL="0" indent="0">
+              <a:buNone/>
+            </a:pPr>
+            <a:r>
+              <a:rPr/>
+              <a:t>Close</a:t>
+            </a:r>
+            <a:r>
+              <a:rPr/>
+              <a:t> </a:t>
+            </a:r>
+            <a:r>
+              <a:rPr/>
+              <a:t>attention</a:t>
+            </a:r>
+            <a:r>
+              <a:rPr/>
+              <a:t> </a:t>
+            </a:r>
+            <a:r>
+              <a:rPr/>
+              <a:t>to</a:t>
+            </a:r>
+            <a:r>
+              <a:rPr/>
+              <a:t> </a:t>
+            </a:r>
+            <a:r>
+              <a:rPr/>
+              <a:t>details</a:t>
+            </a:r>
+            <a:r>
+              <a:rPr/>
+              <a:t> </a:t>
+            </a:r>
+            <a:r>
+              <a:rPr/>
+              <a:t>will</a:t>
+            </a:r>
+            <a:r>
+              <a:rPr/>
+              <a:t> </a:t>
+            </a:r>
+            <a:r>
+              <a:rPr/>
+              <a:t>impress</a:t>
+            </a:r>
+            <a:r>
+              <a:rPr/>
+              <a:t> </a:t>
+            </a:r>
+            <a:r>
+              <a:rPr/>
+              <a:t>everyone</a:t>
+            </a:r>
+            <a:r>
+              <a:rPr/>
+              <a:t> </a:t>
+            </a:r>
+            <a:r>
+              <a:rPr/>
+              <a:t>who</a:t>
+            </a:r>
+            <a:r>
+              <a:rPr/>
+              <a:t> </a:t>
+            </a:r>
+            <a:r>
+              <a:rPr/>
+              <a:t>reviews</a:t>
+            </a:r>
+            <a:r>
+              <a:rPr/>
+              <a:t> </a:t>
+            </a:r>
+            <a:r>
+              <a:rPr/>
+              <a:t>your</a:t>
+            </a:r>
+            <a:r>
+              <a:rPr/>
+              <a:t> </a:t>
+            </a:r>
+            <a:r>
+              <a:rPr/>
+              <a:t>work.</a:t>
+            </a:r>
+            <a:r>
+              <a:rPr/>
+              <a:t> </a:t>
+            </a:r>
+            <a:r>
+              <a:rPr/>
+              <a:t>It</a:t>
+            </a:r>
+            <a:r>
+              <a:rPr/>
+              <a:t> </a:t>
+            </a:r>
+            <a:r>
+              <a:rPr/>
+              <a:t>will</a:t>
+            </a:r>
+            <a:r>
+              <a:rPr/>
+              <a:t> </a:t>
+            </a:r>
+            <a:r>
+              <a:rPr/>
+              <a:t>help</a:t>
+            </a:r>
+            <a:r>
+              <a:rPr/>
+              <a:t> </a:t>
+            </a:r>
+            <a:r>
+              <a:rPr/>
+              <a:t>you</a:t>
+            </a:r>
+            <a:r>
+              <a:rPr/>
+              <a:t> </a:t>
+            </a:r>
+            <a:r>
+              <a:rPr/>
+              <a:t>get</a:t>
+            </a:r>
+            <a:r>
+              <a:rPr/>
+              <a:t> </a:t>
+            </a:r>
+            <a:r>
+              <a:rPr/>
+              <a:t>your</a:t>
+            </a:r>
+            <a:r>
+              <a:rPr/>
+              <a:t> </a:t>
+            </a:r>
+            <a:r>
+              <a:rPr/>
+              <a:t>scholarship</a:t>
+            </a:r>
+            <a:r>
+              <a:rPr/>
+              <a:t> </a:t>
+            </a:r>
+            <a:r>
+              <a:rPr/>
+              <a:t>taken</a:t>
+            </a:r>
+            <a:r>
+              <a:rPr/>
+              <a:t> </a:t>
+            </a:r>
+            <a:r>
+              <a:rPr/>
+              <a:t>more</a:t>
+            </a:r>
+            <a:r>
+              <a:rPr/>
+              <a:t> </a:t>
+            </a:r>
+            <a:r>
+              <a:rPr/>
+              <a:t>seriously.</a:t>
+            </a:r>
+            <a:r>
+              <a:rPr/>
+              <a:t> </a:t>
+            </a:r>
+            <a:r>
+              <a:rPr/>
+              <a:t>It</a:t>
+            </a:r>
+            <a:r>
+              <a:rPr/>
+              <a:t> </a:t>
+            </a:r>
+            <a:r>
+              <a:rPr/>
+              <a:t>is</a:t>
+            </a:r>
+            <a:r>
+              <a:rPr/>
+              <a:t> </a:t>
+            </a:r>
+            <a:r>
+              <a:rPr/>
+              <a:t>well</a:t>
+            </a:r>
+            <a:r>
+              <a:rPr/>
+              <a:t> </a:t>
+            </a:r>
+            <a:r>
+              <a:rPr/>
+              <a:t>worth</a:t>
+            </a:r>
+            <a:r>
+              <a:rPr/>
+              <a:t> </a:t>
+            </a:r>
+            <a:r>
+              <a:rPr/>
+              <a:t>the</a:t>
+            </a:r>
+            <a:r>
+              <a:rPr/>
+              <a:t> </a:t>
+            </a:r>
+            <a:r>
+              <a:rPr/>
+              <a:t>effort.</a:t>
+            </a:r>
+          </a:p>
+          <a:p>
+            <a:pPr lvl="0" marL="0" indent="0">
+              <a:buNone/>
+            </a:pPr>
+          </a:p>
+          <a:p>
+            <a:pPr lvl="0" marL="0" indent="0">
+              <a:buNone/>
+            </a:pPr>
+            <a:r>
+              <a:rPr/>
+              <a:t>But</a:t>
+            </a:r>
+            <a:r>
+              <a:rPr/>
+              <a:t> </a:t>
+            </a:r>
+            <a:r>
+              <a:rPr/>
+              <a:t>why,</a:t>
+            </a:r>
+            <a:r>
+              <a:rPr/>
+              <a:t> </a:t>
+            </a:r>
+            <a:r>
+              <a:rPr/>
+              <a:t>do</a:t>
+            </a:r>
+            <a:r>
+              <a:rPr/>
+              <a:t> </a:t>
+            </a:r>
+            <a:r>
+              <a:rPr/>
+              <a:t>you</a:t>
+            </a:r>
+            <a:r>
+              <a:rPr/>
+              <a:t> </a:t>
+            </a:r>
+            <a:r>
+              <a:rPr/>
+              <a:t>ask,</a:t>
+            </a:r>
+            <a:r>
+              <a:rPr/>
+              <a:t> </a:t>
+            </a:r>
+            <a:r>
+              <a:rPr/>
+              <a:t>can’t</a:t>
+            </a:r>
+            <a:r>
+              <a:rPr/>
+              <a:t> </a:t>
+            </a:r>
+            <a:r>
+              <a:rPr/>
+              <a:t>I</a:t>
+            </a:r>
+            <a:r>
+              <a:rPr/>
+              <a:t> </a:t>
+            </a:r>
+            <a:r>
+              <a:rPr/>
+              <a:t>just</a:t>
+            </a:r>
+            <a:r>
+              <a:rPr/>
+              <a:t> </a:t>
+            </a:r>
+            <a:r>
+              <a:rPr/>
+              <a:t>be</a:t>
+            </a:r>
+            <a:r>
+              <a:rPr/>
+              <a:t> </a:t>
+            </a:r>
+            <a:r>
+              <a:rPr/>
+              <a:t>marching</a:t>
+            </a:r>
+            <a:r>
+              <a:rPr/>
+              <a:t> </a:t>
+            </a:r>
+            <a:r>
+              <a:rPr/>
+              <a:t>to</a:t>
+            </a:r>
+            <a:r>
+              <a:rPr/>
+              <a:t> </a:t>
+            </a:r>
+            <a:r>
+              <a:rPr/>
+              <a:t>a</a:t>
+            </a:r>
+            <a:r>
+              <a:rPr/>
+              <a:t> </a:t>
+            </a:r>
+            <a:r>
+              <a:rPr/>
+              <a:t>different</a:t>
+            </a:r>
+            <a:r>
+              <a:rPr/>
+              <a:t> </a:t>
+            </a:r>
+            <a:r>
+              <a:rPr/>
+              <a:t>drummer.</a:t>
+            </a:r>
+            <a:r>
+              <a:rPr/>
+              <a:t> </a:t>
+            </a:r>
+            <a:r>
+              <a:rPr/>
+              <a:t>In</a:t>
+            </a:r>
+            <a:r>
+              <a:rPr/>
+              <a:t> </a:t>
+            </a:r>
+            <a:r>
+              <a:rPr/>
+              <a:t>some</a:t>
+            </a:r>
+            <a:r>
+              <a:rPr/>
+              <a:t> </a:t>
+            </a:r>
+            <a:r>
+              <a:rPr/>
+              <a:t>settings</a:t>
+            </a:r>
+            <a:r>
+              <a:rPr/>
+              <a:t> </a:t>
+            </a:r>
+            <a:r>
+              <a:rPr/>
+              <a:t>that</a:t>
+            </a:r>
+            <a:r>
+              <a:rPr/>
+              <a:t> </a:t>
+            </a:r>
+            <a:r>
+              <a:rPr/>
+              <a:t>is</a:t>
+            </a:r>
+            <a:r>
+              <a:rPr/>
+              <a:t> </a:t>
+            </a:r>
+            <a:r>
+              <a:rPr/>
+              <a:t>fine.</a:t>
+            </a:r>
+            <a:r>
+              <a:rPr/>
+              <a:t> </a:t>
+            </a:r>
+            <a:r>
+              <a:rPr/>
+              <a:t>On</a:t>
+            </a:r>
+            <a:r>
+              <a:rPr/>
+              <a:t> </a:t>
+            </a:r>
+            <a:r>
+              <a:rPr/>
+              <a:t>my</a:t>
+            </a:r>
+            <a:r>
+              <a:rPr/>
+              <a:t> </a:t>
+            </a:r>
+            <a:r>
+              <a:rPr/>
+              <a:t>website,</a:t>
+            </a:r>
+            <a:r>
+              <a:rPr/>
+              <a:t> </a:t>
+            </a:r>
+            <a:r>
+              <a:rPr/>
+              <a:t>I</a:t>
+            </a:r>
+            <a:r>
+              <a:rPr/>
+              <a:t> </a:t>
+            </a:r>
+            <a:r>
+              <a:rPr/>
+              <a:t>can</a:t>
+            </a:r>
+            <a:r>
+              <a:rPr/>
+              <a:t> </a:t>
+            </a:r>
+            <a:r>
+              <a:rPr/>
+              <a:t>choose</a:t>
+            </a:r>
+            <a:r>
+              <a:rPr/>
+              <a:t> </a:t>
+            </a:r>
+            <a:r>
+              <a:rPr/>
+              <a:t>whatever</a:t>
+            </a:r>
+            <a:r>
+              <a:rPr/>
+              <a:t> </a:t>
+            </a:r>
+            <a:r>
+              <a:rPr/>
+              <a:t>style</a:t>
+            </a:r>
+            <a:r>
+              <a:rPr/>
+              <a:t> </a:t>
+            </a:r>
+            <a:r>
+              <a:rPr/>
+              <a:t>I</a:t>
+            </a:r>
+            <a:r>
+              <a:rPr/>
+              <a:t> </a:t>
+            </a:r>
+            <a:r>
+              <a:rPr/>
+              <a:t>want.</a:t>
+            </a:r>
+            <a:r>
+              <a:rPr/>
+              <a:t> </a:t>
+            </a:r>
+            <a:r>
+              <a:rPr/>
+              <a:t>I</a:t>
+            </a:r>
+            <a:r>
+              <a:rPr/>
+              <a:t> </a:t>
+            </a:r>
+            <a:r>
+              <a:rPr/>
+              <a:t>am</a:t>
+            </a:r>
+            <a:r>
+              <a:rPr/>
+              <a:t> </a:t>
+            </a:r>
+            <a:r>
+              <a:rPr/>
+              <a:t>the</a:t>
+            </a:r>
+            <a:r>
+              <a:rPr/>
+              <a:t> </a:t>
+            </a:r>
+            <a:r>
+              <a:rPr/>
+              <a:t>judge</a:t>
+            </a:r>
+            <a:r>
+              <a:rPr/>
+              <a:t> </a:t>
+            </a:r>
+            <a:r>
+              <a:rPr/>
+              <a:t>and</a:t>
+            </a:r>
+            <a:r>
+              <a:rPr/>
+              <a:t> </a:t>
+            </a:r>
+            <a:r>
+              <a:rPr/>
+              <a:t>the</a:t>
+            </a:r>
+            <a:r>
+              <a:rPr/>
+              <a:t> </a:t>
+            </a:r>
+            <a:r>
+              <a:rPr/>
+              <a:t>jury.</a:t>
+            </a:r>
+          </a:p>
+          <a:p>
+            <a:pPr lvl="0" marL="0" indent="0">
+              <a:buNone/>
+            </a:pPr>
+          </a:p>
+          <a:p>
+            <a:pPr lvl="0" marL="0" indent="0">
+              <a:buNone/>
+            </a:pPr>
+            <a:r>
+              <a:rPr/>
+              <a:t>That’s</a:t>
+            </a:r>
+            <a:r>
+              <a:rPr/>
+              <a:t> </a:t>
+            </a:r>
+            <a:r>
+              <a:rPr/>
+              <a:t>also</a:t>
+            </a:r>
+            <a:r>
+              <a:rPr/>
+              <a:t> </a:t>
+            </a:r>
+            <a:r>
+              <a:rPr/>
+              <a:t>true</a:t>
+            </a:r>
+            <a:r>
+              <a:rPr/>
+              <a:t> </a:t>
+            </a:r>
+            <a:r>
+              <a:rPr/>
+              <a:t>in</a:t>
+            </a:r>
+            <a:r>
+              <a:rPr/>
+              <a:t> </a:t>
+            </a:r>
+            <a:r>
+              <a:rPr/>
+              <a:t>my</a:t>
+            </a:r>
+            <a:r>
+              <a:rPr/>
+              <a:t> </a:t>
+            </a:r>
+            <a:r>
+              <a:rPr/>
+              <a:t>classroom,</a:t>
+            </a:r>
+            <a:r>
+              <a:rPr/>
+              <a:t> </a:t>
+            </a:r>
+            <a:r>
+              <a:rPr/>
+              <a:t>though</a:t>
+            </a:r>
+            <a:r>
+              <a:rPr/>
+              <a:t> </a:t>
+            </a:r>
+            <a:r>
+              <a:rPr/>
+              <a:t>I</a:t>
+            </a:r>
+            <a:r>
+              <a:rPr/>
+              <a:t> </a:t>
+            </a:r>
+            <a:r>
+              <a:rPr/>
+              <a:t>really</a:t>
+            </a:r>
+            <a:r>
+              <a:rPr/>
+              <a:t> </a:t>
+            </a:r>
+            <a:r>
+              <a:rPr/>
+              <a:t>should</a:t>
+            </a:r>
+            <a:r>
+              <a:rPr/>
+              <a:t> </a:t>
+            </a:r>
+            <a:r>
+              <a:rPr/>
+              <a:t>be</a:t>
+            </a:r>
+            <a:r>
+              <a:rPr/>
+              <a:t> </a:t>
+            </a:r>
+            <a:r>
+              <a:rPr/>
+              <a:t>more</a:t>
+            </a:r>
+            <a:r>
+              <a:rPr/>
+              <a:t> </a:t>
+            </a:r>
+            <a:r>
+              <a:rPr/>
+              <a:t>respectful</a:t>
+            </a:r>
+            <a:r>
+              <a:rPr/>
+              <a:t> </a:t>
+            </a:r>
+            <a:r>
+              <a:rPr/>
+              <a:t>of</a:t>
+            </a:r>
+            <a:r>
+              <a:rPr/>
+              <a:t> </a:t>
+            </a:r>
+            <a:r>
+              <a:rPr/>
+              <a:t>standards</a:t>
+            </a:r>
+            <a:r>
+              <a:rPr/>
+              <a:t> </a:t>
+            </a:r>
+            <a:r>
+              <a:rPr/>
+              <a:t>here,</a:t>
+            </a:r>
+            <a:r>
+              <a:rPr/>
+              <a:t> </a:t>
+            </a:r>
+            <a:r>
+              <a:rPr/>
+              <a:t>as</a:t>
+            </a:r>
+            <a:r>
+              <a:rPr/>
+              <a:t> </a:t>
+            </a:r>
+            <a:r>
+              <a:rPr/>
+              <a:t>I</a:t>
+            </a:r>
+            <a:r>
+              <a:rPr/>
+              <a:t> </a:t>
+            </a:r>
+            <a:r>
+              <a:rPr/>
+              <a:t>am</a:t>
+            </a:r>
+            <a:r>
+              <a:rPr/>
+              <a:t> </a:t>
+            </a:r>
+            <a:r>
+              <a:rPr/>
+              <a:t>setting</a:t>
+            </a:r>
+            <a:r>
+              <a:rPr/>
+              <a:t> </a:t>
+            </a:r>
+            <a:r>
+              <a:rPr/>
+              <a:t>a</a:t>
+            </a:r>
+            <a:r>
+              <a:rPr/>
+              <a:t> </a:t>
+            </a:r>
+            <a:r>
+              <a:rPr/>
+              <a:t>bad</a:t>
+            </a:r>
+            <a:r>
+              <a:rPr/>
+              <a:t> </a:t>
+            </a:r>
+            <a:r>
+              <a:rPr/>
+              <a:t>example</a:t>
+            </a:r>
+            <a:r>
+              <a:rPr/>
+              <a:t> </a:t>
+            </a:r>
+            <a:r>
+              <a:rPr/>
+              <a:t>at</a:t>
+            </a:r>
+            <a:r>
+              <a:rPr/>
+              <a:t> </a:t>
+            </a:r>
+            <a:r>
+              <a:rPr/>
+              <a:t>times.</a:t>
+            </a:r>
+            <a:r>
+              <a:rPr/>
+              <a:t> </a:t>
+            </a:r>
+            <a:r>
+              <a:rPr/>
+              <a:t>My</a:t>
+            </a:r>
+            <a:r>
+              <a:rPr/>
+              <a:t> </a:t>
+            </a:r>
+            <a:r>
+              <a:rPr/>
+              <a:t>only</a:t>
+            </a:r>
+            <a:r>
+              <a:rPr/>
+              <a:t> </a:t>
+            </a:r>
+            <a:r>
+              <a:rPr/>
+              <a:t>defense</a:t>
+            </a:r>
+            <a:r>
+              <a:rPr/>
+              <a:t> </a:t>
+            </a:r>
+            <a:r>
+              <a:rPr/>
+              <a:t>is</a:t>
+            </a:r>
+            <a:r>
+              <a:rPr/>
+              <a:t> </a:t>
+            </a:r>
+            <a:r>
+              <a:rPr/>
+              <a:t>that</a:t>
+            </a:r>
+            <a:r>
+              <a:rPr/>
+              <a:t> </a:t>
+            </a:r>
+            <a:r>
+              <a:rPr/>
+              <a:t>my</a:t>
+            </a:r>
+            <a:r>
+              <a:rPr/>
+              <a:t> </a:t>
+            </a:r>
+            <a:r>
+              <a:rPr/>
+              <a:t>lectures</a:t>
+            </a:r>
+            <a:r>
+              <a:rPr/>
+              <a:t> </a:t>
+            </a:r>
+            <a:r>
+              <a:rPr/>
+              <a:t>are</a:t>
+            </a:r>
+            <a:r>
+              <a:rPr/>
+              <a:t> </a:t>
+            </a:r>
+            <a:r>
+              <a:rPr/>
+              <a:t>an</a:t>
+            </a:r>
+            <a:r>
+              <a:rPr/>
+              <a:t> </a:t>
+            </a:r>
+            <a:r>
+              <a:rPr/>
+              <a:t>evolving</a:t>
+            </a:r>
+            <a:r>
+              <a:rPr/>
+              <a:t> </a:t>
+            </a:r>
+            <a:r>
+              <a:rPr/>
+              <a:t>standard.</a:t>
+            </a:r>
+          </a:p>
+          <a:p>
+            <a:pPr lvl="0" marL="0" indent="0">
+              <a:buNone/>
+            </a:pPr>
+          </a:p>
+          <a:p>
+            <a:pPr lvl="0" marL="0" indent="0">
+              <a:buNone/>
+            </a:pPr>
+            <a:r>
+              <a:rPr/>
+              <a:t>But</a:t>
+            </a:r>
+            <a:r>
+              <a:rPr/>
+              <a:t> </a:t>
+            </a:r>
+            <a:r>
+              <a:rPr/>
+              <a:t>you</a:t>
+            </a:r>
+            <a:r>
+              <a:rPr/>
+              <a:t> </a:t>
+            </a:r>
+            <a:r>
+              <a:rPr/>
+              <a:t>are</a:t>
+            </a:r>
+            <a:r>
+              <a:rPr/>
+              <a:t> </a:t>
+            </a:r>
+            <a:r>
+              <a:rPr/>
+              <a:t>not</a:t>
+            </a:r>
+            <a:r>
+              <a:rPr/>
+              <a:t> </a:t>
+            </a:r>
+            <a:r>
+              <a:rPr/>
+              <a:t>the</a:t>
+            </a:r>
+            <a:r>
+              <a:rPr/>
+              <a:t> </a:t>
+            </a:r>
+            <a:r>
+              <a:rPr/>
+              <a:t>judge</a:t>
+            </a:r>
+            <a:r>
+              <a:rPr/>
+              <a:t> </a:t>
+            </a:r>
+            <a:r>
+              <a:rPr/>
+              <a:t>and</a:t>
+            </a:r>
+            <a:r>
+              <a:rPr/>
+              <a:t> </a:t>
+            </a:r>
+            <a:r>
+              <a:rPr/>
+              <a:t>jury</a:t>
+            </a:r>
+            <a:r>
+              <a:rPr/>
+              <a:t> </a:t>
+            </a:r>
+            <a:r>
+              <a:rPr/>
+              <a:t>in</a:t>
+            </a:r>
+            <a:r>
+              <a:rPr/>
+              <a:t> </a:t>
+            </a:r>
+            <a:r>
+              <a:rPr/>
+              <a:t>a</a:t>
+            </a:r>
+            <a:r>
+              <a:rPr/>
+              <a:t> </a:t>
+            </a:r>
+            <a:r>
+              <a:rPr/>
+              <a:t>thesis.</a:t>
+            </a:r>
+            <a:r>
+              <a:rPr/>
+              <a:t> </a:t>
+            </a:r>
+            <a:r>
+              <a:rPr/>
+              <a:t>This</a:t>
+            </a:r>
+            <a:r>
+              <a:rPr/>
+              <a:t> </a:t>
+            </a:r>
+            <a:r>
+              <a:rPr/>
+              <a:t>also</a:t>
+            </a:r>
+            <a:r>
+              <a:rPr/>
+              <a:t> </a:t>
+            </a:r>
+            <a:r>
+              <a:rPr/>
+              <a:t>carries</a:t>
+            </a:r>
+            <a:r>
+              <a:rPr/>
+              <a:t> </a:t>
+            </a:r>
+            <a:r>
+              <a:rPr/>
+              <a:t>over</a:t>
+            </a:r>
+            <a:r>
+              <a:rPr/>
+              <a:t> </a:t>
+            </a:r>
+            <a:r>
+              <a:rPr/>
+              <a:t>to</a:t>
+            </a:r>
+            <a:r>
+              <a:rPr/>
+              <a:t> </a:t>
+            </a:r>
+            <a:r>
+              <a:rPr/>
+              <a:t>pretty</a:t>
+            </a:r>
+            <a:r>
+              <a:rPr/>
+              <a:t> </a:t>
+            </a:r>
+            <a:r>
+              <a:rPr/>
+              <a:t>much</a:t>
+            </a:r>
+            <a:r>
+              <a:rPr/>
+              <a:t> </a:t>
+            </a:r>
+            <a:r>
+              <a:rPr/>
+              <a:t>any</a:t>
+            </a:r>
+            <a:r>
+              <a:rPr/>
+              <a:t> </a:t>
+            </a:r>
+            <a:r>
+              <a:rPr/>
+              <a:t>research</a:t>
+            </a:r>
+            <a:r>
+              <a:rPr/>
+              <a:t> </a:t>
+            </a:r>
+            <a:r>
+              <a:rPr/>
+              <a:t>publication</a:t>
+            </a:r>
+            <a:r>
+              <a:rPr/>
+              <a:t> </a:t>
+            </a:r>
+            <a:r>
+              <a:rPr/>
+              <a:t>that</a:t>
+            </a:r>
+            <a:r>
+              <a:rPr/>
+              <a:t> </a:t>
+            </a:r>
+            <a:r>
+              <a:rPr/>
+              <a:t>you</a:t>
+            </a:r>
+            <a:r>
+              <a:rPr/>
+              <a:t> </a:t>
+            </a:r>
+            <a:r>
+              <a:rPr/>
+              <a:t>send</a:t>
+            </a:r>
+            <a:r>
+              <a:rPr/>
+              <a:t> </a:t>
+            </a:r>
+            <a:r>
+              <a:rPr/>
+              <a:t>you</a:t>
+            </a:r>
+            <a:r>
+              <a:rPr/>
+              <a:t> </a:t>
+            </a:r>
+            <a:r>
+              <a:rPr/>
+              <a:t>thesis</a:t>
+            </a:r>
+            <a:r>
+              <a:rPr/>
+              <a:t> </a:t>
+            </a:r>
+            <a:r>
+              <a:rPr/>
+              <a:t>work</a:t>
+            </a:r>
+            <a:r>
+              <a:rPr/>
+              <a:t> </a:t>
+            </a:r>
+            <a:r>
+              <a:rPr/>
+              <a:t>to.</a:t>
+            </a:r>
+          </a:p>
+        </p:txBody>
+      </p:sp>
+      <p:sp>
+        <p:nvSpPr>
+          <p:cNvPr id="4" name="Slide Number Placeholder 3"/>
+          <p:cNvSpPr>
+            <a:spLocks noGrp="1"/>
+          </p:cNvSpPr>
+          <p:nvPr>
+            <p:ph type="sldNum" sz="quarter" idx="10"/>
+          </p:nvPr>
+        </p:nvSpPr>
+        <p:spPr/>
+        <p:txBody>
+          <a:bodyPr/>
+          <a:lstStyle/>
+          <a:p>
+            <a:fld id="{18BDFEC3-8487-43E8-A154-7C12CBC1FFF2}" type="slidenum">
+              <a:rPr lang="en-US"/>
+              <a:t>31</a:t>
             </a:fld>
             <a:endParaRPr lang="en-US"/>
           </a:p>
@@ -12779,6 +19092,107 @@
 </p:sld>
 </file>
 
+<file path=ppt/slides/slide19.xml><?xml version="1.0" encoding="utf-8"?>
+<p:sld xmlns:a="http://schemas.openxmlformats.org/drawingml/2006/main" xmlns:r="http://schemas.openxmlformats.org/officeDocument/2006/relationships" xmlns:p="http://schemas.openxmlformats.org/presentationml/2006/main">
+  <p:cSld>
+    <p:spTree>
+      <p:nvGrpSpPr>
+        <p:cNvPr id="1" name=""/>
+        <p:cNvGrpSpPr/>
+        <p:nvPr/>
+      </p:nvGrpSpPr>
+      <p:grpSpPr>
+        <a:xfrm>
+          <a:off x="0" y="0"/>
+          <a:ext cx="0" cy="0"/>
+          <a:chOff x="0" y="0"/>
+          <a:chExt cx="0" cy="0"/>
+        </a:xfrm>
+      </p:grpSpPr>
+      <p:sp>
+        <p:nvSpPr>
+          <p:cNvPr id="2" name="Title 1"/>
+          <p:cNvSpPr>
+            <a:spLocks noGrp="1"/>
+          </p:cNvSpPr>
+          <p:nvPr>
+            <p:ph type="title"/>
+          </p:nvPr>
+        </p:nvSpPr>
+        <p:spPr/>
+        <p:txBody>
+          <a:bodyPr/>
+          <a:lstStyle/>
+          <a:p>
+            <a:pPr lvl="0" marL="0" indent="0">
+              <a:buNone/>
+            </a:pPr>
+            <a:r>
+              <a:rPr/>
+              <a:t>Section</a:t>
+            </a:r>
+            <a:r>
+              <a:rPr/>
+              <a:t> </a:t>
+            </a:r>
+            <a:r>
+              <a:rPr/>
+              <a:t>heads</a:t>
+            </a:r>
+            <a:r>
+              <a:rPr/>
+              <a:t> </a:t>
+            </a:r>
+            <a:r>
+              <a:rPr/>
+              <a:t>and</a:t>
+            </a:r>
+            <a:r>
+              <a:rPr/>
+              <a:t> </a:t>
+            </a:r>
+            <a:r>
+              <a:rPr/>
+              <a:t>subheads</a:t>
+            </a:r>
+          </a:p>
+        </p:txBody>
+      </p:sp>
+      <p:pic>
+        <p:nvPicPr>
+          <p:cNvPr descr="../images/07/heads-and-subheads-1.png" id="0" name="Picture 1"/>
+          <p:cNvPicPr>
+            <a:picLocks noGrp="1" noChangeAspect="1"/>
+          </p:cNvPicPr>
+          <p:nvPr/>
+        </p:nvPicPr>
+        <p:blipFill>
+          <a:blip r:embed="rId3"/>
+          <a:stretch>
+            <a:fillRect/>
+          </a:stretch>
+        </p:blipFill>
+        <p:spPr bwMode="auto">
+          <a:xfrm>
+            <a:off x="457200" y="2667000"/>
+            <a:ext cx="8229600" cy="2387600"/>
+          </a:xfrm>
+          <a:prstGeom prst="rect">
+            <a:avLst/>
+          </a:prstGeom>
+          <a:noFill/>
+          <a:ln w="9525">
+            <a:noFill/>
+            <a:headEnd/>
+            <a:tailEnd/>
+          </a:ln>
+        </p:spPr>
+      </p:pic>
+    </p:spTree>
+  </p:cSld>
+</p:sld>
+</file>
+
 <file path=ppt/slides/slide2.xml><?xml version="1.0" encoding="utf-8"?>
 <p:sld xmlns:a="http://schemas.openxmlformats.org/drawingml/2006/main" xmlns:r="http://schemas.openxmlformats.org/officeDocument/2006/relationships" xmlns:p="http://schemas.openxmlformats.org/presentationml/2006/main">
   <p:cSld>
@@ -12863,6 +19277,852 @@
           </a:p>
         </p:txBody>
       </p:sp>
+    </p:spTree>
+  </p:cSld>
+</p:sld>
+</file>
+
+<file path=ppt/slides/slide20.xml><?xml version="1.0" encoding="utf-8"?>
+<p:sld xmlns:a="http://schemas.openxmlformats.org/drawingml/2006/main" xmlns:r="http://schemas.openxmlformats.org/officeDocument/2006/relationships" xmlns:p="http://schemas.openxmlformats.org/presentationml/2006/main">
+  <p:cSld>
+    <p:spTree>
+      <p:nvGrpSpPr>
+        <p:cNvPr id="1" name=""/>
+        <p:cNvGrpSpPr/>
+        <p:nvPr/>
+      </p:nvGrpSpPr>
+      <p:grpSpPr>
+        <a:xfrm>
+          <a:off x="0" y="0"/>
+          <a:ext cx="0" cy="0"/>
+          <a:chOff x="0" y="0"/>
+          <a:chExt cx="0" cy="0"/>
+        </a:xfrm>
+      </p:grpSpPr>
+      <p:sp>
+        <p:nvSpPr>
+          <p:cNvPr id="2" name="Title 1"/>
+          <p:cNvSpPr>
+            <a:spLocks noGrp="1"/>
+          </p:cNvSpPr>
+          <p:nvPr>
+            <p:ph type="title"/>
+          </p:nvPr>
+        </p:nvSpPr>
+        <p:spPr/>
+        <p:txBody>
+          <a:bodyPr/>
+          <a:lstStyle/>
+          <a:p>
+            <a:pPr lvl="0" marL="0" indent="0">
+              <a:buNone/>
+            </a:pPr>
+            <a:r>
+              <a:rPr/>
+              <a:t>Section</a:t>
+            </a:r>
+            <a:r>
+              <a:rPr/>
+              <a:t> </a:t>
+            </a:r>
+            <a:r>
+              <a:rPr/>
+              <a:t>heads</a:t>
+            </a:r>
+            <a:r>
+              <a:rPr/>
+              <a:t> </a:t>
+            </a:r>
+            <a:r>
+              <a:rPr/>
+              <a:t>and</a:t>
+            </a:r>
+            <a:r>
+              <a:rPr/>
+              <a:t> </a:t>
+            </a:r>
+            <a:r>
+              <a:rPr/>
+              <a:t>subheads</a:t>
+            </a:r>
+          </a:p>
+        </p:txBody>
+      </p:sp>
+      <p:pic>
+        <p:nvPicPr>
+          <p:cNvPr descr="../images/07/heads-and-subheads-4.png" id="0" name="Picture 1"/>
+          <p:cNvPicPr>
+            <a:picLocks noGrp="1" noChangeAspect="1"/>
+          </p:cNvPicPr>
+          <p:nvPr/>
+        </p:nvPicPr>
+        <p:blipFill>
+          <a:blip r:embed="rId3"/>
+          <a:stretch>
+            <a:fillRect/>
+          </a:stretch>
+        </p:blipFill>
+        <p:spPr bwMode="auto">
+          <a:xfrm>
+            <a:off x="457200" y="2971800"/>
+            <a:ext cx="8229600" cy="1778000"/>
+          </a:xfrm>
+          <a:prstGeom prst="rect">
+            <a:avLst/>
+          </a:prstGeom>
+          <a:noFill/>
+          <a:ln w="9525">
+            <a:noFill/>
+            <a:headEnd/>
+            <a:tailEnd/>
+          </a:ln>
+        </p:spPr>
+      </p:pic>
+    </p:spTree>
+  </p:cSld>
+</p:sld>
+</file>
+
+<file path=ppt/slides/slide21.xml><?xml version="1.0" encoding="utf-8"?>
+<p:sld xmlns:a="http://schemas.openxmlformats.org/drawingml/2006/main" xmlns:r="http://schemas.openxmlformats.org/officeDocument/2006/relationships" xmlns:p="http://schemas.openxmlformats.org/presentationml/2006/main">
+  <p:cSld>
+    <p:spTree>
+      <p:nvGrpSpPr>
+        <p:cNvPr id="1" name=""/>
+        <p:cNvGrpSpPr/>
+        <p:nvPr/>
+      </p:nvGrpSpPr>
+      <p:grpSpPr>
+        <a:xfrm>
+          <a:off x="0" y="0"/>
+          <a:ext cx="0" cy="0"/>
+          <a:chOff x="0" y="0"/>
+          <a:chExt cx="0" cy="0"/>
+        </a:xfrm>
+      </p:grpSpPr>
+      <p:sp>
+        <p:nvSpPr>
+          <p:cNvPr id="2" name="Title 1"/>
+          <p:cNvSpPr>
+            <a:spLocks noGrp="1"/>
+          </p:cNvSpPr>
+          <p:nvPr>
+            <p:ph type="title"/>
+          </p:nvPr>
+        </p:nvSpPr>
+        <p:spPr/>
+        <p:txBody>
+          <a:bodyPr/>
+          <a:lstStyle/>
+          <a:p>
+            <a:pPr lvl="0" marL="0" indent="0">
+              <a:buNone/>
+            </a:pPr>
+            <a:r>
+              <a:rPr/>
+              <a:t>Section</a:t>
+            </a:r>
+            <a:r>
+              <a:rPr/>
+              <a:t> </a:t>
+            </a:r>
+            <a:r>
+              <a:rPr/>
+              <a:t>heads</a:t>
+            </a:r>
+            <a:r>
+              <a:rPr/>
+              <a:t> </a:t>
+            </a:r>
+            <a:r>
+              <a:rPr/>
+              <a:t>and</a:t>
+            </a:r>
+            <a:r>
+              <a:rPr/>
+              <a:t> </a:t>
+            </a:r>
+            <a:r>
+              <a:rPr/>
+              <a:t>subheads</a:t>
+            </a:r>
+          </a:p>
+        </p:txBody>
+      </p:sp>
+      <p:pic>
+        <p:nvPicPr>
+          <p:cNvPr descr="../images/07/heads-and-subheads-2.png" id="0" name="Picture 1"/>
+          <p:cNvPicPr>
+            <a:picLocks noGrp="1" noChangeAspect="1"/>
+          </p:cNvPicPr>
+          <p:nvPr/>
+        </p:nvPicPr>
+        <p:blipFill>
+          <a:blip r:embed="rId3"/>
+          <a:stretch>
+            <a:fillRect/>
+          </a:stretch>
+        </p:blipFill>
+        <p:spPr bwMode="auto">
+          <a:xfrm>
+            <a:off x="457200" y="2908300"/>
+            <a:ext cx="8229600" cy="1905000"/>
+          </a:xfrm>
+          <a:prstGeom prst="rect">
+            <a:avLst/>
+          </a:prstGeom>
+          <a:noFill/>
+          <a:ln w="9525">
+            <a:noFill/>
+            <a:headEnd/>
+            <a:tailEnd/>
+          </a:ln>
+        </p:spPr>
+      </p:pic>
+    </p:spTree>
+  </p:cSld>
+</p:sld>
+</file>
+
+<file path=ppt/slides/slide22.xml><?xml version="1.0" encoding="utf-8"?>
+<p:sld xmlns:a="http://schemas.openxmlformats.org/drawingml/2006/main" xmlns:r="http://schemas.openxmlformats.org/officeDocument/2006/relationships" xmlns:p="http://schemas.openxmlformats.org/presentationml/2006/main">
+  <p:cSld>
+    <p:spTree>
+      <p:nvGrpSpPr>
+        <p:cNvPr id="1" name=""/>
+        <p:cNvGrpSpPr/>
+        <p:nvPr/>
+      </p:nvGrpSpPr>
+      <p:grpSpPr>
+        <a:xfrm>
+          <a:off x="0" y="0"/>
+          <a:ext cx="0" cy="0"/>
+          <a:chOff x="0" y="0"/>
+          <a:chExt cx="0" cy="0"/>
+        </a:xfrm>
+      </p:grpSpPr>
+      <p:sp>
+        <p:nvSpPr>
+          <p:cNvPr id="2" name="Title 1"/>
+          <p:cNvSpPr>
+            <a:spLocks noGrp="1"/>
+          </p:cNvSpPr>
+          <p:nvPr>
+            <p:ph type="title"/>
+          </p:nvPr>
+        </p:nvSpPr>
+        <p:spPr/>
+        <p:txBody>
+          <a:bodyPr/>
+          <a:lstStyle/>
+          <a:p>
+            <a:pPr lvl="0" marL="0" indent="0">
+              <a:buNone/>
+            </a:pPr>
+            <a:r>
+              <a:rPr/>
+              <a:t>References</a:t>
+            </a:r>
+          </a:p>
+        </p:txBody>
+      </p:sp>
+      <p:sp>
+        <p:nvSpPr>
+          <p:cNvPr id="3" name="Content Placeholder 2"/>
+          <p:cNvSpPr>
+            <a:spLocks noGrp="1"/>
+          </p:cNvSpPr>
+          <p:nvPr>
+            <p:ph idx="1"/>
+          </p:nvPr>
+        </p:nvSpPr>
+        <p:spPr/>
+        <p:txBody>
+          <a:bodyPr/>
+          <a:lstStyle/>
+          <a:p>
+            <a:pPr lvl="1"/>
+            <a:r>
+              <a:rPr/>
+              <a:t>Use any style, but be consistent!</a:t>
+            </a:r>
+          </a:p>
+          <a:p>
+            <a:pPr lvl="1"/>
+            <a:r>
+              <a:rPr/>
+              <a:t>Common inconsistencies</a:t>
+            </a:r>
+          </a:p>
+          <a:p>
+            <a:pPr lvl="2"/>
+            <a:r>
+              <a:rPr/>
+              <a:t>Journal abbreviations</a:t>
+            </a:r>
+          </a:p>
+          <a:p>
+            <a:pPr lvl="2"/>
+            <a:r>
+              <a:rPr/>
+              <a:t>Use of “et al”</a:t>
+            </a:r>
+          </a:p>
+          <a:p>
+            <a:pPr lvl="2"/>
+            <a:r>
+              <a:rPr/>
+              <a:t>Placement of year</a:t>
+            </a:r>
+          </a:p>
+          <a:p>
+            <a:pPr lvl="2"/>
+            <a:r>
+              <a:rPr/>
+              <a:t>Unneeded elements</a:t>
+            </a:r>
+          </a:p>
+        </p:txBody>
+      </p:sp>
+    </p:spTree>
+  </p:cSld>
+</p:sld>
+</file>
+
+<file path=ppt/slides/slide23.xml><?xml version="1.0" encoding="utf-8"?>
+<p:sld xmlns:a="http://schemas.openxmlformats.org/drawingml/2006/main" xmlns:r="http://schemas.openxmlformats.org/officeDocument/2006/relationships" xmlns:p="http://schemas.openxmlformats.org/presentationml/2006/main">
+  <p:cSld>
+    <p:spTree>
+      <p:nvGrpSpPr>
+        <p:cNvPr id="1" name=""/>
+        <p:cNvGrpSpPr/>
+        <p:nvPr/>
+      </p:nvGrpSpPr>
+      <p:grpSpPr>
+        <a:xfrm>
+          <a:off x="0" y="0"/>
+          <a:ext cx="0" cy="0"/>
+          <a:chOff x="0" y="0"/>
+          <a:chExt cx="0" cy="0"/>
+        </a:xfrm>
+      </p:grpSpPr>
+      <p:sp>
+        <p:nvSpPr>
+          <p:cNvPr id="2" name="Title 1"/>
+          <p:cNvSpPr>
+            <a:spLocks noGrp="1"/>
+          </p:cNvSpPr>
+          <p:nvPr>
+            <p:ph type="title"/>
+          </p:nvPr>
+        </p:nvSpPr>
+        <p:spPr/>
+        <p:txBody>
+          <a:bodyPr/>
+          <a:lstStyle/>
+          <a:p>
+            <a:pPr lvl="0" marL="0" indent="0">
+              <a:buNone/>
+            </a:pPr>
+            <a:r>
+              <a:rPr/>
+              <a:t>References</a:t>
+            </a:r>
+          </a:p>
+        </p:txBody>
+      </p:sp>
+      <p:pic>
+        <p:nvPicPr>
+          <p:cNvPr descr="../images/07/references-page-1.png" id="0" name="Picture 1"/>
+          <p:cNvPicPr>
+            <a:picLocks noGrp="1" noChangeAspect="1"/>
+          </p:cNvPicPr>
+          <p:nvPr/>
+        </p:nvPicPr>
+        <p:blipFill>
+          <a:blip r:embed="rId3"/>
+          <a:stretch>
+            <a:fillRect/>
+          </a:stretch>
+        </p:blipFill>
+        <p:spPr bwMode="auto">
+          <a:xfrm>
+            <a:off x="457200" y="2387600"/>
+            <a:ext cx="8229600" cy="2946400"/>
+          </a:xfrm>
+          <a:prstGeom prst="rect">
+            <a:avLst/>
+          </a:prstGeom>
+          <a:noFill/>
+          <a:ln w="9525">
+            <a:noFill/>
+            <a:headEnd/>
+            <a:tailEnd/>
+          </a:ln>
+        </p:spPr>
+      </p:pic>
+    </p:spTree>
+  </p:cSld>
+</p:sld>
+</file>
+
+<file path=ppt/slides/slide24.xml><?xml version="1.0" encoding="utf-8"?>
+<p:sld xmlns:a="http://schemas.openxmlformats.org/drawingml/2006/main" xmlns:r="http://schemas.openxmlformats.org/officeDocument/2006/relationships" xmlns:p="http://schemas.openxmlformats.org/presentationml/2006/main">
+  <p:cSld>
+    <p:spTree>
+      <p:nvGrpSpPr>
+        <p:cNvPr id="1" name=""/>
+        <p:cNvGrpSpPr/>
+        <p:nvPr/>
+      </p:nvGrpSpPr>
+      <p:grpSpPr>
+        <a:xfrm>
+          <a:off x="0" y="0"/>
+          <a:ext cx="0" cy="0"/>
+          <a:chOff x="0" y="0"/>
+          <a:chExt cx="0" cy="0"/>
+        </a:xfrm>
+      </p:grpSpPr>
+      <p:sp>
+        <p:nvSpPr>
+          <p:cNvPr id="2" name="Title 1"/>
+          <p:cNvSpPr>
+            <a:spLocks noGrp="1"/>
+          </p:cNvSpPr>
+          <p:nvPr>
+            <p:ph type="title"/>
+          </p:nvPr>
+        </p:nvSpPr>
+        <p:spPr/>
+        <p:txBody>
+          <a:bodyPr/>
+          <a:lstStyle/>
+          <a:p>
+            <a:pPr lvl="0" marL="0" indent="0">
+              <a:buNone/>
+            </a:pPr>
+            <a:r>
+              <a:rPr/>
+              <a:t>References</a:t>
+            </a:r>
+          </a:p>
+        </p:txBody>
+      </p:sp>
+      <p:pic>
+        <p:nvPicPr>
+          <p:cNvPr descr="../images/07/references-page-2.png" id="0" name="Picture 1"/>
+          <p:cNvPicPr>
+            <a:picLocks noGrp="1" noChangeAspect="1"/>
+          </p:cNvPicPr>
+          <p:nvPr/>
+        </p:nvPicPr>
+        <p:blipFill>
+          <a:blip r:embed="rId3"/>
+          <a:stretch>
+            <a:fillRect/>
+          </a:stretch>
+        </p:blipFill>
+        <p:spPr bwMode="auto">
+          <a:xfrm>
+            <a:off x="1016000" y="1600200"/>
+            <a:ext cx="7112000" cy="4521200"/>
+          </a:xfrm>
+          <a:prstGeom prst="rect">
+            <a:avLst/>
+          </a:prstGeom>
+          <a:noFill/>
+          <a:ln w="9525">
+            <a:noFill/>
+            <a:headEnd/>
+            <a:tailEnd/>
+          </a:ln>
+        </p:spPr>
+      </p:pic>
+    </p:spTree>
+  </p:cSld>
+</p:sld>
+</file>
+
+<file path=ppt/slides/slide25.xml><?xml version="1.0" encoding="utf-8"?>
+<p:sld xmlns:a="http://schemas.openxmlformats.org/drawingml/2006/main" xmlns:r="http://schemas.openxmlformats.org/officeDocument/2006/relationships" xmlns:p="http://schemas.openxmlformats.org/presentationml/2006/main">
+  <p:cSld>
+    <p:spTree>
+      <p:nvGrpSpPr>
+        <p:cNvPr id="1" name=""/>
+        <p:cNvGrpSpPr/>
+        <p:nvPr/>
+      </p:nvGrpSpPr>
+      <p:grpSpPr>
+        <a:xfrm>
+          <a:off x="0" y="0"/>
+          <a:ext cx="0" cy="0"/>
+          <a:chOff x="0" y="0"/>
+          <a:chExt cx="0" cy="0"/>
+        </a:xfrm>
+      </p:grpSpPr>
+      <p:sp>
+        <p:nvSpPr>
+          <p:cNvPr id="2" name="Title 1"/>
+          <p:cNvSpPr>
+            <a:spLocks noGrp="1"/>
+          </p:cNvSpPr>
+          <p:nvPr>
+            <p:ph type="title"/>
+          </p:nvPr>
+        </p:nvSpPr>
+        <p:spPr/>
+        <p:txBody>
+          <a:bodyPr/>
+          <a:lstStyle/>
+          <a:p>
+            <a:pPr lvl="0" marL="0" indent="0">
+              <a:buNone/>
+            </a:pPr>
+            <a:r>
+              <a:rPr/>
+              <a:t>References</a:t>
+            </a:r>
+          </a:p>
+        </p:txBody>
+      </p:sp>
+      <p:pic>
+        <p:nvPicPr>
+          <p:cNvPr descr="../images/07/references-page-3.png" id="0" name="Picture 1"/>
+          <p:cNvPicPr>
+            <a:picLocks noGrp="1" noChangeAspect="1"/>
+          </p:cNvPicPr>
+          <p:nvPr/>
+        </p:nvPicPr>
+        <p:blipFill>
+          <a:blip r:embed="rId3"/>
+          <a:stretch>
+            <a:fillRect/>
+          </a:stretch>
+        </p:blipFill>
+        <p:spPr bwMode="auto">
+          <a:xfrm>
+            <a:off x="1041400" y="1600200"/>
+            <a:ext cx="7061200" cy="4521200"/>
+          </a:xfrm>
+          <a:prstGeom prst="rect">
+            <a:avLst/>
+          </a:prstGeom>
+          <a:noFill/>
+          <a:ln w="9525">
+            <a:noFill/>
+            <a:headEnd/>
+            <a:tailEnd/>
+          </a:ln>
+        </p:spPr>
+      </p:pic>
+    </p:spTree>
+  </p:cSld>
+</p:sld>
+</file>
+
+<file path=ppt/slides/slide26.xml><?xml version="1.0" encoding="utf-8"?>
+<p:sld xmlns:a="http://schemas.openxmlformats.org/drawingml/2006/main" xmlns:r="http://schemas.openxmlformats.org/officeDocument/2006/relationships" xmlns:p="http://schemas.openxmlformats.org/presentationml/2006/main">
+  <p:cSld>
+    <p:spTree>
+      <p:nvGrpSpPr>
+        <p:cNvPr id="1" name=""/>
+        <p:cNvGrpSpPr/>
+        <p:nvPr/>
+      </p:nvGrpSpPr>
+      <p:grpSpPr>
+        <a:xfrm>
+          <a:off x="0" y="0"/>
+          <a:ext cx="0" cy="0"/>
+          <a:chOff x="0" y="0"/>
+          <a:chExt cx="0" cy="0"/>
+        </a:xfrm>
+      </p:grpSpPr>
+      <p:sp>
+        <p:nvSpPr>
+          <p:cNvPr id="2" name="Title 1"/>
+          <p:cNvSpPr>
+            <a:spLocks noGrp="1"/>
+          </p:cNvSpPr>
+          <p:nvPr>
+            <p:ph type="title"/>
+          </p:nvPr>
+        </p:nvSpPr>
+        <p:spPr/>
+        <p:txBody>
+          <a:bodyPr/>
+          <a:lstStyle/>
+          <a:p>
+            <a:pPr lvl="0" marL="0" indent="0">
+              <a:buNone/>
+            </a:pPr>
+            <a:r>
+              <a:rPr/>
+              <a:t>References</a:t>
+            </a:r>
+          </a:p>
+        </p:txBody>
+      </p:sp>
+      <p:pic>
+        <p:nvPicPr>
+          <p:cNvPr descr="../images/07/references-page-4.png" id="0" name="Picture 1"/>
+          <p:cNvPicPr>
+            <a:picLocks noGrp="1" noChangeAspect="1"/>
+          </p:cNvPicPr>
+          <p:nvPr/>
+        </p:nvPicPr>
+        <p:blipFill>
+          <a:blip r:embed="rId3"/>
+          <a:stretch>
+            <a:fillRect/>
+          </a:stretch>
+        </p:blipFill>
+        <p:spPr bwMode="auto">
+          <a:xfrm>
+            <a:off x="457200" y="3238500"/>
+            <a:ext cx="8229600" cy="1231900"/>
+          </a:xfrm>
+          <a:prstGeom prst="rect">
+            <a:avLst/>
+          </a:prstGeom>
+          <a:noFill/>
+          <a:ln w="9525">
+            <a:noFill/>
+            <a:headEnd/>
+            <a:tailEnd/>
+          </a:ln>
+        </p:spPr>
+      </p:pic>
+    </p:spTree>
+  </p:cSld>
+</p:sld>
+</file>
+
+<file path=ppt/slides/slide27.xml><?xml version="1.0" encoding="utf-8"?>
+<p:sld xmlns:a="http://schemas.openxmlformats.org/drawingml/2006/main" xmlns:r="http://schemas.openxmlformats.org/officeDocument/2006/relationships" xmlns:p="http://schemas.openxmlformats.org/presentationml/2006/main">
+  <p:cSld>
+    <p:spTree>
+      <p:nvGrpSpPr>
+        <p:cNvPr id="1" name=""/>
+        <p:cNvGrpSpPr/>
+        <p:nvPr/>
+      </p:nvGrpSpPr>
+      <p:grpSpPr>
+        <a:xfrm>
+          <a:off x="0" y="0"/>
+          <a:ext cx="0" cy="0"/>
+          <a:chOff x="0" y="0"/>
+          <a:chExt cx="0" cy="0"/>
+        </a:xfrm>
+      </p:grpSpPr>
+      <p:sp>
+        <p:nvSpPr>
+          <p:cNvPr id="2" name="Title 1"/>
+          <p:cNvSpPr>
+            <a:spLocks noGrp="1"/>
+          </p:cNvSpPr>
+          <p:nvPr>
+            <p:ph type="title"/>
+          </p:nvPr>
+        </p:nvSpPr>
+        <p:spPr/>
+        <p:txBody>
+          <a:bodyPr/>
+          <a:lstStyle/>
+          <a:p>
+            <a:pPr lvl="0" marL="0" indent="0">
+              <a:buNone/>
+            </a:pPr>
+            <a:r>
+              <a:rPr/>
+              <a:t>References</a:t>
+            </a:r>
+          </a:p>
+        </p:txBody>
+      </p:sp>
+      <p:pic>
+        <p:nvPicPr>
+          <p:cNvPr descr="../images/07/references-page-5.png" id="0" name="Picture 1"/>
+          <p:cNvPicPr>
+            <a:picLocks noGrp="1" noChangeAspect="1"/>
+          </p:cNvPicPr>
+          <p:nvPr/>
+        </p:nvPicPr>
+        <p:blipFill>
+          <a:blip r:embed="rId3"/>
+          <a:stretch>
+            <a:fillRect/>
+          </a:stretch>
+        </p:blipFill>
+        <p:spPr bwMode="auto">
+          <a:xfrm>
+            <a:off x="457200" y="2819400"/>
+            <a:ext cx="8229600" cy="2082800"/>
+          </a:xfrm>
+          <a:prstGeom prst="rect">
+            <a:avLst/>
+          </a:prstGeom>
+          <a:noFill/>
+          <a:ln w="9525">
+            <a:noFill/>
+            <a:headEnd/>
+            <a:tailEnd/>
+          </a:ln>
+        </p:spPr>
+      </p:pic>
+    </p:spTree>
+  </p:cSld>
+</p:sld>
+</file>
+
+<file path=ppt/slides/slide28.xml><?xml version="1.0" encoding="utf-8"?>
+<p:sld xmlns:a="http://schemas.openxmlformats.org/drawingml/2006/main" xmlns:r="http://schemas.openxmlformats.org/officeDocument/2006/relationships" xmlns:p="http://schemas.openxmlformats.org/presentationml/2006/main">
+  <p:cSld>
+    <p:spTree>
+      <p:nvGrpSpPr>
+        <p:cNvPr id="1" name=""/>
+        <p:cNvGrpSpPr/>
+        <p:nvPr/>
+      </p:nvGrpSpPr>
+      <p:grpSpPr>
+        <a:xfrm>
+          <a:off x="0" y="0"/>
+          <a:ext cx="0" cy="0"/>
+          <a:chOff x="0" y="0"/>
+          <a:chExt cx="0" cy="0"/>
+        </a:xfrm>
+      </p:grpSpPr>
+      <p:sp>
+        <p:nvSpPr>
+          <p:cNvPr id="2" name="Title 1"/>
+          <p:cNvSpPr>
+            <a:spLocks noGrp="1"/>
+          </p:cNvSpPr>
+          <p:nvPr>
+            <p:ph type="title"/>
+          </p:nvPr>
+        </p:nvSpPr>
+        <p:spPr/>
+        <p:txBody>
+          <a:bodyPr/>
+          <a:lstStyle/>
+          <a:p>
+            <a:pPr lvl="0" marL="0" indent="0">
+              <a:buNone/>
+            </a:pPr>
+            <a:r>
+              <a:rPr/>
+              <a:t>References</a:t>
+            </a:r>
+          </a:p>
+        </p:txBody>
+      </p:sp>
+      <p:pic>
+        <p:nvPicPr>
+          <p:cNvPr descr="../images/07/references-page-6.png" id="0" name="Picture 1"/>
+          <p:cNvPicPr>
+            <a:picLocks noGrp="1" noChangeAspect="1"/>
+          </p:cNvPicPr>
+          <p:nvPr/>
+        </p:nvPicPr>
+        <p:blipFill>
+          <a:blip r:embed="rId3"/>
+          <a:stretch>
+            <a:fillRect/>
+          </a:stretch>
+        </p:blipFill>
+        <p:spPr bwMode="auto">
+          <a:xfrm>
+            <a:off x="457200" y="1943100"/>
+            <a:ext cx="8229600" cy="3848100"/>
+          </a:xfrm>
+          <a:prstGeom prst="rect">
+            <a:avLst/>
+          </a:prstGeom>
+          <a:noFill/>
+          <a:ln w="9525">
+            <a:noFill/>
+            <a:headEnd/>
+            <a:tailEnd/>
+          </a:ln>
+        </p:spPr>
+      </p:pic>
+    </p:spTree>
+  </p:cSld>
+</p:sld>
+</file>
+
+<file path=ppt/slides/slide29.xml><?xml version="1.0" encoding="utf-8"?>
+<p:sld xmlns:a="http://schemas.openxmlformats.org/drawingml/2006/main" xmlns:r="http://schemas.openxmlformats.org/officeDocument/2006/relationships" xmlns:p="http://schemas.openxmlformats.org/presentationml/2006/main">
+  <p:cSld>
+    <p:spTree>
+      <p:nvGrpSpPr>
+        <p:cNvPr id="1" name=""/>
+        <p:cNvGrpSpPr/>
+        <p:nvPr/>
+      </p:nvGrpSpPr>
+      <p:grpSpPr>
+        <a:xfrm>
+          <a:off x="0" y="0"/>
+          <a:ext cx="0" cy="0"/>
+          <a:chOff x="0" y="0"/>
+          <a:chExt cx="0" cy="0"/>
+        </a:xfrm>
+      </p:grpSpPr>
+      <p:sp>
+        <p:nvSpPr>
+          <p:cNvPr id="2" name="Title 1"/>
+          <p:cNvSpPr>
+            <a:spLocks noGrp="1"/>
+          </p:cNvSpPr>
+          <p:nvPr>
+            <p:ph type="title"/>
+          </p:nvPr>
+        </p:nvSpPr>
+        <p:spPr/>
+        <p:txBody>
+          <a:bodyPr/>
+          <a:lstStyle/>
+          <a:p>
+            <a:pPr lvl="0" marL="0" indent="0">
+              <a:buNone/>
+            </a:pPr>
+            <a:r>
+              <a:rPr/>
+              <a:t>References</a:t>
+            </a:r>
+          </a:p>
+        </p:txBody>
+      </p:sp>
+      <p:pic>
+        <p:nvPicPr>
+          <p:cNvPr descr="../images/07/references-page-7.png" id="0" name="Picture 1"/>
+          <p:cNvPicPr>
+            <a:picLocks noGrp="1" noChangeAspect="1"/>
+          </p:cNvPicPr>
+          <p:nvPr/>
+        </p:nvPicPr>
+        <p:blipFill>
+          <a:blip r:embed="rId3"/>
+          <a:stretch>
+            <a:fillRect/>
+          </a:stretch>
+        </p:blipFill>
+        <p:spPr bwMode="auto">
+          <a:xfrm>
+            <a:off x="457200" y="2413000"/>
+            <a:ext cx="8229600" cy="2895600"/>
+          </a:xfrm>
+          <a:prstGeom prst="rect">
+            <a:avLst/>
+          </a:prstGeom>
+          <a:noFill/>
+          <a:ln w="9525">
+            <a:noFill/>
+            <a:headEnd/>
+            <a:tailEnd/>
+          </a:ln>
+        </p:spPr>
+      </p:pic>
     </p:spTree>
   </p:cSld>
 </p:sld>
@@ -12949,6 +20209,217 @@
             <a:r>
               <a:rPr/>
               <a:t>.</a:t>
+            </a:r>
+          </a:p>
+        </p:txBody>
+      </p:sp>
+    </p:spTree>
+  </p:cSld>
+</p:sld>
+</file>
+
+<file path=ppt/slides/slide30.xml><?xml version="1.0" encoding="utf-8"?>
+<p:sld xmlns:a="http://schemas.openxmlformats.org/drawingml/2006/main" xmlns:r="http://schemas.openxmlformats.org/officeDocument/2006/relationships" xmlns:p="http://schemas.openxmlformats.org/presentationml/2006/main">
+  <p:cSld>
+    <p:spTree>
+      <p:nvGrpSpPr>
+        <p:cNvPr id="1" name=""/>
+        <p:cNvGrpSpPr/>
+        <p:nvPr/>
+      </p:nvGrpSpPr>
+      <p:grpSpPr>
+        <a:xfrm>
+          <a:off x="0" y="0"/>
+          <a:ext cx="0" cy="0"/>
+          <a:chOff x="0" y="0"/>
+          <a:chExt cx="0" cy="0"/>
+        </a:xfrm>
+      </p:grpSpPr>
+      <p:sp>
+        <p:nvSpPr>
+          <p:cNvPr id="2" name="Title 1"/>
+          <p:cNvSpPr>
+            <a:spLocks noGrp="1"/>
+          </p:cNvSpPr>
+          <p:nvPr>
+            <p:ph type="title"/>
+          </p:nvPr>
+        </p:nvSpPr>
+        <p:spPr/>
+        <p:txBody>
+          <a:bodyPr/>
+          <a:lstStyle/>
+          <a:p>
+            <a:pPr lvl="0" marL="0" indent="0">
+              <a:buNone/>
+            </a:pPr>
+            <a:r>
+              <a:rPr/>
+              <a:t>References</a:t>
+            </a:r>
+          </a:p>
+        </p:txBody>
+      </p:sp>
+      <p:pic>
+        <p:nvPicPr>
+          <p:cNvPr descr="../images/07/references-page-8.png" id="0" name="Picture 1"/>
+          <p:cNvPicPr>
+            <a:picLocks noGrp="1" noChangeAspect="1"/>
+          </p:cNvPicPr>
+          <p:nvPr/>
+        </p:nvPicPr>
+        <p:blipFill>
+          <a:blip r:embed="rId3"/>
+          <a:stretch>
+            <a:fillRect/>
+          </a:stretch>
+        </p:blipFill>
+        <p:spPr bwMode="auto">
+          <a:xfrm>
+            <a:off x="723900" y="1600200"/>
+            <a:ext cx="7696200" cy="4521200"/>
+          </a:xfrm>
+          <a:prstGeom prst="rect">
+            <a:avLst/>
+          </a:prstGeom>
+          <a:noFill/>
+          <a:ln w="9525">
+            <a:noFill/>
+            <a:headEnd/>
+            <a:tailEnd/>
+          </a:ln>
+        </p:spPr>
+      </p:pic>
+    </p:spTree>
+  </p:cSld>
+</p:sld>
+</file>
+
+<file path=ppt/slides/slide31.xml><?xml version="1.0" encoding="utf-8"?>
+<p:sld xmlns:a="http://schemas.openxmlformats.org/drawingml/2006/main" xmlns:r="http://schemas.openxmlformats.org/officeDocument/2006/relationships" xmlns:p="http://schemas.openxmlformats.org/presentationml/2006/main">
+  <p:cSld>
+    <p:spTree>
+      <p:nvGrpSpPr>
+        <p:cNvPr id="1" name=""/>
+        <p:cNvGrpSpPr/>
+        <p:nvPr/>
+      </p:nvGrpSpPr>
+      <p:grpSpPr>
+        <a:xfrm>
+          <a:off x="0" y="0"/>
+          <a:ext cx="0" cy="0"/>
+          <a:chOff x="0" y="0"/>
+          <a:chExt cx="0" cy="0"/>
+        </a:xfrm>
+      </p:grpSpPr>
+      <p:sp>
+        <p:nvSpPr>
+          <p:cNvPr id="2" name="Title 1"/>
+          <p:cNvSpPr>
+            <a:spLocks noGrp="1"/>
+          </p:cNvSpPr>
+          <p:nvPr>
+            <p:ph type="title"/>
+          </p:nvPr>
+        </p:nvSpPr>
+        <p:spPr/>
+        <p:txBody>
+          <a:bodyPr/>
+          <a:lstStyle/>
+          <a:p>
+            <a:pPr lvl="0" marL="0" indent="0">
+              <a:buNone/>
+            </a:pPr>
+            <a:r>
+              <a:rPr/>
+              <a:t>Do</a:t>
+            </a:r>
+            <a:r>
+              <a:rPr/>
+              <a:t> </a:t>
+            </a:r>
+            <a:r>
+              <a:rPr/>
+              <a:t>I</a:t>
+            </a:r>
+            <a:r>
+              <a:rPr/>
+              <a:t> </a:t>
+            </a:r>
+            <a:r>
+              <a:rPr/>
+              <a:t>really</a:t>
+            </a:r>
+            <a:r>
+              <a:rPr/>
+              <a:t> </a:t>
+            </a:r>
+            <a:r>
+              <a:rPr/>
+              <a:t>need</a:t>
+            </a:r>
+            <a:r>
+              <a:rPr/>
+              <a:t> </a:t>
+            </a:r>
+            <a:r>
+              <a:rPr/>
+              <a:t>to</a:t>
+            </a:r>
+            <a:r>
+              <a:rPr/>
+              <a:t> </a:t>
+            </a:r>
+            <a:r>
+              <a:rPr/>
+              <a:t>be</a:t>
+            </a:r>
+            <a:r>
+              <a:rPr/>
+              <a:t> </a:t>
+            </a:r>
+            <a:r>
+              <a:rPr/>
+              <a:t>this</a:t>
+            </a:r>
+            <a:r>
+              <a:rPr/>
+              <a:t> </a:t>
+            </a:r>
+            <a:r>
+              <a:rPr/>
+              <a:t>detail</a:t>
+            </a:r>
+            <a:r>
+              <a:rPr/>
+              <a:t> </a:t>
+            </a:r>
+            <a:r>
+              <a:rPr/>
+              <a:t>oriented?</a:t>
+            </a:r>
+          </a:p>
+        </p:txBody>
+      </p:sp>
+      <p:sp>
+        <p:nvSpPr>
+          <p:cNvPr id="3" name="Content Placeholder 2"/>
+          <p:cNvSpPr>
+            <a:spLocks noGrp="1"/>
+          </p:cNvSpPr>
+          <p:nvPr>
+            <p:ph idx="1"/>
+          </p:nvPr>
+        </p:nvSpPr>
+        <p:spPr/>
+        <p:txBody>
+          <a:bodyPr/>
+          <a:lstStyle/>
+          <a:p>
+            <a:pPr lvl="1"/>
+            <a:r>
+              <a:rPr/>
+              <a:t>Yes</a:t>
             </a:r>
           </a:p>
         </p:txBody>
